--- a/Presentations/Capstone Presentation_MarikoMcDougall.pptx
+++ b/Presentations/Capstone Presentation_MarikoMcDougall.pptx
@@ -5,7 +5,7 @@
     <p:sldMasterId id="2147483774" r:id="rId1"/>
   </p:sldMasterIdLst>
   <p:notesMasterIdLst>
-    <p:notesMasterId r:id="rId52"/>
+    <p:notesMasterId r:id="rId53"/>
   </p:notesMasterIdLst>
   <p:sldIdLst>
     <p:sldId id="256" r:id="rId2"/>
@@ -46,18 +46,19 @@
     <p:sldId id="323" r:id="rId37"/>
     <p:sldId id="341" r:id="rId38"/>
     <p:sldId id="346" r:id="rId39"/>
-    <p:sldId id="342" r:id="rId40"/>
-    <p:sldId id="345" r:id="rId41"/>
-    <p:sldId id="298" r:id="rId42"/>
-    <p:sldId id="264" r:id="rId43"/>
-    <p:sldId id="284" r:id="rId44"/>
-    <p:sldId id="285" r:id="rId45"/>
-    <p:sldId id="337" r:id="rId46"/>
-    <p:sldId id="263" r:id="rId47"/>
-    <p:sldId id="283" r:id="rId48"/>
-    <p:sldId id="269" r:id="rId49"/>
-    <p:sldId id="315" r:id="rId50"/>
-    <p:sldId id="304" r:id="rId51"/>
+    <p:sldId id="347" r:id="rId40"/>
+    <p:sldId id="342" r:id="rId41"/>
+    <p:sldId id="345" r:id="rId42"/>
+    <p:sldId id="298" r:id="rId43"/>
+    <p:sldId id="264" r:id="rId44"/>
+    <p:sldId id="284" r:id="rId45"/>
+    <p:sldId id="285" r:id="rId46"/>
+    <p:sldId id="337" r:id="rId47"/>
+    <p:sldId id="263" r:id="rId48"/>
+    <p:sldId id="283" r:id="rId49"/>
+    <p:sldId id="269" r:id="rId50"/>
+    <p:sldId id="315" r:id="rId51"/>
+    <p:sldId id="304" r:id="rId52"/>
   </p:sldIdLst>
   <p:sldSz cx="12192000" cy="6858000"/>
   <p:notesSz cx="6858000" cy="9144000"/>
@@ -2822,7 +2823,7 @@
           <a:p>
             <a:fld id="{34006138-FD90-411C-97C8-B6BD58717ED6}" type="datetimeFigureOut">
               <a:rPr lang="en-CA" smtClean="0"/>
-              <a:t>2022-04-14</a:t>
+              <a:t>2022-04-19</a:t>
             </a:fld>
             <a:endParaRPr lang="en-CA"/>
           </a:p>
@@ -3755,7 +3756,7 @@
           <a:p>
             <a:fld id="{B3E64CFB-5C4E-48C0-A566-5BA5A8BD4DE2}" type="slidenum">
               <a:rPr lang="en-CA" smtClean="0"/>
-              <a:t>39</a:t>
+              <a:t>40</a:t>
             </a:fld>
             <a:endParaRPr lang="en-CA"/>
           </a:p>
@@ -3842,7 +3843,7 @@
           <a:p>
             <a:fld id="{B3E64CFB-5C4E-48C0-A566-5BA5A8BD4DE2}" type="slidenum">
               <a:rPr lang="en-CA" smtClean="0"/>
-              <a:t>46</a:t>
+              <a:t>47</a:t>
             </a:fld>
             <a:endParaRPr lang="en-CA"/>
           </a:p>
@@ -4334,7 +4335,7 @@
           <a:p>
             <a:fld id="{BD75A58E-DA16-45F6-88E4-DFEBDA6A48D5}" type="datetimeFigureOut">
               <a:rPr lang="en-CA" smtClean="0"/>
-              <a:t>2022-04-14</a:t>
+              <a:t>2022-04-19</a:t>
             </a:fld>
             <a:endParaRPr lang="en-CA"/>
           </a:p>
@@ -4536,7 +4537,7 @@
           <a:p>
             <a:fld id="{BD75A58E-DA16-45F6-88E4-DFEBDA6A48D5}" type="datetimeFigureOut">
               <a:rPr lang="en-CA" smtClean="0"/>
-              <a:t>2022-04-14</a:t>
+              <a:t>2022-04-19</a:t>
             </a:fld>
             <a:endParaRPr lang="en-CA"/>
           </a:p>
@@ -4716,7 +4717,7 @@
           <a:p>
             <a:fld id="{BD75A58E-DA16-45F6-88E4-DFEBDA6A48D5}" type="datetimeFigureOut">
               <a:rPr lang="en-CA" smtClean="0"/>
-              <a:t>2022-04-14</a:t>
+              <a:t>2022-04-19</a:t>
             </a:fld>
             <a:endParaRPr lang="en-CA"/>
           </a:p>
@@ -4886,7 +4887,7 @@
           <a:p>
             <a:fld id="{BD75A58E-DA16-45F6-88E4-DFEBDA6A48D5}" type="datetimeFigureOut">
               <a:rPr lang="en-CA" smtClean="0"/>
-              <a:t>2022-04-14</a:t>
+              <a:t>2022-04-19</a:t>
             </a:fld>
             <a:endParaRPr lang="en-CA"/>
           </a:p>
@@ -5466,7 +5467,7 @@
           <a:p>
             <a:fld id="{BD75A58E-DA16-45F6-88E4-DFEBDA6A48D5}" type="datetimeFigureOut">
               <a:rPr lang="en-CA" smtClean="0"/>
-              <a:t>2022-04-14</a:t>
+              <a:t>2022-04-19</a:t>
             </a:fld>
             <a:endParaRPr lang="en-CA"/>
           </a:p>
@@ -5768,7 +5769,7 @@
           <a:p>
             <a:fld id="{BD75A58E-DA16-45F6-88E4-DFEBDA6A48D5}" type="datetimeFigureOut">
               <a:rPr lang="en-CA" smtClean="0"/>
-              <a:t>2022-04-14</a:t>
+              <a:t>2022-04-19</a:t>
             </a:fld>
             <a:endParaRPr lang="en-CA"/>
           </a:p>
@@ -6205,7 +6206,7 @@
           <a:p>
             <a:fld id="{BD75A58E-DA16-45F6-88E4-DFEBDA6A48D5}" type="datetimeFigureOut">
               <a:rPr lang="en-CA" smtClean="0"/>
-              <a:t>2022-04-14</a:t>
+              <a:t>2022-04-19</a:t>
             </a:fld>
             <a:endParaRPr lang="en-CA"/>
           </a:p>
@@ -6323,7 +6324,7 @@
           <a:p>
             <a:fld id="{BD75A58E-DA16-45F6-88E4-DFEBDA6A48D5}" type="datetimeFigureOut">
               <a:rPr lang="en-CA" smtClean="0"/>
-              <a:t>2022-04-14</a:t>
+              <a:t>2022-04-19</a:t>
             </a:fld>
             <a:endParaRPr lang="en-CA"/>
           </a:p>
@@ -6418,7 +6419,7 @@
           <a:p>
             <a:fld id="{BD75A58E-DA16-45F6-88E4-DFEBDA6A48D5}" type="datetimeFigureOut">
               <a:rPr lang="en-CA" smtClean="0"/>
-              <a:t>2022-04-14</a:t>
+              <a:t>2022-04-19</a:t>
             </a:fld>
             <a:endParaRPr lang="en-CA"/>
           </a:p>
@@ -6762,7 +6763,7 @@
           <a:p>
             <a:fld id="{BD75A58E-DA16-45F6-88E4-DFEBDA6A48D5}" type="datetimeFigureOut">
               <a:rPr lang="en-CA" smtClean="0"/>
-              <a:t>2022-04-14</a:t>
+              <a:t>2022-04-19</a:t>
             </a:fld>
             <a:endParaRPr lang="en-CA"/>
           </a:p>
@@ -7151,7 +7152,7 @@
           <a:p>
             <a:fld id="{BD75A58E-DA16-45F6-88E4-DFEBDA6A48D5}" type="datetimeFigureOut">
               <a:rPr lang="en-CA" smtClean="0"/>
-              <a:t>2022-04-14</a:t>
+              <a:t>2022-04-19</a:t>
             </a:fld>
             <a:endParaRPr lang="en-CA"/>
           </a:p>
@@ -7459,7 +7460,7 @@
           <a:p>
             <a:fld id="{BD75A58E-DA16-45F6-88E4-DFEBDA6A48D5}" type="datetimeFigureOut">
               <a:rPr lang="en-CA" smtClean="0"/>
-              <a:t>2022-04-14</a:t>
+              <a:t>2022-04-19</a:t>
             </a:fld>
             <a:endParaRPr lang="en-CA"/>
           </a:p>
@@ -9423,7 +9424,7 @@
             <a:pPr lvl="1"/>
             <a:r>
               <a:rPr lang="en-CA" dirty="0"/>
-              <a:t>Tends to be more resilient to overfitting compared to a Random Forest</a:t>
+              <a:t>Tends to be better at boosting input differences compared to a Random Forest</a:t>
             </a:r>
           </a:p>
         </p:txBody>
@@ -18984,6 +18985,387 @@
           <p:cNvPr id="2" name="Title 1">
             <a:extLst>
               <a:ext uri="{FF2B5EF4-FFF2-40B4-BE49-F238E27FC236}">
+                <a16:creationId xmlns:a16="http://schemas.microsoft.com/office/drawing/2014/main" id="{FC220AC2-0AB9-4453-8EE6-C2E59FABE575}"/>
+              </a:ext>
+            </a:extLst>
+          </p:cNvPr>
+          <p:cNvSpPr>
+            <a:spLocks noGrp="1"/>
+          </p:cNvSpPr>
+          <p:nvPr>
+            <p:ph type="title"/>
+          </p:nvPr>
+        </p:nvSpPr>
+        <p:spPr/>
+        <p:txBody>
+          <a:bodyPr>
+            <a:normAutofit fontScale="90000"/>
+          </a:bodyPr>
+          <a:lstStyle/>
+          <a:p>
+            <a:r>
+              <a:rPr lang="en-CA" dirty="0"/>
+              <a:t>Results &amp; Analysis – </a:t>
+            </a:r>
+            <a:r>
+              <a:rPr lang="en-CA" dirty="0" err="1"/>
+              <a:t>Tf-idf</a:t>
+            </a:r>
+            <a:r>
+              <a:rPr lang="en-CA" dirty="0"/>
+              <a:t> Feature Sampling</a:t>
+            </a:r>
+          </a:p>
+        </p:txBody>
+      </p:sp>
+      <p:sp>
+        <p:nvSpPr>
+          <p:cNvPr id="3" name="Content Placeholder 2">
+            <a:extLst>
+              <a:ext uri="{FF2B5EF4-FFF2-40B4-BE49-F238E27FC236}">
+                <a16:creationId xmlns:a16="http://schemas.microsoft.com/office/drawing/2014/main" id="{3CA20BE4-4DE6-4892-8391-FD3C4E06BB1F}"/>
+              </a:ext>
+            </a:extLst>
+          </p:cNvPr>
+          <p:cNvSpPr>
+            <a:spLocks noGrp="1"/>
+          </p:cNvSpPr>
+          <p:nvPr>
+            <p:ph idx="1"/>
+          </p:nvPr>
+        </p:nvSpPr>
+        <p:spPr>
+          <a:xfrm>
+            <a:off x="6264998" y="2103120"/>
+            <a:ext cx="4860202" cy="3931920"/>
+          </a:xfrm>
+        </p:spPr>
+        <p:txBody>
+          <a:bodyPr/>
+          <a:lstStyle/>
+          <a:p>
+            <a:r>
+              <a:rPr lang="en-CA" dirty="0"/>
+              <a:t>Positive sentiment has a very narrow distribution across all features</a:t>
+            </a:r>
+          </a:p>
+          <a:p>
+            <a:pPr lvl="1"/>
+            <a:r>
+              <a:rPr lang="en-CA" dirty="0"/>
+              <a:t>Implies that the model is mainly fixating on sentiment</a:t>
+            </a:r>
+          </a:p>
+          <a:p>
+            <a:pPr lvl="1"/>
+            <a:r>
+              <a:rPr lang="en-CA" dirty="0"/>
+              <a:t>Outliers tend to be neutral verbs, such as ‘make’</a:t>
+            </a:r>
+          </a:p>
+          <a:p>
+            <a:pPr lvl="1"/>
+            <a:endParaRPr lang="en-CA" dirty="0"/>
+          </a:p>
+          <a:p>
+            <a:r>
+              <a:rPr lang="en-CA" dirty="0"/>
+              <a:t>Negative sentiment has much wider distribution, varies by feature</a:t>
+            </a:r>
+          </a:p>
+          <a:p>
+            <a:pPr lvl="1"/>
+            <a:r>
+              <a:rPr lang="en-CA" dirty="0"/>
+              <a:t>Implies that the model is identifying features and taking them into consideration.</a:t>
+            </a:r>
+          </a:p>
+        </p:txBody>
+      </p:sp>
+      <p:pic>
+        <p:nvPicPr>
+          <p:cNvPr id="5" name="Picture 4">
+            <a:extLst>
+              <a:ext uri="{FF2B5EF4-FFF2-40B4-BE49-F238E27FC236}">
+                <a16:creationId xmlns:a16="http://schemas.microsoft.com/office/drawing/2014/main" id="{BACBC759-A106-455F-BAB4-225282C413CB}"/>
+              </a:ext>
+            </a:extLst>
+          </p:cNvPr>
+          <p:cNvPicPr>
+            <a:picLocks noChangeAspect="1"/>
+          </p:cNvPicPr>
+          <p:nvPr/>
+        </p:nvPicPr>
+        <p:blipFill>
+          <a:blip r:embed="rId2"/>
+          <a:stretch>
+            <a:fillRect/>
+          </a:stretch>
+        </p:blipFill>
+        <p:spPr>
+          <a:xfrm>
+            <a:off x="1164558" y="2137943"/>
+            <a:ext cx="4073948" cy="4084503"/>
+          </a:xfrm>
+          <a:prstGeom prst="rect">
+            <a:avLst/>
+          </a:prstGeom>
+        </p:spPr>
+      </p:pic>
+    </p:spTree>
+    <p:extLst>
+      <p:ext uri="{BB962C8B-B14F-4D97-AF65-F5344CB8AC3E}">
+        <p14:creationId xmlns:p14="http://schemas.microsoft.com/office/powerpoint/2010/main" val="502699948"/>
+      </p:ext>
+    </p:extLst>
+  </p:cSld>
+  <p:clrMapOvr>
+    <a:masterClrMapping/>
+  </p:clrMapOvr>
+</p:sld>
+</file>
+
+<file path=ppt/slides/slide4.xml><?xml version="1.0" encoding="utf-8"?>
+<p:sld xmlns:a="http://schemas.openxmlformats.org/drawingml/2006/main" xmlns:r="http://schemas.openxmlformats.org/officeDocument/2006/relationships" xmlns:p="http://schemas.openxmlformats.org/presentationml/2006/main">
+  <p:cSld>
+    <p:spTree>
+      <p:nvGrpSpPr>
+        <p:cNvPr id="1" name=""/>
+        <p:cNvGrpSpPr/>
+        <p:nvPr/>
+      </p:nvGrpSpPr>
+      <p:grpSpPr>
+        <a:xfrm>
+          <a:off x="0" y="0"/>
+          <a:ext cx="0" cy="0"/>
+          <a:chOff x="0" y="0"/>
+          <a:chExt cx="0" cy="0"/>
+        </a:xfrm>
+      </p:grpSpPr>
+      <p:sp>
+        <p:nvSpPr>
+          <p:cNvPr id="2" name="Title 1">
+            <a:extLst>
+              <a:ext uri="{FF2B5EF4-FFF2-40B4-BE49-F238E27FC236}">
+                <a16:creationId xmlns:a16="http://schemas.microsoft.com/office/drawing/2014/main" id="{6EABAB51-A141-4C65-9C30-A0231555F9D9}"/>
+              </a:ext>
+            </a:extLst>
+          </p:cNvPr>
+          <p:cNvSpPr>
+            <a:spLocks noGrp="1"/>
+          </p:cNvSpPr>
+          <p:nvPr>
+            <p:ph type="title"/>
+          </p:nvPr>
+        </p:nvSpPr>
+        <p:spPr/>
+        <p:txBody>
+          <a:bodyPr>
+            <a:normAutofit fontScale="90000"/>
+          </a:bodyPr>
+          <a:lstStyle/>
+          <a:p>
+            <a:r>
+              <a:rPr lang="en-CA" dirty="0"/>
+              <a:t>Introduction - Problem Statement and Scope</a:t>
+            </a:r>
+          </a:p>
+        </p:txBody>
+      </p:sp>
+      <p:sp>
+        <p:nvSpPr>
+          <p:cNvPr id="3" name="Content Placeholder 2">
+            <a:extLst>
+              <a:ext uri="{FF2B5EF4-FFF2-40B4-BE49-F238E27FC236}">
+                <a16:creationId xmlns:a16="http://schemas.microsoft.com/office/drawing/2014/main" id="{04AB7A56-9D1E-45B2-9074-07E90389F48B}"/>
+              </a:ext>
+            </a:extLst>
+          </p:cNvPr>
+          <p:cNvSpPr>
+            <a:spLocks noGrp="1"/>
+          </p:cNvSpPr>
+          <p:nvPr>
+            <p:ph idx="1"/>
+          </p:nvPr>
+        </p:nvSpPr>
+        <p:spPr>
+          <a:xfrm>
+            <a:off x="5375563" y="2327564"/>
+            <a:ext cx="6243781" cy="4021961"/>
+          </a:xfrm>
+        </p:spPr>
+        <p:txBody>
+          <a:bodyPr>
+            <a:normAutofit fontScale="92500" lnSpcReduction="10000"/>
+          </a:bodyPr>
+          <a:lstStyle/>
+          <a:p>
+            <a:pPr marL="0" indent="0">
+              <a:buNone/>
+            </a:pPr>
+            <a:r>
+              <a:rPr lang="en-CA" sz="2200" b="1" dirty="0"/>
+              <a:t>Problem Statement</a:t>
+            </a:r>
+          </a:p>
+          <a:p>
+            <a:r>
+              <a:rPr lang="en-CA" sz="2000" dirty="0"/>
+              <a:t> Given the hotel industry’s intense competition, knowing what factors have the highest impact on a visitor’s experience is critical to maintaining high review scores, occupancy and profitability. </a:t>
+            </a:r>
+          </a:p>
+          <a:p>
+            <a:pPr lvl="1"/>
+            <a:r>
+              <a:rPr lang="en-CA" dirty="0"/>
+              <a:t>This is especially true now, as customer priorities may have shifted during the pandemic. </a:t>
+            </a:r>
+          </a:p>
+          <a:p>
+            <a:endParaRPr lang="en-CA" sz="1800" dirty="0"/>
+          </a:p>
+          <a:p>
+            <a:pPr marL="0" indent="0">
+              <a:buNone/>
+            </a:pPr>
+            <a:r>
+              <a:rPr lang="en-CA" sz="2000" b="1" dirty="0"/>
+              <a:t>Project Scope</a:t>
+            </a:r>
+          </a:p>
+          <a:p>
+            <a:pPr lvl="1"/>
+            <a:r>
+              <a:rPr lang="en-CA" sz="1800" dirty="0"/>
+              <a:t>Extract the most informative features from hotel reviews</a:t>
+            </a:r>
+          </a:p>
+          <a:p>
+            <a:pPr lvl="1"/>
+            <a:r>
+              <a:rPr lang="en-CA" sz="1800" dirty="0"/>
+              <a:t>Train advanced natural language processing models on the reviews</a:t>
+            </a:r>
+          </a:p>
+          <a:p>
+            <a:pPr lvl="1"/>
+            <a:r>
+              <a:rPr lang="en-CA" sz="1800" dirty="0"/>
+              <a:t>Make predictions on the impact of the extracted features, as well as novel review scores</a:t>
+            </a:r>
+          </a:p>
+          <a:p>
+            <a:pPr lvl="1"/>
+            <a:endParaRPr lang="en-CA" sz="1800" dirty="0"/>
+          </a:p>
+          <a:p>
+            <a:pPr marL="0" indent="0">
+              <a:buNone/>
+            </a:pPr>
+            <a:endParaRPr lang="en-CA" sz="2000" dirty="0"/>
+          </a:p>
+        </p:txBody>
+      </p:sp>
+      <p:pic>
+        <p:nvPicPr>
+          <p:cNvPr id="4" name="Picture 2">
+            <a:extLst>
+              <a:ext uri="{FF2B5EF4-FFF2-40B4-BE49-F238E27FC236}">
+                <a16:creationId xmlns:a16="http://schemas.microsoft.com/office/drawing/2014/main" id="{76E64566-9B1D-40BE-B2E5-8EB4D4CC0BF1}"/>
+              </a:ext>
+            </a:extLst>
+          </p:cNvPr>
+          <p:cNvPicPr>
+            <a:picLocks noChangeAspect="1" noChangeArrowheads="1"/>
+          </p:cNvPicPr>
+          <p:nvPr/>
+        </p:nvPicPr>
+        <p:blipFill>
+          <a:blip r:embed="rId2">
+            <a:extLst>
+              <a:ext uri="{28A0092B-C50C-407E-A947-70E740481C1C}">
+                <a14:useLocalDpi xmlns:a14="http://schemas.microsoft.com/office/drawing/2010/main" val="0"/>
+              </a:ext>
+            </a:extLst>
+          </a:blip>
+          <a:srcRect/>
+          <a:stretch/>
+        </p:blipFill>
+        <p:spPr bwMode="auto">
+          <a:xfrm>
+            <a:off x="819175" y="2198921"/>
+            <a:ext cx="4390135" cy="3407551"/>
+          </a:xfrm>
+          <a:prstGeom prst="rect">
+            <a:avLst/>
+          </a:prstGeom>
+          <a:solidFill>
+            <a:srgbClr val="FFFFFF">
+              <a:shade val="85000"/>
+            </a:srgbClr>
+          </a:solidFill>
+          <a:ln w="88900" cap="sq">
+            <a:solidFill>
+              <a:srgbClr val="FFFFFF"/>
+            </a:solidFill>
+            <a:miter lim="800000"/>
+          </a:ln>
+          <a:effectLst>
+            <a:outerShdw blurRad="55000" dist="18000" dir="5400000" algn="tl" rotWithShape="0">
+              <a:srgbClr val="000000">
+                <a:alpha val="40000"/>
+              </a:srgbClr>
+            </a:outerShdw>
+          </a:effectLst>
+          <a:scene3d>
+            <a:camera prst="orthographicFront"/>
+            <a:lightRig rig="twoPt" dir="t">
+              <a:rot lat="0" lon="0" rev="7200000"/>
+            </a:lightRig>
+          </a:scene3d>
+          <a:sp3d>
+            <a:bevelT w="25400" h="19050"/>
+            <a:contourClr>
+              <a:srgbClr val="FFFFFF"/>
+            </a:contourClr>
+          </a:sp3d>
+        </p:spPr>
+      </p:pic>
+    </p:spTree>
+    <p:extLst>
+      <p:ext uri="{BB962C8B-B14F-4D97-AF65-F5344CB8AC3E}">
+        <p14:creationId xmlns:p14="http://schemas.microsoft.com/office/powerpoint/2010/main" val="1530549238"/>
+      </p:ext>
+    </p:extLst>
+  </p:cSld>
+  <p:clrMapOvr>
+    <a:masterClrMapping/>
+  </p:clrMapOvr>
+</p:sld>
+</file>
+
+<file path=ppt/slides/slide40.xml><?xml version="1.0" encoding="utf-8"?>
+<p:sld xmlns:a="http://schemas.openxmlformats.org/drawingml/2006/main" xmlns:r="http://schemas.openxmlformats.org/officeDocument/2006/relationships" xmlns:p="http://schemas.openxmlformats.org/presentationml/2006/main">
+  <p:cSld>
+    <p:spTree>
+      <p:nvGrpSpPr>
+        <p:cNvPr id="1" name=""/>
+        <p:cNvGrpSpPr/>
+        <p:nvPr/>
+      </p:nvGrpSpPr>
+      <p:grpSpPr>
+        <a:xfrm>
+          <a:off x="0" y="0"/>
+          <a:ext cx="0" cy="0"/>
+          <a:chOff x="0" y="0"/>
+          <a:chExt cx="0" cy="0"/>
+        </a:xfrm>
+      </p:grpSpPr>
+      <p:sp>
+        <p:nvSpPr>
+          <p:cNvPr id="2" name="Title 1">
+            <a:extLst>
+              <a:ext uri="{FF2B5EF4-FFF2-40B4-BE49-F238E27FC236}">
                 <a16:creationId xmlns:a16="http://schemas.microsoft.com/office/drawing/2014/main" id="{3A4A4C65-BFAC-411D-9684-B25C3596AF38}"/>
               </a:ext>
             </a:extLst>
@@ -19721,226 +20103,7 @@
 </p:sld>
 </file>
 
-<file path=ppt/slides/slide4.xml><?xml version="1.0" encoding="utf-8"?>
-<p:sld xmlns:a="http://schemas.openxmlformats.org/drawingml/2006/main" xmlns:r="http://schemas.openxmlformats.org/officeDocument/2006/relationships" xmlns:p="http://schemas.openxmlformats.org/presentationml/2006/main">
-  <p:cSld>
-    <p:spTree>
-      <p:nvGrpSpPr>
-        <p:cNvPr id="1" name=""/>
-        <p:cNvGrpSpPr/>
-        <p:nvPr/>
-      </p:nvGrpSpPr>
-      <p:grpSpPr>
-        <a:xfrm>
-          <a:off x="0" y="0"/>
-          <a:ext cx="0" cy="0"/>
-          <a:chOff x="0" y="0"/>
-          <a:chExt cx="0" cy="0"/>
-        </a:xfrm>
-      </p:grpSpPr>
-      <p:sp>
-        <p:nvSpPr>
-          <p:cNvPr id="2" name="Title 1">
-            <a:extLst>
-              <a:ext uri="{FF2B5EF4-FFF2-40B4-BE49-F238E27FC236}">
-                <a16:creationId xmlns:a16="http://schemas.microsoft.com/office/drawing/2014/main" id="{6EABAB51-A141-4C65-9C30-A0231555F9D9}"/>
-              </a:ext>
-            </a:extLst>
-          </p:cNvPr>
-          <p:cNvSpPr>
-            <a:spLocks noGrp="1"/>
-          </p:cNvSpPr>
-          <p:nvPr>
-            <p:ph type="title"/>
-          </p:nvPr>
-        </p:nvSpPr>
-        <p:spPr/>
-        <p:txBody>
-          <a:bodyPr>
-            <a:normAutofit fontScale="90000"/>
-          </a:bodyPr>
-          <a:lstStyle/>
-          <a:p>
-            <a:r>
-              <a:rPr lang="en-CA" dirty="0"/>
-              <a:t>Introduction - Problem Statement and Scope</a:t>
-            </a:r>
-          </a:p>
-        </p:txBody>
-      </p:sp>
-      <p:sp>
-        <p:nvSpPr>
-          <p:cNvPr id="3" name="Content Placeholder 2">
-            <a:extLst>
-              <a:ext uri="{FF2B5EF4-FFF2-40B4-BE49-F238E27FC236}">
-                <a16:creationId xmlns:a16="http://schemas.microsoft.com/office/drawing/2014/main" id="{04AB7A56-9D1E-45B2-9074-07E90389F48B}"/>
-              </a:ext>
-            </a:extLst>
-          </p:cNvPr>
-          <p:cNvSpPr>
-            <a:spLocks noGrp="1"/>
-          </p:cNvSpPr>
-          <p:nvPr>
-            <p:ph idx="1"/>
-          </p:nvPr>
-        </p:nvSpPr>
-        <p:spPr>
-          <a:xfrm>
-            <a:off x="5375563" y="2327564"/>
-            <a:ext cx="6243781" cy="4021961"/>
-          </a:xfrm>
-        </p:spPr>
-        <p:txBody>
-          <a:bodyPr>
-            <a:normAutofit fontScale="92500" lnSpcReduction="10000"/>
-          </a:bodyPr>
-          <a:lstStyle/>
-          <a:p>
-            <a:pPr marL="0" indent="0">
-              <a:buNone/>
-            </a:pPr>
-            <a:r>
-              <a:rPr lang="en-CA" sz="2200" b="1" dirty="0"/>
-              <a:t>Problem Statement</a:t>
-            </a:r>
-          </a:p>
-          <a:p>
-            <a:r>
-              <a:rPr lang="en-CA" sz="2000" dirty="0"/>
-              <a:t> Given the hotel industry’s intense competition, knowing what factors have the highest impact on a visitor’s experience is critical to maintaining high review scores, occupancy and profitability. </a:t>
-            </a:r>
-          </a:p>
-          <a:p>
-            <a:pPr lvl="1"/>
-            <a:r>
-              <a:rPr lang="en-CA" dirty="0"/>
-              <a:t>This is especially true now, as customer priorities may have shifted during the pandemic. </a:t>
-            </a:r>
-          </a:p>
-          <a:p>
-            <a:endParaRPr lang="en-CA" sz="1800" dirty="0"/>
-          </a:p>
-          <a:p>
-            <a:pPr marL="0" indent="0">
-              <a:buNone/>
-            </a:pPr>
-            <a:r>
-              <a:rPr lang="en-CA" sz="2000" b="1" dirty="0"/>
-              <a:t>Project Scope</a:t>
-            </a:r>
-          </a:p>
-          <a:p>
-            <a:pPr lvl="1"/>
-            <a:r>
-              <a:rPr lang="en-CA" sz="1800" dirty="0"/>
-              <a:t>Extract the most informative features from hotel reviews</a:t>
-            </a:r>
-          </a:p>
-          <a:p>
-            <a:pPr lvl="1"/>
-            <a:r>
-              <a:rPr lang="en-CA" sz="1800" dirty="0"/>
-              <a:t>Train advanced natural language processing models on the reviews</a:t>
-            </a:r>
-          </a:p>
-          <a:p>
-            <a:pPr lvl="1"/>
-            <a:r>
-              <a:rPr lang="en-CA" sz="1800" dirty="0"/>
-              <a:t>Make predictions on the impact of the extracted features, as well as novel review scores</a:t>
-            </a:r>
-          </a:p>
-          <a:p>
-            <a:pPr lvl="1"/>
-            <a:endParaRPr lang="en-CA" sz="1800" dirty="0"/>
-          </a:p>
-          <a:p>
-            <a:pPr marL="0" indent="0">
-              <a:buNone/>
-            </a:pPr>
-            <a:endParaRPr lang="en-CA" sz="2000" dirty="0"/>
-          </a:p>
-        </p:txBody>
-      </p:sp>
-      <p:pic>
-        <p:nvPicPr>
-          <p:cNvPr id="4" name="Picture 2">
-            <a:extLst>
-              <a:ext uri="{FF2B5EF4-FFF2-40B4-BE49-F238E27FC236}">
-                <a16:creationId xmlns:a16="http://schemas.microsoft.com/office/drawing/2014/main" id="{76E64566-9B1D-40BE-B2E5-8EB4D4CC0BF1}"/>
-              </a:ext>
-            </a:extLst>
-          </p:cNvPr>
-          <p:cNvPicPr>
-            <a:picLocks noChangeAspect="1" noChangeArrowheads="1"/>
-          </p:cNvPicPr>
-          <p:nvPr/>
-        </p:nvPicPr>
-        <p:blipFill>
-          <a:blip r:embed="rId2">
-            <a:extLst>
-              <a:ext uri="{28A0092B-C50C-407E-A947-70E740481C1C}">
-                <a14:useLocalDpi xmlns:a14="http://schemas.microsoft.com/office/drawing/2010/main" val="0"/>
-              </a:ext>
-            </a:extLst>
-          </a:blip>
-          <a:srcRect/>
-          <a:stretch/>
-        </p:blipFill>
-        <p:spPr bwMode="auto">
-          <a:xfrm>
-            <a:off x="819175" y="2198921"/>
-            <a:ext cx="4390135" cy="3407551"/>
-          </a:xfrm>
-          <a:prstGeom prst="rect">
-            <a:avLst/>
-          </a:prstGeom>
-          <a:solidFill>
-            <a:srgbClr val="FFFFFF">
-              <a:shade val="85000"/>
-            </a:srgbClr>
-          </a:solidFill>
-          <a:ln w="88900" cap="sq">
-            <a:solidFill>
-              <a:srgbClr val="FFFFFF"/>
-            </a:solidFill>
-            <a:miter lim="800000"/>
-          </a:ln>
-          <a:effectLst>
-            <a:outerShdw blurRad="55000" dist="18000" dir="5400000" algn="tl" rotWithShape="0">
-              <a:srgbClr val="000000">
-                <a:alpha val="40000"/>
-              </a:srgbClr>
-            </a:outerShdw>
-          </a:effectLst>
-          <a:scene3d>
-            <a:camera prst="orthographicFront"/>
-            <a:lightRig rig="twoPt" dir="t">
-              <a:rot lat="0" lon="0" rev="7200000"/>
-            </a:lightRig>
-          </a:scene3d>
-          <a:sp3d>
-            <a:bevelT w="25400" h="19050"/>
-            <a:contourClr>
-              <a:srgbClr val="FFFFFF"/>
-            </a:contourClr>
-          </a:sp3d>
-        </p:spPr>
-      </p:pic>
-    </p:spTree>
-    <p:extLst>
-      <p:ext uri="{BB962C8B-B14F-4D97-AF65-F5344CB8AC3E}">
-        <p14:creationId xmlns:p14="http://schemas.microsoft.com/office/powerpoint/2010/main" val="1530549238"/>
-      </p:ext>
-    </p:extLst>
-  </p:cSld>
-  <p:clrMapOvr>
-    <a:masterClrMapping/>
-  </p:clrMapOvr>
-</p:sld>
-</file>
-
-<file path=ppt/slides/slide40.xml><?xml version="1.0" encoding="utf-8"?>
+<file path=ppt/slides/slide41.xml><?xml version="1.0" encoding="utf-8"?>
 <p:sld xmlns:a="http://schemas.openxmlformats.org/drawingml/2006/main" xmlns:r="http://schemas.openxmlformats.org/officeDocument/2006/relationships" xmlns:p="http://schemas.openxmlformats.org/presentationml/2006/main">
   <p:cSld>
     <p:spTree>
@@ -20711,7 +20874,7 @@
 </p:sld>
 </file>
 
-<file path=ppt/slides/slide41.xml><?xml version="1.0" encoding="utf-8"?>
+<file path=ppt/slides/slide42.xml><?xml version="1.0" encoding="utf-8"?>
 <p:sld xmlns:a="http://schemas.openxmlformats.org/drawingml/2006/main" xmlns:r="http://schemas.openxmlformats.org/officeDocument/2006/relationships" xmlns:p="http://schemas.openxmlformats.org/presentationml/2006/main">
   <p:cSld>
     <p:spTree>
@@ -21736,7 +21899,7 @@
 </p:sld>
 </file>
 
-<file path=ppt/slides/slide42.xml><?xml version="1.0" encoding="utf-8"?>
+<file path=ppt/slides/slide43.xml><?xml version="1.0" encoding="utf-8"?>
 <p:sld xmlns:a="http://schemas.openxmlformats.org/drawingml/2006/main" xmlns:r="http://schemas.openxmlformats.org/officeDocument/2006/relationships" xmlns:p="http://schemas.openxmlformats.org/presentationml/2006/main">
   <p:cSld>
     <p:spTree>
@@ -22573,7 +22736,7 @@
 </p:sld>
 </file>
 
-<file path=ppt/slides/slide43.xml><?xml version="1.0" encoding="utf-8"?>
+<file path=ppt/slides/slide44.xml><?xml version="1.0" encoding="utf-8"?>
 <p:sld xmlns:a="http://schemas.openxmlformats.org/drawingml/2006/main" xmlns:r="http://schemas.openxmlformats.org/officeDocument/2006/relationships" xmlns:p="http://schemas.openxmlformats.org/presentationml/2006/main">
   <p:cSld>
     <p:spTree>
@@ -23952,7 +24115,7 @@
 </p:sld>
 </file>
 
-<file path=ppt/slides/slide44.xml><?xml version="1.0" encoding="utf-8"?>
+<file path=ppt/slides/slide45.xml><?xml version="1.0" encoding="utf-8"?>
 <p:sld xmlns:a="http://schemas.openxmlformats.org/drawingml/2006/main" xmlns:r="http://schemas.openxmlformats.org/officeDocument/2006/relationships" xmlns:p="http://schemas.openxmlformats.org/presentationml/2006/main">
   <p:cSld>
     <p:spTree>
@@ -24719,7 +24882,7 @@
 </p:sld>
 </file>
 
-<file path=ppt/slides/slide45.xml><?xml version="1.0" encoding="utf-8"?>
+<file path=ppt/slides/slide46.xml><?xml version="1.0" encoding="utf-8"?>
 <p:sld xmlns:a="http://schemas.openxmlformats.org/drawingml/2006/main" xmlns:r="http://schemas.openxmlformats.org/officeDocument/2006/relationships" xmlns:p="http://schemas.openxmlformats.org/presentationml/2006/main">
   <p:cSld>
     <p:spTree>
@@ -24920,7 +25083,7 @@
 </p:sld>
 </file>
 
-<file path=ppt/slides/slide46.xml><?xml version="1.0" encoding="utf-8"?>
+<file path=ppt/slides/slide47.xml><?xml version="1.0" encoding="utf-8"?>
 <p:sld xmlns:a="http://schemas.openxmlformats.org/drawingml/2006/main" xmlns:r="http://schemas.openxmlformats.org/officeDocument/2006/relationships" xmlns:p="http://schemas.openxmlformats.org/presentationml/2006/main">
   <p:cSld>
     <p:spTree>
@@ -25045,7 +25208,7 @@
 </p:sld>
 </file>
 
-<file path=ppt/slides/slide47.xml><?xml version="1.0" encoding="utf-8"?>
+<file path=ppt/slides/slide48.xml><?xml version="1.0" encoding="utf-8"?>
 <p:sld xmlns:a="http://schemas.openxmlformats.org/drawingml/2006/main" xmlns:r="http://schemas.openxmlformats.org/officeDocument/2006/relationships" xmlns:p="http://schemas.openxmlformats.org/presentationml/2006/main">
   <p:cSld>
     <p:spTree>
@@ -25172,7 +25335,7 @@
 </p:sld>
 </file>
 
-<file path=ppt/slides/slide48.xml><?xml version="1.0" encoding="utf-8"?>
+<file path=ppt/slides/slide49.xml><?xml version="1.0" encoding="utf-8"?>
 <p:sld xmlns:a="http://schemas.openxmlformats.org/drawingml/2006/main" xmlns:r="http://schemas.openxmlformats.org/officeDocument/2006/relationships" xmlns:p="http://schemas.openxmlformats.org/presentationml/2006/main">
   <p:cSld>
     <p:spTree>
@@ -25299,7 +25462,228 @@
 </p:sld>
 </file>
 
-<file path=ppt/slides/slide49.xml><?xml version="1.0" encoding="utf-8"?>
+<file path=ppt/slides/slide5.xml><?xml version="1.0" encoding="utf-8"?>
+<p:sld xmlns:a="http://schemas.openxmlformats.org/drawingml/2006/main" xmlns:r="http://schemas.openxmlformats.org/officeDocument/2006/relationships" xmlns:p="http://schemas.openxmlformats.org/presentationml/2006/main">
+  <p:cSld>
+    <p:spTree>
+      <p:nvGrpSpPr>
+        <p:cNvPr id="1" name=""/>
+        <p:cNvGrpSpPr/>
+        <p:nvPr/>
+      </p:nvGrpSpPr>
+      <p:grpSpPr>
+        <a:xfrm>
+          <a:off x="0" y="0"/>
+          <a:ext cx="0" cy="0"/>
+          <a:chOff x="0" y="0"/>
+          <a:chExt cx="0" cy="0"/>
+        </a:xfrm>
+      </p:grpSpPr>
+      <p:sp>
+        <p:nvSpPr>
+          <p:cNvPr id="2" name="Title 1">
+            <a:extLst>
+              <a:ext uri="{FF2B5EF4-FFF2-40B4-BE49-F238E27FC236}">
+                <a16:creationId xmlns:a16="http://schemas.microsoft.com/office/drawing/2014/main" id="{0072CB01-A20B-48BA-AEDF-CD8DCCFB2039}"/>
+              </a:ext>
+            </a:extLst>
+          </p:cNvPr>
+          <p:cNvSpPr>
+            <a:spLocks noGrp="1"/>
+          </p:cNvSpPr>
+          <p:nvPr>
+            <p:ph type="title"/>
+          </p:nvPr>
+        </p:nvSpPr>
+        <p:spPr/>
+        <p:txBody>
+          <a:bodyPr/>
+          <a:lstStyle/>
+          <a:p>
+            <a:r>
+              <a:rPr lang="en-CA" dirty="0"/>
+              <a:t>Index</a:t>
+            </a:r>
+          </a:p>
+        </p:txBody>
+      </p:sp>
+      <p:sp>
+        <p:nvSpPr>
+          <p:cNvPr id="7" name="Content Placeholder 6">
+            <a:extLst>
+              <a:ext uri="{FF2B5EF4-FFF2-40B4-BE49-F238E27FC236}">
+                <a16:creationId xmlns:a16="http://schemas.microsoft.com/office/drawing/2014/main" id="{F33CD7B8-A603-4D2B-9164-B69A810AA541}"/>
+              </a:ext>
+            </a:extLst>
+          </p:cNvPr>
+          <p:cNvSpPr>
+            <a:spLocks noGrp="1"/>
+          </p:cNvSpPr>
+          <p:nvPr>
+            <p:ph sz="half" idx="2"/>
+          </p:nvPr>
+        </p:nvSpPr>
+        <p:spPr>
+          <a:xfrm>
+            <a:off x="6845181" y="2661718"/>
+            <a:ext cx="3580689" cy="3687807"/>
+          </a:xfrm>
+        </p:spPr>
+        <p:txBody>
+          <a:bodyPr>
+            <a:normAutofit/>
+          </a:bodyPr>
+          <a:lstStyle/>
+          <a:p>
+            <a:r>
+              <a:rPr lang="en-CA" sz="2400" dirty="0"/>
+              <a:t>Introduction</a:t>
+            </a:r>
+          </a:p>
+          <a:p>
+            <a:r>
+              <a:rPr lang="en-CA" sz="2400" b="1" dirty="0"/>
+              <a:t>Literature Review</a:t>
+            </a:r>
+          </a:p>
+          <a:p>
+            <a:r>
+              <a:rPr lang="en-CA" sz="2400" dirty="0"/>
+              <a:t>Methodology</a:t>
+            </a:r>
+          </a:p>
+          <a:p>
+            <a:r>
+              <a:rPr lang="en-CA" sz="2400" dirty="0"/>
+              <a:t>Results and Analysis</a:t>
+            </a:r>
+          </a:p>
+          <a:p>
+            <a:r>
+              <a:rPr lang="en-CA" sz="2400" dirty="0"/>
+              <a:t>Conclusions</a:t>
+            </a:r>
+          </a:p>
+          <a:p>
+            <a:r>
+              <a:rPr lang="en-CA" sz="2400" dirty="0"/>
+              <a:t>References</a:t>
+            </a:r>
+          </a:p>
+        </p:txBody>
+      </p:sp>
+      <p:pic>
+        <p:nvPicPr>
+          <p:cNvPr id="1026" name="Picture 2" descr="Hotels by Hilton - Book the Best Rates Across All Brands">
+            <a:extLst>
+              <a:ext uri="{FF2B5EF4-FFF2-40B4-BE49-F238E27FC236}">
+                <a16:creationId xmlns:a16="http://schemas.microsoft.com/office/drawing/2014/main" id="{A19A0432-DF5D-4FD2-BD4B-72FA78255CD1}"/>
+              </a:ext>
+            </a:extLst>
+          </p:cNvPr>
+          <p:cNvPicPr>
+            <a:picLocks noGrp="1" noChangeAspect="1" noChangeArrowheads="1"/>
+          </p:cNvPicPr>
+          <p:nvPr>
+            <p:ph sz="half" idx="1"/>
+          </p:nvPr>
+        </p:nvPicPr>
+        <p:blipFill>
+          <a:blip r:embed="rId2">
+            <a:extLst>
+              <a:ext uri="{28A0092B-C50C-407E-A947-70E740481C1C}">
+                <a14:useLocalDpi xmlns:a14="http://schemas.microsoft.com/office/drawing/2010/main" val="0"/>
+              </a:ext>
+            </a:extLst>
+          </a:blip>
+          <a:srcRect/>
+          <a:stretch>
+            <a:fillRect/>
+          </a:stretch>
+        </p:blipFill>
+        <p:spPr bwMode="auto">
+          <a:xfrm>
+            <a:off x="690484" y="2298015"/>
+            <a:ext cx="4888940" cy="3256751"/>
+          </a:xfrm>
+          <a:prstGeom prst="rect">
+            <a:avLst/>
+          </a:prstGeom>
+          <a:solidFill>
+            <a:srgbClr val="FFFFFF">
+              <a:shade val="85000"/>
+            </a:srgbClr>
+          </a:solidFill>
+          <a:ln w="88900" cap="sq">
+            <a:solidFill>
+              <a:srgbClr val="FFFFFF"/>
+            </a:solidFill>
+            <a:miter lim="800000"/>
+          </a:ln>
+          <a:effectLst>
+            <a:outerShdw blurRad="55000" dist="18000" dir="5400000" algn="tl" rotWithShape="0">
+              <a:srgbClr val="000000">
+                <a:alpha val="40000"/>
+              </a:srgbClr>
+            </a:outerShdw>
+          </a:effectLst>
+          <a:scene3d>
+            <a:camera prst="orthographicFront"/>
+            <a:lightRig rig="twoPt" dir="t">
+              <a:rot lat="0" lon="0" rev="7200000"/>
+            </a:lightRig>
+          </a:scene3d>
+          <a:sp3d>
+            <a:bevelT w="25400" h="19050"/>
+            <a:contourClr>
+              <a:srgbClr val="FFFFFF"/>
+            </a:contourClr>
+          </a:sp3d>
+        </p:spPr>
+      </p:pic>
+      <p:pic>
+        <p:nvPicPr>
+          <p:cNvPr id="4" name="Picture 3">
+            <a:extLst>
+              <a:ext uri="{FF2B5EF4-FFF2-40B4-BE49-F238E27FC236}">
+                <a16:creationId xmlns:a16="http://schemas.microsoft.com/office/drawing/2014/main" id="{5F1DD64B-5F00-464F-9465-FF70D586D24C}"/>
+              </a:ext>
+            </a:extLst>
+          </p:cNvPr>
+          <p:cNvPicPr>
+            <a:picLocks noChangeAspect="1"/>
+          </p:cNvPicPr>
+          <p:nvPr/>
+        </p:nvPicPr>
+        <p:blipFill rotWithShape="1">
+          <a:blip r:embed="rId3"/>
+          <a:srcRect t="35412" b="36463"/>
+          <a:stretch/>
+        </p:blipFill>
+        <p:spPr>
+          <a:xfrm>
+            <a:off x="5579424" y="484070"/>
+            <a:ext cx="4876800" cy="1371601"/>
+          </a:xfrm>
+          <a:prstGeom prst="rect">
+            <a:avLst/>
+          </a:prstGeom>
+        </p:spPr>
+      </p:pic>
+    </p:spTree>
+    <p:extLst>
+      <p:ext uri="{BB962C8B-B14F-4D97-AF65-F5344CB8AC3E}">
+        <p14:creationId xmlns:p14="http://schemas.microsoft.com/office/powerpoint/2010/main" val="1226107724"/>
+      </p:ext>
+    </p:extLst>
+  </p:cSld>
+  <p:clrMapOvr>
+    <a:masterClrMapping/>
+  </p:clrMapOvr>
+</p:sld>
+</file>
+
+<file path=ppt/slides/slide50.xml><?xml version="1.0" encoding="utf-8"?>
 <p:sld xmlns:a="http://schemas.openxmlformats.org/drawingml/2006/main" xmlns:r="http://schemas.openxmlformats.org/officeDocument/2006/relationships" xmlns:p="http://schemas.openxmlformats.org/presentationml/2006/main">
   <p:cSld>
     <p:spTree>
@@ -25371,7 +25755,7 @@
             <p:ph idx="1"/>
             <p:extLst>
               <p:ext uri="{D42A27DB-BD31-4B8C-83A1-F6EECF244321}">
-                <p14:modId xmlns:p14="http://schemas.microsoft.com/office/powerpoint/2010/main" val="847294669"/>
+                <p14:modId xmlns:p14="http://schemas.microsoft.com/office/powerpoint/2010/main" val="3655489232"/>
               </p:ext>
             </p:extLst>
           </p:nvPr>
@@ -25527,7 +25911,7 @@
                           <a:ea typeface="+mn-ea"/>
                           <a:cs typeface="+mn-cs"/>
                         </a:rPr>
-                        <a:t>0.4890</a:t>
+                        <a:t>0.489</a:t>
                       </a:r>
                     </a:p>
                   </a:txBody>
@@ -25549,7 +25933,7 @@
                           <a:ea typeface="+mn-ea"/>
                           <a:cs typeface="+mn-cs"/>
                         </a:rPr>
-                        <a:t>2.4124</a:t>
+                        <a:t>2.412</a:t>
                       </a:r>
                     </a:p>
                   </a:txBody>
@@ -25600,7 +25984,7 @@
                           <a:ea typeface="+mn-ea"/>
                           <a:cs typeface="+mn-cs"/>
                         </a:rPr>
-                        <a:t>0.730490</a:t>
+                        <a:t>0.730</a:t>
                       </a:r>
                       <a:endParaRPr lang="en-CA" sz="1800" b="0" u="none" strike="noStrike" kern="1200" dirty="0">
                         <a:solidFill>
@@ -25631,7 +26015,7 @@
                           <a:ea typeface="+mn-ea"/>
                           <a:cs typeface="+mn-cs"/>
                         </a:rPr>
-                        <a:t>0.31500</a:t>
+                        <a:t>0.315</a:t>
                       </a:r>
                       <a:endParaRPr lang="en-CA" sz="1800" b="0" u="none" strike="noStrike" kern="1200" dirty="0">
                         <a:solidFill>
@@ -25691,7 +26075,7 @@
                           <a:ea typeface="+mn-ea"/>
                           <a:cs typeface="+mn-cs"/>
                         </a:rPr>
-                        <a:t>0.7295098</a:t>
+                        <a:t>0.729</a:t>
                       </a:r>
                       <a:endParaRPr lang="en-CA" sz="1800" b="0" u="none" strike="noStrike" kern="1200" dirty="0">
                         <a:solidFill>
@@ -25722,7 +26106,7 @@
                           <a:ea typeface="+mn-ea"/>
                           <a:cs typeface="+mn-cs"/>
                         </a:rPr>
-                        <a:t>0.31323</a:t>
+                        <a:t>0.313</a:t>
                       </a:r>
                       <a:endParaRPr lang="en-CA" sz="1800" b="0" u="none" strike="noStrike" kern="1200" dirty="0">
                         <a:solidFill>
@@ -25782,7 +26166,7 @@
                           <a:ea typeface="+mn-ea"/>
                           <a:cs typeface="+mn-cs"/>
                         </a:rPr>
-                        <a:t>0.72539</a:t>
+                        <a:t>0.725</a:t>
                       </a:r>
                       <a:endParaRPr lang="en-CA" sz="1800" b="1" u="none" strike="noStrike" kern="1200" dirty="0">
                         <a:solidFill>
@@ -25813,7 +26197,7 @@
                           <a:ea typeface="+mn-ea"/>
                           <a:cs typeface="+mn-cs"/>
                         </a:rPr>
-                        <a:t>0.321764</a:t>
+                        <a:t>0.322</a:t>
                       </a:r>
                       <a:endParaRPr lang="en-CA" sz="1800" b="1" u="none" strike="noStrike" kern="1200" dirty="0">
                         <a:solidFill>
@@ -25873,7 +26257,7 @@
                           <a:ea typeface="+mn-ea"/>
                           <a:cs typeface="+mn-cs"/>
                         </a:rPr>
-                        <a:t>0.73127</a:t>
+                        <a:t>0.731</a:t>
                       </a:r>
                       <a:endParaRPr lang="en-CA" sz="1800" b="1" u="none" strike="noStrike" kern="1200" dirty="0">
                         <a:solidFill>
@@ -25904,7 +26288,7 @@
                           <a:ea typeface="+mn-ea"/>
                           <a:cs typeface="+mn-cs"/>
                         </a:rPr>
-                        <a:t>0.31931</a:t>
+                        <a:t>0.319</a:t>
                       </a:r>
                       <a:endParaRPr lang="en-CA" sz="1800" b="1" u="none" strike="noStrike" kern="1200" dirty="0">
                         <a:solidFill>
@@ -26125,228 +26509,7 @@
 </p:sld>
 </file>
 
-<file path=ppt/slides/slide5.xml><?xml version="1.0" encoding="utf-8"?>
-<p:sld xmlns:a="http://schemas.openxmlformats.org/drawingml/2006/main" xmlns:r="http://schemas.openxmlformats.org/officeDocument/2006/relationships" xmlns:p="http://schemas.openxmlformats.org/presentationml/2006/main">
-  <p:cSld>
-    <p:spTree>
-      <p:nvGrpSpPr>
-        <p:cNvPr id="1" name=""/>
-        <p:cNvGrpSpPr/>
-        <p:nvPr/>
-      </p:nvGrpSpPr>
-      <p:grpSpPr>
-        <a:xfrm>
-          <a:off x="0" y="0"/>
-          <a:ext cx="0" cy="0"/>
-          <a:chOff x="0" y="0"/>
-          <a:chExt cx="0" cy="0"/>
-        </a:xfrm>
-      </p:grpSpPr>
-      <p:sp>
-        <p:nvSpPr>
-          <p:cNvPr id="2" name="Title 1">
-            <a:extLst>
-              <a:ext uri="{FF2B5EF4-FFF2-40B4-BE49-F238E27FC236}">
-                <a16:creationId xmlns:a16="http://schemas.microsoft.com/office/drawing/2014/main" id="{0072CB01-A20B-48BA-AEDF-CD8DCCFB2039}"/>
-              </a:ext>
-            </a:extLst>
-          </p:cNvPr>
-          <p:cNvSpPr>
-            <a:spLocks noGrp="1"/>
-          </p:cNvSpPr>
-          <p:nvPr>
-            <p:ph type="title"/>
-          </p:nvPr>
-        </p:nvSpPr>
-        <p:spPr/>
-        <p:txBody>
-          <a:bodyPr/>
-          <a:lstStyle/>
-          <a:p>
-            <a:r>
-              <a:rPr lang="en-CA" dirty="0"/>
-              <a:t>Index</a:t>
-            </a:r>
-          </a:p>
-        </p:txBody>
-      </p:sp>
-      <p:sp>
-        <p:nvSpPr>
-          <p:cNvPr id="7" name="Content Placeholder 6">
-            <a:extLst>
-              <a:ext uri="{FF2B5EF4-FFF2-40B4-BE49-F238E27FC236}">
-                <a16:creationId xmlns:a16="http://schemas.microsoft.com/office/drawing/2014/main" id="{F33CD7B8-A603-4D2B-9164-B69A810AA541}"/>
-              </a:ext>
-            </a:extLst>
-          </p:cNvPr>
-          <p:cNvSpPr>
-            <a:spLocks noGrp="1"/>
-          </p:cNvSpPr>
-          <p:nvPr>
-            <p:ph sz="half" idx="2"/>
-          </p:nvPr>
-        </p:nvSpPr>
-        <p:spPr>
-          <a:xfrm>
-            <a:off x="6845181" y="2661718"/>
-            <a:ext cx="3580689" cy="3687807"/>
-          </a:xfrm>
-        </p:spPr>
-        <p:txBody>
-          <a:bodyPr>
-            <a:normAutofit/>
-          </a:bodyPr>
-          <a:lstStyle/>
-          <a:p>
-            <a:r>
-              <a:rPr lang="en-CA" sz="2400" dirty="0"/>
-              <a:t>Introduction</a:t>
-            </a:r>
-          </a:p>
-          <a:p>
-            <a:r>
-              <a:rPr lang="en-CA" sz="2400" b="1" dirty="0"/>
-              <a:t>Literature Review</a:t>
-            </a:r>
-          </a:p>
-          <a:p>
-            <a:r>
-              <a:rPr lang="en-CA" sz="2400" dirty="0"/>
-              <a:t>Methodology</a:t>
-            </a:r>
-          </a:p>
-          <a:p>
-            <a:r>
-              <a:rPr lang="en-CA" sz="2400" dirty="0"/>
-              <a:t>Results and Analysis</a:t>
-            </a:r>
-          </a:p>
-          <a:p>
-            <a:r>
-              <a:rPr lang="en-CA" sz="2400" dirty="0"/>
-              <a:t>Conclusions</a:t>
-            </a:r>
-          </a:p>
-          <a:p>
-            <a:r>
-              <a:rPr lang="en-CA" sz="2400" dirty="0"/>
-              <a:t>References</a:t>
-            </a:r>
-          </a:p>
-        </p:txBody>
-      </p:sp>
-      <p:pic>
-        <p:nvPicPr>
-          <p:cNvPr id="1026" name="Picture 2" descr="Hotels by Hilton - Book the Best Rates Across All Brands">
-            <a:extLst>
-              <a:ext uri="{FF2B5EF4-FFF2-40B4-BE49-F238E27FC236}">
-                <a16:creationId xmlns:a16="http://schemas.microsoft.com/office/drawing/2014/main" id="{A19A0432-DF5D-4FD2-BD4B-72FA78255CD1}"/>
-              </a:ext>
-            </a:extLst>
-          </p:cNvPr>
-          <p:cNvPicPr>
-            <a:picLocks noGrp="1" noChangeAspect="1" noChangeArrowheads="1"/>
-          </p:cNvPicPr>
-          <p:nvPr>
-            <p:ph sz="half" idx="1"/>
-          </p:nvPr>
-        </p:nvPicPr>
-        <p:blipFill>
-          <a:blip r:embed="rId2">
-            <a:extLst>
-              <a:ext uri="{28A0092B-C50C-407E-A947-70E740481C1C}">
-                <a14:useLocalDpi xmlns:a14="http://schemas.microsoft.com/office/drawing/2010/main" val="0"/>
-              </a:ext>
-            </a:extLst>
-          </a:blip>
-          <a:srcRect/>
-          <a:stretch>
-            <a:fillRect/>
-          </a:stretch>
-        </p:blipFill>
-        <p:spPr bwMode="auto">
-          <a:xfrm>
-            <a:off x="690484" y="2298015"/>
-            <a:ext cx="4888940" cy="3256751"/>
-          </a:xfrm>
-          <a:prstGeom prst="rect">
-            <a:avLst/>
-          </a:prstGeom>
-          <a:solidFill>
-            <a:srgbClr val="FFFFFF">
-              <a:shade val="85000"/>
-            </a:srgbClr>
-          </a:solidFill>
-          <a:ln w="88900" cap="sq">
-            <a:solidFill>
-              <a:srgbClr val="FFFFFF"/>
-            </a:solidFill>
-            <a:miter lim="800000"/>
-          </a:ln>
-          <a:effectLst>
-            <a:outerShdw blurRad="55000" dist="18000" dir="5400000" algn="tl" rotWithShape="0">
-              <a:srgbClr val="000000">
-                <a:alpha val="40000"/>
-              </a:srgbClr>
-            </a:outerShdw>
-          </a:effectLst>
-          <a:scene3d>
-            <a:camera prst="orthographicFront"/>
-            <a:lightRig rig="twoPt" dir="t">
-              <a:rot lat="0" lon="0" rev="7200000"/>
-            </a:lightRig>
-          </a:scene3d>
-          <a:sp3d>
-            <a:bevelT w="25400" h="19050"/>
-            <a:contourClr>
-              <a:srgbClr val="FFFFFF"/>
-            </a:contourClr>
-          </a:sp3d>
-        </p:spPr>
-      </p:pic>
-      <p:pic>
-        <p:nvPicPr>
-          <p:cNvPr id="4" name="Picture 3">
-            <a:extLst>
-              <a:ext uri="{FF2B5EF4-FFF2-40B4-BE49-F238E27FC236}">
-                <a16:creationId xmlns:a16="http://schemas.microsoft.com/office/drawing/2014/main" id="{5F1DD64B-5F00-464F-9465-FF70D586D24C}"/>
-              </a:ext>
-            </a:extLst>
-          </p:cNvPr>
-          <p:cNvPicPr>
-            <a:picLocks noChangeAspect="1"/>
-          </p:cNvPicPr>
-          <p:nvPr/>
-        </p:nvPicPr>
-        <p:blipFill rotWithShape="1">
-          <a:blip r:embed="rId3"/>
-          <a:srcRect t="35412" b="36463"/>
-          <a:stretch/>
-        </p:blipFill>
-        <p:spPr>
-          <a:xfrm>
-            <a:off x="5579424" y="484070"/>
-            <a:ext cx="4876800" cy="1371601"/>
-          </a:xfrm>
-          <a:prstGeom prst="rect">
-            <a:avLst/>
-          </a:prstGeom>
-        </p:spPr>
-      </p:pic>
-    </p:spTree>
-    <p:extLst>
-      <p:ext uri="{BB962C8B-B14F-4D97-AF65-F5344CB8AC3E}">
-        <p14:creationId xmlns:p14="http://schemas.microsoft.com/office/powerpoint/2010/main" val="1226107724"/>
-      </p:ext>
-    </p:extLst>
-  </p:cSld>
-  <p:clrMapOvr>
-    <a:masterClrMapping/>
-  </p:clrMapOvr>
-</p:sld>
-</file>
-
-<file path=ppt/slides/slide50.xml><?xml version="1.0" encoding="utf-8"?>
+<file path=ppt/slides/slide51.xml><?xml version="1.0" encoding="utf-8"?>
 <p:sld xmlns:a="http://schemas.openxmlformats.org/drawingml/2006/main" xmlns:r="http://schemas.openxmlformats.org/officeDocument/2006/relationships" xmlns:p="http://schemas.openxmlformats.org/presentationml/2006/main">
   <p:cSld>
     <p:spTree>

--- a/Presentations/Capstone Presentation_MarikoMcDougall.pptx
+++ b/Presentations/Capstone Presentation_MarikoMcDougall.pptx
@@ -5,7 +5,7 @@
     <p:sldMasterId id="2147483774" r:id="rId1"/>
   </p:sldMasterIdLst>
   <p:notesMasterIdLst>
-    <p:notesMasterId r:id="rId53"/>
+    <p:notesMasterId r:id="rId56"/>
   </p:notesMasterIdLst>
   <p:sldIdLst>
     <p:sldId id="256" r:id="rId2"/>
@@ -34,31 +34,34 @@
     <p:sldId id="326" r:id="rId25"/>
     <p:sldId id="327" r:id="rId26"/>
     <p:sldId id="312" r:id="rId27"/>
-    <p:sldId id="333" r:id="rId28"/>
-    <p:sldId id="318" r:id="rId29"/>
-    <p:sldId id="317" r:id="rId30"/>
-    <p:sldId id="321" r:id="rId31"/>
-    <p:sldId id="274" r:id="rId32"/>
-    <p:sldId id="278" r:id="rId33"/>
-    <p:sldId id="330" r:id="rId34"/>
-    <p:sldId id="325" r:id="rId35"/>
-    <p:sldId id="322" r:id="rId36"/>
-    <p:sldId id="323" r:id="rId37"/>
-    <p:sldId id="341" r:id="rId38"/>
-    <p:sldId id="346" r:id="rId39"/>
-    <p:sldId id="347" r:id="rId40"/>
-    <p:sldId id="342" r:id="rId41"/>
-    <p:sldId id="345" r:id="rId42"/>
-    <p:sldId id="298" r:id="rId43"/>
-    <p:sldId id="264" r:id="rId44"/>
-    <p:sldId id="284" r:id="rId45"/>
-    <p:sldId id="285" r:id="rId46"/>
-    <p:sldId id="337" r:id="rId47"/>
-    <p:sldId id="263" r:id="rId48"/>
-    <p:sldId id="283" r:id="rId49"/>
-    <p:sldId id="269" r:id="rId50"/>
-    <p:sldId id="315" r:id="rId51"/>
-    <p:sldId id="304" r:id="rId52"/>
+    <p:sldId id="349" r:id="rId28"/>
+    <p:sldId id="350" r:id="rId29"/>
+    <p:sldId id="348" r:id="rId30"/>
+    <p:sldId id="333" r:id="rId31"/>
+    <p:sldId id="318" r:id="rId32"/>
+    <p:sldId id="317" r:id="rId33"/>
+    <p:sldId id="321" r:id="rId34"/>
+    <p:sldId id="274" r:id="rId35"/>
+    <p:sldId id="278" r:id="rId36"/>
+    <p:sldId id="341" r:id="rId37"/>
+    <p:sldId id="346" r:id="rId38"/>
+    <p:sldId id="347" r:id="rId39"/>
+    <p:sldId id="330" r:id="rId40"/>
+    <p:sldId id="325" r:id="rId41"/>
+    <p:sldId id="342" r:id="rId42"/>
+    <p:sldId id="345" r:id="rId43"/>
+    <p:sldId id="337" r:id="rId44"/>
+    <p:sldId id="298" r:id="rId45"/>
+    <p:sldId id="322" r:id="rId46"/>
+    <p:sldId id="323" r:id="rId47"/>
+    <p:sldId id="264" r:id="rId48"/>
+    <p:sldId id="284" r:id="rId49"/>
+    <p:sldId id="285" r:id="rId50"/>
+    <p:sldId id="263" r:id="rId51"/>
+    <p:sldId id="283" r:id="rId52"/>
+    <p:sldId id="269" r:id="rId53"/>
+    <p:sldId id="315" r:id="rId54"/>
+    <p:sldId id="304" r:id="rId55"/>
   </p:sldIdLst>
   <p:sldSz cx="12192000" cy="6858000"/>
   <p:notesSz cx="6858000" cy="9144000"/>
@@ -196,7 +199,14 @@
               </a:defRPr>
             </a:pPr>
             <a:r>
-              <a:rPr lang="en-CA" dirty="0"/>
+              <a:rPr lang="en-CA" dirty="0">
+                <a:solidFill>
+                  <a:schemeClr val="tx1">
+                    <a:lumMod val="85000"/>
+                    <a:lumOff val="15000"/>
+                  </a:schemeClr>
+                </a:solidFill>
+              </a:rPr>
               <a:t>Accuracy</a:t>
             </a:r>
           </a:p>
@@ -975,7 +985,14 @@
               </a:defRPr>
             </a:pPr>
             <a:r>
-              <a:rPr lang="en-CA" dirty="0"/>
+              <a:rPr lang="en-CA" dirty="0">
+                <a:solidFill>
+                  <a:schemeClr val="tx1">
+                    <a:lumMod val="85000"/>
+                    <a:lumOff val="15000"/>
+                  </a:schemeClr>
+                </a:solidFill>
+              </a:rPr>
               <a:t>MSE</a:t>
             </a:r>
           </a:p>
@@ -2823,7 +2840,7 @@
           <a:p>
             <a:fld id="{34006138-FD90-411C-97C8-B6BD58717ED6}" type="datetimeFigureOut">
               <a:rPr lang="en-CA" smtClean="0"/>
-              <a:t>2022-04-19</a:t>
+              <a:t>2022-04-22</a:t>
             </a:fld>
             <a:endParaRPr lang="en-CA"/>
           </a:p>
@@ -3309,6 +3326,18 @@
           <a:bodyPr/>
           <a:lstStyle/>
           <a:p>
+            <a:r>
+              <a:rPr lang="en-CA" dirty="0"/>
+              <a:t>Electra – 110M, Ernie 340M, </a:t>
+            </a:r>
+            <a:r>
+              <a:rPr lang="en-CA" dirty="0" err="1"/>
+              <a:t>DeBERTa</a:t>
+            </a:r>
+            <a:r>
+              <a:rPr lang="en-CA"/>
+              <a:t> 1.5B</a:t>
+            </a:r>
             <a:endParaRPr lang="en-CA" dirty="0"/>
           </a:p>
         </p:txBody>
@@ -3585,7 +3614,7 @@
           <a:p>
             <a:fld id="{B3E64CFB-5C4E-48C0-A566-5BA5A8BD4DE2}" type="slidenum">
               <a:rPr lang="en-CA" smtClean="0"/>
-              <a:t>37</a:t>
+              <a:t>36</a:t>
             </a:fld>
             <a:endParaRPr lang="en-CA"/>
           </a:p>
@@ -3669,7 +3698,7 @@
           <a:p>
             <a:fld id="{B3E64CFB-5C4E-48C0-A566-5BA5A8BD4DE2}" type="slidenum">
               <a:rPr lang="en-CA" smtClean="0"/>
-              <a:t>38</a:t>
+              <a:t>37</a:t>
             </a:fld>
             <a:endParaRPr lang="en-CA"/>
           </a:p>
@@ -3756,7 +3785,7 @@
           <a:p>
             <a:fld id="{B3E64CFB-5C4E-48C0-A566-5BA5A8BD4DE2}" type="slidenum">
               <a:rPr lang="en-CA" smtClean="0"/>
-              <a:t>40</a:t>
+              <a:t>41</a:t>
             </a:fld>
             <a:endParaRPr lang="en-CA"/>
           </a:p>
@@ -3819,9 +3848,26 @@
           <a:bodyPr/>
           <a:lstStyle/>
           <a:p>
+            <a:pPr marL="0" marR="0" lvl="0" indent="0" algn="l" defTabSz="914400" rtl="0" eaLnBrk="1" fontAlgn="auto" latinLnBrk="0" hangingPunct="1">
+              <a:lnSpc>
+                <a:spcPct val="100000"/>
+              </a:lnSpc>
+              <a:spcBef>
+                <a:spcPts val="0"/>
+              </a:spcBef>
+              <a:spcAft>
+                <a:spcPts val="0"/>
+              </a:spcAft>
+              <a:buClrTx/>
+              <a:buSzTx/>
+              <a:buFontTx/>
+              <a:buNone/>
+              <a:tabLst/>
+              <a:defRPr/>
+            </a:pPr>
             <a:r>
               <a:rPr lang="en-CA" dirty="0"/>
-              <a:t>Min value: RI with 16 hotels, max Texas with 218</a:t>
+              <a:t>Min value: Mississippi with 8310 reviews, max Nevada with 299,316</a:t>
             </a:r>
           </a:p>
         </p:txBody>
@@ -3843,7 +3889,7 @@
           <a:p>
             <a:fld id="{B3E64CFB-5C4E-48C0-A566-5BA5A8BD4DE2}" type="slidenum">
               <a:rPr lang="en-CA" smtClean="0"/>
-              <a:t>47</a:t>
+              <a:t>50</a:t>
             </a:fld>
             <a:endParaRPr lang="en-CA"/>
           </a:p>
@@ -4335,7 +4381,7 @@
           <a:p>
             <a:fld id="{BD75A58E-DA16-45F6-88E4-DFEBDA6A48D5}" type="datetimeFigureOut">
               <a:rPr lang="en-CA" smtClean="0"/>
-              <a:t>2022-04-19</a:t>
+              <a:t>2022-04-22</a:t>
             </a:fld>
             <a:endParaRPr lang="en-CA"/>
           </a:p>
@@ -4537,7 +4583,7 @@
           <a:p>
             <a:fld id="{BD75A58E-DA16-45F6-88E4-DFEBDA6A48D5}" type="datetimeFigureOut">
               <a:rPr lang="en-CA" smtClean="0"/>
-              <a:t>2022-04-19</a:t>
+              <a:t>2022-04-22</a:t>
             </a:fld>
             <a:endParaRPr lang="en-CA"/>
           </a:p>
@@ -4717,7 +4763,7 @@
           <a:p>
             <a:fld id="{BD75A58E-DA16-45F6-88E4-DFEBDA6A48D5}" type="datetimeFigureOut">
               <a:rPr lang="en-CA" smtClean="0"/>
-              <a:t>2022-04-19</a:t>
+              <a:t>2022-04-22</a:t>
             </a:fld>
             <a:endParaRPr lang="en-CA"/>
           </a:p>
@@ -4887,7 +4933,7 @@
           <a:p>
             <a:fld id="{BD75A58E-DA16-45F6-88E4-DFEBDA6A48D5}" type="datetimeFigureOut">
               <a:rPr lang="en-CA" smtClean="0"/>
-              <a:t>2022-04-19</a:t>
+              <a:t>2022-04-22</a:t>
             </a:fld>
             <a:endParaRPr lang="en-CA"/>
           </a:p>
@@ -5467,7 +5513,7 @@
           <a:p>
             <a:fld id="{BD75A58E-DA16-45F6-88E4-DFEBDA6A48D5}" type="datetimeFigureOut">
               <a:rPr lang="en-CA" smtClean="0"/>
-              <a:t>2022-04-19</a:t>
+              <a:t>2022-04-22</a:t>
             </a:fld>
             <a:endParaRPr lang="en-CA"/>
           </a:p>
@@ -5769,7 +5815,7 @@
           <a:p>
             <a:fld id="{BD75A58E-DA16-45F6-88E4-DFEBDA6A48D5}" type="datetimeFigureOut">
               <a:rPr lang="en-CA" smtClean="0"/>
-              <a:t>2022-04-19</a:t>
+              <a:t>2022-04-22</a:t>
             </a:fld>
             <a:endParaRPr lang="en-CA"/>
           </a:p>
@@ -6206,7 +6252,7 @@
           <a:p>
             <a:fld id="{BD75A58E-DA16-45F6-88E4-DFEBDA6A48D5}" type="datetimeFigureOut">
               <a:rPr lang="en-CA" smtClean="0"/>
-              <a:t>2022-04-19</a:t>
+              <a:t>2022-04-22</a:t>
             </a:fld>
             <a:endParaRPr lang="en-CA"/>
           </a:p>
@@ -6324,7 +6370,7 @@
           <a:p>
             <a:fld id="{BD75A58E-DA16-45F6-88E4-DFEBDA6A48D5}" type="datetimeFigureOut">
               <a:rPr lang="en-CA" smtClean="0"/>
-              <a:t>2022-04-19</a:t>
+              <a:t>2022-04-22</a:t>
             </a:fld>
             <a:endParaRPr lang="en-CA"/>
           </a:p>
@@ -6419,7 +6465,7 @@
           <a:p>
             <a:fld id="{BD75A58E-DA16-45F6-88E4-DFEBDA6A48D5}" type="datetimeFigureOut">
               <a:rPr lang="en-CA" smtClean="0"/>
-              <a:t>2022-04-19</a:t>
+              <a:t>2022-04-22</a:t>
             </a:fld>
             <a:endParaRPr lang="en-CA"/>
           </a:p>
@@ -6763,7 +6809,7 @@
           <a:p>
             <a:fld id="{BD75A58E-DA16-45F6-88E4-DFEBDA6A48D5}" type="datetimeFigureOut">
               <a:rPr lang="en-CA" smtClean="0"/>
-              <a:t>2022-04-19</a:t>
+              <a:t>2022-04-22</a:t>
             </a:fld>
             <a:endParaRPr lang="en-CA"/>
           </a:p>
@@ -7152,7 +7198,7 @@
           <a:p>
             <a:fld id="{BD75A58E-DA16-45F6-88E4-DFEBDA6A48D5}" type="datetimeFigureOut">
               <a:rPr lang="en-CA" smtClean="0"/>
-              <a:t>2022-04-19</a:t>
+              <a:t>2022-04-22</a:t>
             </a:fld>
             <a:endParaRPr lang="en-CA"/>
           </a:p>
@@ -7460,7 +7506,7 @@
           <a:p>
             <a:fld id="{BD75A58E-DA16-45F6-88E4-DFEBDA6A48D5}" type="datetimeFigureOut">
               <a:rPr lang="en-CA" smtClean="0"/>
-              <a:t>2022-04-19</a:t>
+              <a:t>2022-04-22</a:t>
             </a:fld>
             <a:endParaRPr lang="en-CA"/>
           </a:p>
@@ -12555,14 +12601,14 @@
           <a:p>
             <a:r>
               <a:rPr lang="en-CA" sz="2000" dirty="0"/>
-              <a:t>Data were stratified by state and pandemic timing, and approx. 3000 Reviews per state were sampled</a:t>
+              <a:t>Data were stratified by state and pandemic timing, and approx. 3,000 Reviews per state were sampled</a:t>
             </a:r>
           </a:p>
           <a:p>
             <a:pPr lvl="1"/>
             <a:r>
               <a:rPr lang="en-CA" sz="1800" dirty="0"/>
-              <a:t>Some states did not have 1500 reviews written post-pandemic.</a:t>
+              <a:t>Some states did not have 1,500 reviews written post-pandemic.</a:t>
             </a:r>
           </a:p>
           <a:p>
@@ -12979,7 +13025,7 @@
           <p:nvPr>
             <p:extLst>
               <p:ext uri="{D42A27DB-BD31-4B8C-83A1-F6EECF244321}">
-                <p14:modId xmlns:p14="http://schemas.microsoft.com/office/powerpoint/2010/main" val="830675398"/>
+                <p14:modId xmlns:p14="http://schemas.microsoft.com/office/powerpoint/2010/main" val="2006001793"/>
               </p:ext>
             </p:extLst>
           </p:nvPr>
@@ -13007,7 +13053,7 @@
           <p:nvPr>
             <p:extLst>
               <p:ext uri="{D42A27DB-BD31-4B8C-83A1-F6EECF244321}">
-                <p14:modId xmlns:p14="http://schemas.microsoft.com/office/powerpoint/2010/main" val="3446543870"/>
+                <p14:modId xmlns:p14="http://schemas.microsoft.com/office/powerpoint/2010/main" val="2756241647"/>
               </p:ext>
             </p:extLst>
           </p:nvPr>
@@ -14543,6 +14589,58 @@
           </a:graphicData>
         </a:graphic>
       </p:graphicFrame>
+      <p:sp>
+        <p:nvSpPr>
+          <p:cNvPr id="3" name="Rectangle 2">
+            <a:extLst>
+              <a:ext uri="{FF2B5EF4-FFF2-40B4-BE49-F238E27FC236}">
+                <a16:creationId xmlns:a16="http://schemas.microsoft.com/office/drawing/2014/main" id="{81F3ADAE-5884-49A2-86AD-542D635DB845}"/>
+              </a:ext>
+            </a:extLst>
+          </p:cNvPr>
+          <p:cNvSpPr/>
+          <p:nvPr/>
+        </p:nvSpPr>
+        <p:spPr>
+          <a:xfrm>
+            <a:off x="1656784" y="3485585"/>
+            <a:ext cx="8455937" cy="2702661"/>
+          </a:xfrm>
+          <a:prstGeom prst="rect">
+            <a:avLst/>
+          </a:prstGeom>
+          <a:solidFill>
+            <a:srgbClr val="E7E0C7"/>
+          </a:solidFill>
+          <a:ln>
+            <a:noFill/>
+          </a:ln>
+        </p:spPr>
+        <p:style>
+          <a:lnRef idx="2">
+            <a:schemeClr val="accent1">
+              <a:shade val="50000"/>
+            </a:schemeClr>
+          </a:lnRef>
+          <a:fillRef idx="1">
+            <a:schemeClr val="accent1"/>
+          </a:fillRef>
+          <a:effectRef idx="0">
+            <a:schemeClr val="accent1"/>
+          </a:effectRef>
+          <a:fontRef idx="minor">
+            <a:schemeClr val="lt1"/>
+          </a:fontRef>
+        </p:style>
+        <p:txBody>
+          <a:bodyPr rtlCol="0" anchor="ctr"/>
+          <a:lstStyle/>
+          <a:p>
+            <a:pPr algn="ctr"/>
+            <a:endParaRPr lang="en-CA"/>
+          </a:p>
+        </p:txBody>
+      </p:sp>
     </p:spTree>
     <p:extLst>
       <p:ext uri="{BB962C8B-B14F-4D97-AF65-F5344CB8AC3E}">
@@ -14557,6 +14655,1779 @@
 </file>
 
 <file path=ppt/slides/slide27.xml><?xml version="1.0" encoding="utf-8"?>
+<p:sld xmlns:a="http://schemas.openxmlformats.org/drawingml/2006/main" xmlns:r="http://schemas.openxmlformats.org/officeDocument/2006/relationships" xmlns:p="http://schemas.openxmlformats.org/presentationml/2006/main">
+  <p:cSld>
+    <p:spTree>
+      <p:nvGrpSpPr>
+        <p:cNvPr id="1" name=""/>
+        <p:cNvGrpSpPr/>
+        <p:nvPr/>
+      </p:nvGrpSpPr>
+      <p:grpSpPr>
+        <a:xfrm>
+          <a:off x="0" y="0"/>
+          <a:ext cx="0" cy="0"/>
+          <a:chOff x="0" y="0"/>
+          <a:chExt cx="0" cy="0"/>
+        </a:xfrm>
+      </p:grpSpPr>
+      <p:sp>
+        <p:nvSpPr>
+          <p:cNvPr id="2" name="Title 1">
+            <a:extLst>
+              <a:ext uri="{FF2B5EF4-FFF2-40B4-BE49-F238E27FC236}">
+                <a16:creationId xmlns:a16="http://schemas.microsoft.com/office/drawing/2014/main" id="{9EE8923A-1AA9-4331-A770-73522A7799B0}"/>
+              </a:ext>
+            </a:extLst>
+          </p:cNvPr>
+          <p:cNvSpPr>
+            <a:spLocks noGrp="1"/>
+          </p:cNvSpPr>
+          <p:nvPr>
+            <p:ph type="title"/>
+          </p:nvPr>
+        </p:nvSpPr>
+        <p:spPr/>
+        <p:txBody>
+          <a:bodyPr/>
+          <a:lstStyle/>
+          <a:p>
+            <a:r>
+              <a:rPr lang="en-CA" dirty="0"/>
+              <a:t>Results &amp; Analysis – Novel Sentences</a:t>
+            </a:r>
+          </a:p>
+        </p:txBody>
+      </p:sp>
+      <p:graphicFrame>
+        <p:nvGraphicFramePr>
+          <p:cNvPr id="5" name="Table 4">
+            <a:extLst>
+              <a:ext uri="{FF2B5EF4-FFF2-40B4-BE49-F238E27FC236}">
+                <a16:creationId xmlns:a16="http://schemas.microsoft.com/office/drawing/2014/main" id="{967AC96A-C56C-4892-BE8C-18AA7C19942D}"/>
+              </a:ext>
+            </a:extLst>
+          </p:cNvPr>
+          <p:cNvGraphicFramePr>
+            <a:graphicFrameLocks/>
+          </p:cNvGraphicFramePr>
+          <p:nvPr/>
+        </p:nvGraphicFramePr>
+        <p:xfrm>
+          <a:off x="2180376" y="2272420"/>
+          <a:ext cx="7334816" cy="3822285"/>
+        </p:xfrm>
+        <a:graphic>
+          <a:graphicData uri="http://schemas.openxmlformats.org/drawingml/2006/table">
+            <a:tbl>
+              <a:tblPr firstRow="1" bandRow="1">
+                <a:tableStyleId>{6E25E649-3F16-4E02-A733-19D2CDBF48F0}</a:tableStyleId>
+              </a:tblPr>
+              <a:tblGrid>
+                <a:gridCol w="5725871">
+                  <a:extLst>
+                    <a:ext uri="{9D8B030D-6E8A-4147-A177-3AD203B41FA5}">
+                      <a16:colId xmlns:a16="http://schemas.microsoft.com/office/drawing/2014/main" val="2857179037"/>
+                    </a:ext>
+                  </a:extLst>
+                </a:gridCol>
+                <a:gridCol w="1608945">
+                  <a:extLst>
+                    <a:ext uri="{9D8B030D-6E8A-4147-A177-3AD203B41FA5}">
+                      <a16:colId xmlns:a16="http://schemas.microsoft.com/office/drawing/2014/main" val="4143390719"/>
+                    </a:ext>
+                  </a:extLst>
+                </a:gridCol>
+              </a:tblGrid>
+              <a:tr h="385603">
+                <a:tc>
+                  <a:txBody>
+                    <a:bodyPr/>
+                    <a:lstStyle/>
+                    <a:p>
+                      <a:pPr marL="0" algn="ctr" defTabSz="914400" rtl="0" eaLnBrk="1" fontAlgn="b" latinLnBrk="0" hangingPunct="1"/>
+                      <a:r>
+                        <a:rPr lang="en-CA" sz="1800" b="1" u="none" strike="noStrike" kern="1200" dirty="0">
+                          <a:solidFill>
+                            <a:schemeClr val="bg1"/>
+                          </a:solidFill>
+                          <a:effectLst/>
+                          <a:latin typeface="+mn-lt"/>
+                          <a:ea typeface="+mn-ea"/>
+                          <a:cs typeface="+mn-cs"/>
+                        </a:rPr>
+                        <a:t>Sentence</a:t>
+                      </a:r>
+                    </a:p>
+                  </a:txBody>
+                  <a:tcPr/>
+                </a:tc>
+                <a:tc>
+                  <a:txBody>
+                    <a:bodyPr/>
+                    <a:lstStyle/>
+                    <a:p>
+                      <a:pPr algn="ctr" fontAlgn="b"/>
+                      <a:r>
+                        <a:rPr lang="en-CA" sz="1800" dirty="0">
+                          <a:effectLst/>
+                        </a:rPr>
+                        <a:t>Predicted Rating</a:t>
+                      </a:r>
+                      <a:endParaRPr lang="en-CA" sz="1800" b="1" u="none" strike="noStrike" kern="1200" dirty="0">
+                        <a:solidFill>
+                          <a:schemeClr val="bg1"/>
+                        </a:solidFill>
+                        <a:effectLst/>
+                        <a:latin typeface="+mn-lt"/>
+                        <a:ea typeface="+mn-ea"/>
+                        <a:cs typeface="+mn-cs"/>
+                      </a:endParaRPr>
+                    </a:p>
+                  </a:txBody>
+                  <a:tcPr marL="9525" marR="9525" marT="9525" marB="0" anchor="b"/>
+                </a:tc>
+                <a:extLst>
+                  <a:ext uri="{0D108BD9-81ED-4DB2-BD59-A6C34878D82A}">
+                    <a16:rowId xmlns:a16="http://schemas.microsoft.com/office/drawing/2014/main" val="352827595"/>
+                  </a:ext>
+                </a:extLst>
+              </a:tr>
+              <a:tr h="652824">
+                <a:tc>
+                  <a:txBody>
+                    <a:bodyPr/>
+                    <a:lstStyle/>
+                    <a:p>
+                      <a:r>
+                        <a:rPr lang="en-CA" sz="1800" b="0" u="none" strike="noStrike" kern="1200" dirty="0">
+                          <a:solidFill>
+                            <a:srgbClr val="000000"/>
+                          </a:solidFill>
+                          <a:effectLst/>
+                          <a:latin typeface="+mn-lt"/>
+                          <a:ea typeface="+mn-ea"/>
+                          <a:cs typeface="+mn-cs"/>
+                        </a:rPr>
+                        <a:t>The lobby in this hotel is dated.</a:t>
+                      </a:r>
+                    </a:p>
+                  </a:txBody>
+                  <a:tcPr marL="53704" marR="53704" marT="11188" marB="11188" anchor="ctr"/>
+                </a:tc>
+                <a:tc>
+                  <a:txBody>
+                    <a:bodyPr/>
+                    <a:lstStyle/>
+                    <a:p>
+                      <a:pPr algn="ctr"/>
+                      <a:r>
+                        <a:rPr lang="en-CA" b="1" dirty="0">
+                          <a:effectLst/>
+                        </a:rPr>
+                        <a:t>2</a:t>
+                      </a:r>
+                    </a:p>
+                  </a:txBody>
+                  <a:tcPr marT="19050" marB="19050" anchor="ctr"/>
+                </a:tc>
+                <a:extLst>
+                  <a:ext uri="{0D108BD9-81ED-4DB2-BD59-A6C34878D82A}">
+                    <a16:rowId xmlns:a16="http://schemas.microsoft.com/office/drawing/2014/main" val="392404504"/>
+                  </a:ext>
+                </a:extLst>
+              </a:tr>
+              <a:tr h="652824">
+                <a:tc>
+                  <a:txBody>
+                    <a:bodyPr/>
+                    <a:lstStyle/>
+                    <a:p>
+                      <a:r>
+                        <a:rPr lang="en-CA" sz="1800" b="0" u="none" strike="noStrike" kern="1200" dirty="0">
+                          <a:solidFill>
+                            <a:srgbClr val="000000"/>
+                          </a:solidFill>
+                          <a:effectLst/>
+                          <a:latin typeface="+mn-lt"/>
+                          <a:ea typeface="+mn-ea"/>
+                          <a:cs typeface="+mn-cs"/>
+                        </a:rPr>
+                        <a:t>The lobby in this hotel is newly renovated.</a:t>
+                      </a:r>
+                    </a:p>
+                  </a:txBody>
+                  <a:tcPr marL="53704" marR="53704" marT="11188" marB="11188" anchor="ctr"/>
+                </a:tc>
+                <a:tc>
+                  <a:txBody>
+                    <a:bodyPr/>
+                    <a:lstStyle/>
+                    <a:p>
+                      <a:pPr algn="ctr"/>
+                      <a:r>
+                        <a:rPr lang="en-CA" b="1" dirty="0">
+                          <a:effectLst/>
+                        </a:rPr>
+                        <a:t>4</a:t>
+                      </a:r>
+                    </a:p>
+                  </a:txBody>
+                  <a:tcPr marT="19050" marB="19050" anchor="ctr"/>
+                </a:tc>
+                <a:extLst>
+                  <a:ext uri="{0D108BD9-81ED-4DB2-BD59-A6C34878D82A}">
+                    <a16:rowId xmlns:a16="http://schemas.microsoft.com/office/drawing/2014/main" val="1615631518"/>
+                  </a:ext>
+                </a:extLst>
+              </a:tr>
+              <a:tr h="652824">
+                <a:tc>
+                  <a:txBody>
+                    <a:bodyPr/>
+                    <a:lstStyle/>
+                    <a:p>
+                      <a:r>
+                        <a:rPr lang="en-CA" sz="1800" b="0" i="0" kern="1200" dirty="0">
+                          <a:solidFill>
+                            <a:schemeClr val="dk1"/>
+                          </a:solidFill>
+                          <a:effectLst/>
+                          <a:latin typeface="+mn-lt"/>
+                          <a:ea typeface="+mn-ea"/>
+                          <a:cs typeface="+mn-cs"/>
+                        </a:rPr>
+                        <a:t>The lobby in this hotel is a little dated, but very clean.</a:t>
+                      </a:r>
+                      <a:endParaRPr lang="en-CA" sz="1800" b="0" u="none" strike="noStrike" kern="1200" dirty="0">
+                        <a:solidFill>
+                          <a:srgbClr val="000000"/>
+                        </a:solidFill>
+                        <a:effectLst/>
+                        <a:latin typeface="+mn-lt"/>
+                        <a:ea typeface="+mn-ea"/>
+                        <a:cs typeface="+mn-cs"/>
+                      </a:endParaRPr>
+                    </a:p>
+                  </a:txBody>
+                  <a:tcPr marL="53704" marR="53704" marT="11188" marB="11188" anchor="ctr"/>
+                </a:tc>
+                <a:tc>
+                  <a:txBody>
+                    <a:bodyPr/>
+                    <a:lstStyle/>
+                    <a:p>
+                      <a:pPr algn="ctr"/>
+                      <a:r>
+                        <a:rPr lang="en-CA" b="1" dirty="0">
+                          <a:effectLst/>
+                        </a:rPr>
+                        <a:t>3</a:t>
+                      </a:r>
+                    </a:p>
+                  </a:txBody>
+                  <a:tcPr marT="19050" marB="19050" anchor="ctr"/>
+                </a:tc>
+                <a:extLst>
+                  <a:ext uri="{0D108BD9-81ED-4DB2-BD59-A6C34878D82A}">
+                    <a16:rowId xmlns:a16="http://schemas.microsoft.com/office/drawing/2014/main" val="1698729985"/>
+                  </a:ext>
+                </a:extLst>
+              </a:tr>
+              <a:tr h="652824">
+                <a:tc>
+                  <a:txBody>
+                    <a:bodyPr/>
+                    <a:lstStyle/>
+                    <a:p>
+                      <a:r>
+                        <a:rPr lang="en-CA" sz="1800" b="0" i="0" kern="1200" dirty="0">
+                          <a:solidFill>
+                            <a:schemeClr val="dk1"/>
+                          </a:solidFill>
+                          <a:effectLst/>
+                          <a:latin typeface="+mn-lt"/>
+                          <a:ea typeface="+mn-ea"/>
+                          <a:cs typeface="+mn-cs"/>
+                        </a:rPr>
+                        <a:t>The lobby in this hotel is a little dated, but newly painted.</a:t>
+                      </a:r>
+                      <a:endParaRPr lang="en-CA" sz="1800" b="0" u="none" strike="noStrike" kern="1200" dirty="0">
+                        <a:solidFill>
+                          <a:srgbClr val="000000"/>
+                        </a:solidFill>
+                        <a:effectLst/>
+                        <a:latin typeface="+mn-lt"/>
+                        <a:ea typeface="+mn-ea"/>
+                        <a:cs typeface="+mn-cs"/>
+                      </a:endParaRPr>
+                    </a:p>
+                  </a:txBody>
+                  <a:tcPr marL="53704" marR="53704" marT="11188" marB="11188" anchor="ctr"/>
+                </a:tc>
+                <a:tc>
+                  <a:txBody>
+                    <a:bodyPr/>
+                    <a:lstStyle/>
+                    <a:p>
+                      <a:pPr algn="ctr"/>
+                      <a:r>
+                        <a:rPr lang="en-CA" b="1" dirty="0">
+                          <a:effectLst/>
+                        </a:rPr>
+                        <a:t>3</a:t>
+                      </a:r>
+                    </a:p>
+                  </a:txBody>
+                  <a:tcPr marT="19050" marB="19050" anchor="ctr"/>
+                </a:tc>
+                <a:extLst>
+                  <a:ext uri="{0D108BD9-81ED-4DB2-BD59-A6C34878D82A}">
+                    <a16:rowId xmlns:a16="http://schemas.microsoft.com/office/drawing/2014/main" val="2982400000"/>
+                  </a:ext>
+                </a:extLst>
+              </a:tr>
+              <a:tr h="652824">
+                <a:tc>
+                  <a:txBody>
+                    <a:bodyPr/>
+                    <a:lstStyle/>
+                    <a:p>
+                      <a:r>
+                        <a:rPr lang="en-CA" sz="1800" b="0" i="0" kern="1200" dirty="0">
+                          <a:solidFill>
+                            <a:schemeClr val="dk1"/>
+                          </a:solidFill>
+                          <a:effectLst/>
+                          <a:latin typeface="+mn-lt"/>
+                          <a:ea typeface="+mn-ea"/>
+                          <a:cs typeface="+mn-cs"/>
+                        </a:rPr>
+                        <a:t>The lobby in this hotel a little dated, but has free coffee.</a:t>
+                      </a:r>
+                      <a:endParaRPr lang="en-CA" sz="1800" b="0" u="none" strike="noStrike" kern="1200" dirty="0">
+                        <a:solidFill>
+                          <a:srgbClr val="000000"/>
+                        </a:solidFill>
+                        <a:effectLst/>
+                        <a:latin typeface="+mn-lt"/>
+                        <a:ea typeface="+mn-ea"/>
+                        <a:cs typeface="+mn-cs"/>
+                      </a:endParaRPr>
+                    </a:p>
+                  </a:txBody>
+                  <a:tcPr marL="53704" marR="53704" marT="11188" marB="11188" anchor="ctr"/>
+                </a:tc>
+                <a:tc>
+                  <a:txBody>
+                    <a:bodyPr/>
+                    <a:lstStyle/>
+                    <a:p>
+                      <a:pPr algn="ctr"/>
+                      <a:r>
+                        <a:rPr lang="en-CA" b="1" dirty="0">
+                          <a:effectLst/>
+                        </a:rPr>
+                        <a:t>2</a:t>
+                      </a:r>
+                    </a:p>
+                  </a:txBody>
+                  <a:tcPr marT="19050" marB="19050" anchor="ctr"/>
+                </a:tc>
+                <a:extLst>
+                  <a:ext uri="{0D108BD9-81ED-4DB2-BD59-A6C34878D82A}">
+                    <a16:rowId xmlns:a16="http://schemas.microsoft.com/office/drawing/2014/main" val="2998075838"/>
+                  </a:ext>
+                </a:extLst>
+              </a:tr>
+            </a:tbl>
+          </a:graphicData>
+        </a:graphic>
+      </p:graphicFrame>
+      <p:sp>
+        <p:nvSpPr>
+          <p:cNvPr id="3" name="Rectangle 2">
+            <a:extLst>
+              <a:ext uri="{FF2B5EF4-FFF2-40B4-BE49-F238E27FC236}">
+                <a16:creationId xmlns:a16="http://schemas.microsoft.com/office/drawing/2014/main" id="{81F3ADAE-5884-49A2-86AD-542D635DB845}"/>
+              </a:ext>
+            </a:extLst>
+          </p:cNvPr>
+          <p:cNvSpPr/>
+          <p:nvPr/>
+        </p:nvSpPr>
+        <p:spPr>
+          <a:xfrm>
+            <a:off x="1656784" y="4146488"/>
+            <a:ext cx="8455937" cy="2023652"/>
+          </a:xfrm>
+          <a:prstGeom prst="rect">
+            <a:avLst/>
+          </a:prstGeom>
+          <a:solidFill>
+            <a:srgbClr val="E7E0C7"/>
+          </a:solidFill>
+          <a:ln>
+            <a:noFill/>
+          </a:ln>
+        </p:spPr>
+        <p:style>
+          <a:lnRef idx="2">
+            <a:schemeClr val="accent1">
+              <a:shade val="50000"/>
+            </a:schemeClr>
+          </a:lnRef>
+          <a:fillRef idx="1">
+            <a:schemeClr val="accent1"/>
+          </a:fillRef>
+          <a:effectRef idx="0">
+            <a:schemeClr val="accent1"/>
+          </a:effectRef>
+          <a:fontRef idx="minor">
+            <a:schemeClr val="lt1"/>
+          </a:fontRef>
+        </p:style>
+        <p:txBody>
+          <a:bodyPr rtlCol="0" anchor="ctr"/>
+          <a:lstStyle/>
+          <a:p>
+            <a:pPr algn="ctr"/>
+            <a:endParaRPr lang="en-CA"/>
+          </a:p>
+        </p:txBody>
+      </p:sp>
+    </p:spTree>
+    <p:extLst>
+      <p:ext uri="{BB962C8B-B14F-4D97-AF65-F5344CB8AC3E}">
+        <p14:creationId xmlns:p14="http://schemas.microsoft.com/office/powerpoint/2010/main" val="863843290"/>
+      </p:ext>
+    </p:extLst>
+  </p:cSld>
+  <p:clrMapOvr>
+    <a:masterClrMapping/>
+  </p:clrMapOvr>
+</p:sld>
+</file>
+
+<file path=ppt/slides/slide28.xml><?xml version="1.0" encoding="utf-8"?>
+<p:sld xmlns:a="http://schemas.openxmlformats.org/drawingml/2006/main" xmlns:r="http://schemas.openxmlformats.org/officeDocument/2006/relationships" xmlns:p="http://schemas.openxmlformats.org/presentationml/2006/main">
+  <p:cSld>
+    <p:spTree>
+      <p:nvGrpSpPr>
+        <p:cNvPr id="1" name=""/>
+        <p:cNvGrpSpPr/>
+        <p:nvPr/>
+      </p:nvGrpSpPr>
+      <p:grpSpPr>
+        <a:xfrm>
+          <a:off x="0" y="0"/>
+          <a:ext cx="0" cy="0"/>
+          <a:chOff x="0" y="0"/>
+          <a:chExt cx="0" cy="0"/>
+        </a:xfrm>
+      </p:grpSpPr>
+      <p:sp>
+        <p:nvSpPr>
+          <p:cNvPr id="2" name="Title 1">
+            <a:extLst>
+              <a:ext uri="{FF2B5EF4-FFF2-40B4-BE49-F238E27FC236}">
+                <a16:creationId xmlns:a16="http://schemas.microsoft.com/office/drawing/2014/main" id="{9EE8923A-1AA9-4331-A770-73522A7799B0}"/>
+              </a:ext>
+            </a:extLst>
+          </p:cNvPr>
+          <p:cNvSpPr>
+            <a:spLocks noGrp="1"/>
+          </p:cNvSpPr>
+          <p:nvPr>
+            <p:ph type="title"/>
+          </p:nvPr>
+        </p:nvSpPr>
+        <p:spPr/>
+        <p:txBody>
+          <a:bodyPr/>
+          <a:lstStyle/>
+          <a:p>
+            <a:r>
+              <a:rPr lang="en-CA" dirty="0"/>
+              <a:t>Results &amp; Analysis – Novel Sentences</a:t>
+            </a:r>
+          </a:p>
+        </p:txBody>
+      </p:sp>
+      <p:graphicFrame>
+        <p:nvGraphicFramePr>
+          <p:cNvPr id="5" name="Table 4">
+            <a:extLst>
+              <a:ext uri="{FF2B5EF4-FFF2-40B4-BE49-F238E27FC236}">
+                <a16:creationId xmlns:a16="http://schemas.microsoft.com/office/drawing/2014/main" id="{967AC96A-C56C-4892-BE8C-18AA7C19942D}"/>
+              </a:ext>
+            </a:extLst>
+          </p:cNvPr>
+          <p:cNvGraphicFramePr>
+            <a:graphicFrameLocks/>
+          </p:cNvGraphicFramePr>
+          <p:nvPr/>
+        </p:nvGraphicFramePr>
+        <p:xfrm>
+          <a:off x="2180376" y="2272420"/>
+          <a:ext cx="7334816" cy="3822285"/>
+        </p:xfrm>
+        <a:graphic>
+          <a:graphicData uri="http://schemas.openxmlformats.org/drawingml/2006/table">
+            <a:tbl>
+              <a:tblPr firstRow="1" bandRow="1">
+                <a:tableStyleId>{6E25E649-3F16-4E02-A733-19D2CDBF48F0}</a:tableStyleId>
+              </a:tblPr>
+              <a:tblGrid>
+                <a:gridCol w="5725871">
+                  <a:extLst>
+                    <a:ext uri="{9D8B030D-6E8A-4147-A177-3AD203B41FA5}">
+                      <a16:colId xmlns:a16="http://schemas.microsoft.com/office/drawing/2014/main" val="2857179037"/>
+                    </a:ext>
+                  </a:extLst>
+                </a:gridCol>
+                <a:gridCol w="1608945">
+                  <a:extLst>
+                    <a:ext uri="{9D8B030D-6E8A-4147-A177-3AD203B41FA5}">
+                      <a16:colId xmlns:a16="http://schemas.microsoft.com/office/drawing/2014/main" val="4143390719"/>
+                    </a:ext>
+                  </a:extLst>
+                </a:gridCol>
+              </a:tblGrid>
+              <a:tr h="385603">
+                <a:tc>
+                  <a:txBody>
+                    <a:bodyPr/>
+                    <a:lstStyle/>
+                    <a:p>
+                      <a:pPr marL="0" algn="ctr" defTabSz="914400" rtl="0" eaLnBrk="1" fontAlgn="b" latinLnBrk="0" hangingPunct="1"/>
+                      <a:r>
+                        <a:rPr lang="en-CA" sz="1800" b="1" u="none" strike="noStrike" kern="1200" dirty="0">
+                          <a:solidFill>
+                            <a:schemeClr val="bg1"/>
+                          </a:solidFill>
+                          <a:effectLst/>
+                          <a:latin typeface="+mn-lt"/>
+                          <a:ea typeface="+mn-ea"/>
+                          <a:cs typeface="+mn-cs"/>
+                        </a:rPr>
+                        <a:t>Sentence</a:t>
+                      </a:r>
+                    </a:p>
+                  </a:txBody>
+                  <a:tcPr/>
+                </a:tc>
+                <a:tc>
+                  <a:txBody>
+                    <a:bodyPr/>
+                    <a:lstStyle/>
+                    <a:p>
+                      <a:pPr algn="ctr" fontAlgn="b"/>
+                      <a:r>
+                        <a:rPr lang="en-CA" sz="1800" dirty="0">
+                          <a:effectLst/>
+                        </a:rPr>
+                        <a:t>Predicted Rating</a:t>
+                      </a:r>
+                      <a:endParaRPr lang="en-CA" sz="1800" b="1" u="none" strike="noStrike" kern="1200" dirty="0">
+                        <a:solidFill>
+                          <a:schemeClr val="bg1"/>
+                        </a:solidFill>
+                        <a:effectLst/>
+                        <a:latin typeface="+mn-lt"/>
+                        <a:ea typeface="+mn-ea"/>
+                        <a:cs typeface="+mn-cs"/>
+                      </a:endParaRPr>
+                    </a:p>
+                  </a:txBody>
+                  <a:tcPr marL="9525" marR="9525" marT="9525" marB="0" anchor="b"/>
+                </a:tc>
+                <a:extLst>
+                  <a:ext uri="{0D108BD9-81ED-4DB2-BD59-A6C34878D82A}">
+                    <a16:rowId xmlns:a16="http://schemas.microsoft.com/office/drawing/2014/main" val="352827595"/>
+                  </a:ext>
+                </a:extLst>
+              </a:tr>
+              <a:tr h="652824">
+                <a:tc>
+                  <a:txBody>
+                    <a:bodyPr/>
+                    <a:lstStyle/>
+                    <a:p>
+                      <a:r>
+                        <a:rPr lang="en-CA" sz="1800" b="0" u="none" strike="noStrike" kern="1200" dirty="0">
+                          <a:solidFill>
+                            <a:srgbClr val="000000"/>
+                          </a:solidFill>
+                          <a:effectLst/>
+                          <a:latin typeface="+mn-lt"/>
+                          <a:ea typeface="+mn-ea"/>
+                          <a:cs typeface="+mn-cs"/>
+                        </a:rPr>
+                        <a:t>The lobby in this hotel is dated.</a:t>
+                      </a:r>
+                    </a:p>
+                  </a:txBody>
+                  <a:tcPr marL="53704" marR="53704" marT="11188" marB="11188" anchor="ctr"/>
+                </a:tc>
+                <a:tc>
+                  <a:txBody>
+                    <a:bodyPr/>
+                    <a:lstStyle/>
+                    <a:p>
+                      <a:pPr algn="ctr"/>
+                      <a:r>
+                        <a:rPr lang="en-CA" b="1" dirty="0">
+                          <a:effectLst/>
+                        </a:rPr>
+                        <a:t>2</a:t>
+                      </a:r>
+                    </a:p>
+                  </a:txBody>
+                  <a:tcPr marT="19050" marB="19050" anchor="ctr"/>
+                </a:tc>
+                <a:extLst>
+                  <a:ext uri="{0D108BD9-81ED-4DB2-BD59-A6C34878D82A}">
+                    <a16:rowId xmlns:a16="http://schemas.microsoft.com/office/drawing/2014/main" val="392404504"/>
+                  </a:ext>
+                </a:extLst>
+              </a:tr>
+              <a:tr h="652824">
+                <a:tc>
+                  <a:txBody>
+                    <a:bodyPr/>
+                    <a:lstStyle/>
+                    <a:p>
+                      <a:r>
+                        <a:rPr lang="en-CA" sz="1800" b="0" u="none" strike="noStrike" kern="1200" dirty="0">
+                          <a:solidFill>
+                            <a:srgbClr val="000000"/>
+                          </a:solidFill>
+                          <a:effectLst/>
+                          <a:latin typeface="+mn-lt"/>
+                          <a:ea typeface="+mn-ea"/>
+                          <a:cs typeface="+mn-cs"/>
+                        </a:rPr>
+                        <a:t>The lobby in this hotel is newly renovated.</a:t>
+                      </a:r>
+                    </a:p>
+                  </a:txBody>
+                  <a:tcPr marL="53704" marR="53704" marT="11188" marB="11188" anchor="ctr"/>
+                </a:tc>
+                <a:tc>
+                  <a:txBody>
+                    <a:bodyPr/>
+                    <a:lstStyle/>
+                    <a:p>
+                      <a:pPr algn="ctr"/>
+                      <a:r>
+                        <a:rPr lang="en-CA" b="1" dirty="0">
+                          <a:effectLst/>
+                        </a:rPr>
+                        <a:t>4</a:t>
+                      </a:r>
+                    </a:p>
+                  </a:txBody>
+                  <a:tcPr marT="19050" marB="19050" anchor="ctr"/>
+                </a:tc>
+                <a:extLst>
+                  <a:ext uri="{0D108BD9-81ED-4DB2-BD59-A6C34878D82A}">
+                    <a16:rowId xmlns:a16="http://schemas.microsoft.com/office/drawing/2014/main" val="1615631518"/>
+                  </a:ext>
+                </a:extLst>
+              </a:tr>
+              <a:tr h="652824">
+                <a:tc>
+                  <a:txBody>
+                    <a:bodyPr/>
+                    <a:lstStyle/>
+                    <a:p>
+                      <a:r>
+                        <a:rPr lang="en-CA" sz="1800" b="0" i="0" kern="1200" dirty="0">
+                          <a:solidFill>
+                            <a:schemeClr val="dk1"/>
+                          </a:solidFill>
+                          <a:effectLst/>
+                          <a:latin typeface="+mn-lt"/>
+                          <a:ea typeface="+mn-ea"/>
+                          <a:cs typeface="+mn-cs"/>
+                        </a:rPr>
+                        <a:t>The lobby in this hotel is a little dated, but very clean.</a:t>
+                      </a:r>
+                      <a:endParaRPr lang="en-CA" sz="1800" b="0" u="none" strike="noStrike" kern="1200" dirty="0">
+                        <a:solidFill>
+                          <a:srgbClr val="000000"/>
+                        </a:solidFill>
+                        <a:effectLst/>
+                        <a:latin typeface="+mn-lt"/>
+                        <a:ea typeface="+mn-ea"/>
+                        <a:cs typeface="+mn-cs"/>
+                      </a:endParaRPr>
+                    </a:p>
+                  </a:txBody>
+                  <a:tcPr marL="53704" marR="53704" marT="11188" marB="11188" anchor="ctr"/>
+                </a:tc>
+                <a:tc>
+                  <a:txBody>
+                    <a:bodyPr/>
+                    <a:lstStyle/>
+                    <a:p>
+                      <a:pPr algn="ctr"/>
+                      <a:r>
+                        <a:rPr lang="en-CA" b="1" dirty="0">
+                          <a:effectLst/>
+                        </a:rPr>
+                        <a:t>3</a:t>
+                      </a:r>
+                    </a:p>
+                  </a:txBody>
+                  <a:tcPr marT="19050" marB="19050" anchor="ctr"/>
+                </a:tc>
+                <a:extLst>
+                  <a:ext uri="{0D108BD9-81ED-4DB2-BD59-A6C34878D82A}">
+                    <a16:rowId xmlns:a16="http://schemas.microsoft.com/office/drawing/2014/main" val="1698729985"/>
+                  </a:ext>
+                </a:extLst>
+              </a:tr>
+              <a:tr h="652824">
+                <a:tc>
+                  <a:txBody>
+                    <a:bodyPr/>
+                    <a:lstStyle/>
+                    <a:p>
+                      <a:r>
+                        <a:rPr lang="en-CA" sz="1800" b="0" i="0" kern="1200" dirty="0">
+                          <a:solidFill>
+                            <a:schemeClr val="dk1"/>
+                          </a:solidFill>
+                          <a:effectLst/>
+                          <a:latin typeface="+mn-lt"/>
+                          <a:ea typeface="+mn-ea"/>
+                          <a:cs typeface="+mn-cs"/>
+                        </a:rPr>
+                        <a:t>The lobby in this hotel is a little dated, but newly painted.</a:t>
+                      </a:r>
+                      <a:endParaRPr lang="en-CA" sz="1800" b="0" u="none" strike="noStrike" kern="1200" dirty="0">
+                        <a:solidFill>
+                          <a:srgbClr val="000000"/>
+                        </a:solidFill>
+                        <a:effectLst/>
+                        <a:latin typeface="+mn-lt"/>
+                        <a:ea typeface="+mn-ea"/>
+                        <a:cs typeface="+mn-cs"/>
+                      </a:endParaRPr>
+                    </a:p>
+                  </a:txBody>
+                  <a:tcPr marL="53704" marR="53704" marT="11188" marB="11188" anchor="ctr"/>
+                </a:tc>
+                <a:tc>
+                  <a:txBody>
+                    <a:bodyPr/>
+                    <a:lstStyle/>
+                    <a:p>
+                      <a:pPr algn="ctr"/>
+                      <a:r>
+                        <a:rPr lang="en-CA" b="1" dirty="0">
+                          <a:effectLst/>
+                        </a:rPr>
+                        <a:t>3</a:t>
+                      </a:r>
+                    </a:p>
+                  </a:txBody>
+                  <a:tcPr marT="19050" marB="19050" anchor="ctr"/>
+                </a:tc>
+                <a:extLst>
+                  <a:ext uri="{0D108BD9-81ED-4DB2-BD59-A6C34878D82A}">
+                    <a16:rowId xmlns:a16="http://schemas.microsoft.com/office/drawing/2014/main" val="2982400000"/>
+                  </a:ext>
+                </a:extLst>
+              </a:tr>
+              <a:tr h="652824">
+                <a:tc>
+                  <a:txBody>
+                    <a:bodyPr/>
+                    <a:lstStyle/>
+                    <a:p>
+                      <a:r>
+                        <a:rPr lang="en-CA" sz="1800" b="0" i="0" kern="1200" dirty="0">
+                          <a:solidFill>
+                            <a:schemeClr val="dk1"/>
+                          </a:solidFill>
+                          <a:effectLst/>
+                          <a:latin typeface="+mn-lt"/>
+                          <a:ea typeface="+mn-ea"/>
+                          <a:cs typeface="+mn-cs"/>
+                        </a:rPr>
+                        <a:t>The lobby in this hotel a little dated, but has free coffee.</a:t>
+                      </a:r>
+                      <a:endParaRPr lang="en-CA" sz="1800" b="0" u="none" strike="noStrike" kern="1200" dirty="0">
+                        <a:solidFill>
+                          <a:srgbClr val="000000"/>
+                        </a:solidFill>
+                        <a:effectLst/>
+                        <a:latin typeface="+mn-lt"/>
+                        <a:ea typeface="+mn-ea"/>
+                        <a:cs typeface="+mn-cs"/>
+                      </a:endParaRPr>
+                    </a:p>
+                  </a:txBody>
+                  <a:tcPr marL="53704" marR="53704" marT="11188" marB="11188" anchor="ctr"/>
+                </a:tc>
+                <a:tc>
+                  <a:txBody>
+                    <a:bodyPr/>
+                    <a:lstStyle/>
+                    <a:p>
+                      <a:pPr algn="ctr"/>
+                      <a:r>
+                        <a:rPr lang="en-CA" b="1" dirty="0">
+                          <a:effectLst/>
+                        </a:rPr>
+                        <a:t>2</a:t>
+                      </a:r>
+                    </a:p>
+                  </a:txBody>
+                  <a:tcPr marT="19050" marB="19050" anchor="ctr"/>
+                </a:tc>
+                <a:extLst>
+                  <a:ext uri="{0D108BD9-81ED-4DB2-BD59-A6C34878D82A}">
+                    <a16:rowId xmlns:a16="http://schemas.microsoft.com/office/drawing/2014/main" val="2998075838"/>
+                  </a:ext>
+                </a:extLst>
+              </a:tr>
+            </a:tbl>
+          </a:graphicData>
+        </a:graphic>
+      </p:graphicFrame>
+      <p:sp>
+        <p:nvSpPr>
+          <p:cNvPr id="3" name="Rectangle 2">
+            <a:extLst>
+              <a:ext uri="{FF2B5EF4-FFF2-40B4-BE49-F238E27FC236}">
+                <a16:creationId xmlns:a16="http://schemas.microsoft.com/office/drawing/2014/main" id="{81F3ADAE-5884-49A2-86AD-542D635DB845}"/>
+              </a:ext>
+            </a:extLst>
+          </p:cNvPr>
+          <p:cNvSpPr/>
+          <p:nvPr/>
+        </p:nvSpPr>
+        <p:spPr>
+          <a:xfrm>
+            <a:off x="1656784" y="4789485"/>
+            <a:ext cx="8455937" cy="1371601"/>
+          </a:xfrm>
+          <a:prstGeom prst="rect">
+            <a:avLst/>
+          </a:prstGeom>
+          <a:solidFill>
+            <a:srgbClr val="E7E0C7"/>
+          </a:solidFill>
+          <a:ln>
+            <a:noFill/>
+          </a:ln>
+        </p:spPr>
+        <p:style>
+          <a:lnRef idx="2">
+            <a:schemeClr val="accent1">
+              <a:shade val="50000"/>
+            </a:schemeClr>
+          </a:lnRef>
+          <a:fillRef idx="1">
+            <a:schemeClr val="accent1"/>
+          </a:fillRef>
+          <a:effectRef idx="0">
+            <a:schemeClr val="accent1"/>
+          </a:effectRef>
+          <a:fontRef idx="minor">
+            <a:schemeClr val="lt1"/>
+          </a:fontRef>
+        </p:style>
+        <p:txBody>
+          <a:bodyPr rtlCol="0" anchor="ctr"/>
+          <a:lstStyle/>
+          <a:p>
+            <a:pPr algn="ctr"/>
+            <a:endParaRPr lang="en-CA"/>
+          </a:p>
+        </p:txBody>
+      </p:sp>
+    </p:spTree>
+    <p:extLst>
+      <p:ext uri="{BB962C8B-B14F-4D97-AF65-F5344CB8AC3E}">
+        <p14:creationId xmlns:p14="http://schemas.microsoft.com/office/powerpoint/2010/main" val="3970710044"/>
+      </p:ext>
+    </p:extLst>
+  </p:cSld>
+  <p:clrMapOvr>
+    <a:masterClrMapping/>
+  </p:clrMapOvr>
+</p:sld>
+</file>
+
+<file path=ppt/slides/slide29.xml><?xml version="1.0" encoding="utf-8"?>
+<p:sld xmlns:a="http://schemas.openxmlformats.org/drawingml/2006/main" xmlns:r="http://schemas.openxmlformats.org/officeDocument/2006/relationships" xmlns:p="http://schemas.openxmlformats.org/presentationml/2006/main">
+  <p:cSld>
+    <p:spTree>
+      <p:nvGrpSpPr>
+        <p:cNvPr id="1" name=""/>
+        <p:cNvGrpSpPr/>
+        <p:nvPr/>
+      </p:nvGrpSpPr>
+      <p:grpSpPr>
+        <a:xfrm>
+          <a:off x="0" y="0"/>
+          <a:ext cx="0" cy="0"/>
+          <a:chOff x="0" y="0"/>
+          <a:chExt cx="0" cy="0"/>
+        </a:xfrm>
+      </p:grpSpPr>
+      <p:sp>
+        <p:nvSpPr>
+          <p:cNvPr id="2" name="Title 1">
+            <a:extLst>
+              <a:ext uri="{FF2B5EF4-FFF2-40B4-BE49-F238E27FC236}">
+                <a16:creationId xmlns:a16="http://schemas.microsoft.com/office/drawing/2014/main" id="{9EE8923A-1AA9-4331-A770-73522A7799B0}"/>
+              </a:ext>
+            </a:extLst>
+          </p:cNvPr>
+          <p:cNvSpPr>
+            <a:spLocks noGrp="1"/>
+          </p:cNvSpPr>
+          <p:nvPr>
+            <p:ph type="title"/>
+          </p:nvPr>
+        </p:nvSpPr>
+        <p:spPr/>
+        <p:txBody>
+          <a:bodyPr/>
+          <a:lstStyle/>
+          <a:p>
+            <a:r>
+              <a:rPr lang="en-CA" dirty="0"/>
+              <a:t>Results &amp; Analysis – Novel Sentences</a:t>
+            </a:r>
+          </a:p>
+        </p:txBody>
+      </p:sp>
+      <p:graphicFrame>
+        <p:nvGraphicFramePr>
+          <p:cNvPr id="5" name="Table 4">
+            <a:extLst>
+              <a:ext uri="{FF2B5EF4-FFF2-40B4-BE49-F238E27FC236}">
+                <a16:creationId xmlns:a16="http://schemas.microsoft.com/office/drawing/2014/main" id="{967AC96A-C56C-4892-BE8C-18AA7C19942D}"/>
+              </a:ext>
+            </a:extLst>
+          </p:cNvPr>
+          <p:cNvGraphicFramePr>
+            <a:graphicFrameLocks/>
+          </p:cNvGraphicFramePr>
+          <p:nvPr/>
+        </p:nvGraphicFramePr>
+        <p:xfrm>
+          <a:off x="2180376" y="2272420"/>
+          <a:ext cx="7334816" cy="3822285"/>
+        </p:xfrm>
+        <a:graphic>
+          <a:graphicData uri="http://schemas.openxmlformats.org/drawingml/2006/table">
+            <a:tbl>
+              <a:tblPr firstRow="1" bandRow="1">
+                <a:tableStyleId>{6E25E649-3F16-4E02-A733-19D2CDBF48F0}</a:tableStyleId>
+              </a:tblPr>
+              <a:tblGrid>
+                <a:gridCol w="5725871">
+                  <a:extLst>
+                    <a:ext uri="{9D8B030D-6E8A-4147-A177-3AD203B41FA5}">
+                      <a16:colId xmlns:a16="http://schemas.microsoft.com/office/drawing/2014/main" val="2857179037"/>
+                    </a:ext>
+                  </a:extLst>
+                </a:gridCol>
+                <a:gridCol w="1608945">
+                  <a:extLst>
+                    <a:ext uri="{9D8B030D-6E8A-4147-A177-3AD203B41FA5}">
+                      <a16:colId xmlns:a16="http://schemas.microsoft.com/office/drawing/2014/main" val="4143390719"/>
+                    </a:ext>
+                  </a:extLst>
+                </a:gridCol>
+              </a:tblGrid>
+              <a:tr h="385603">
+                <a:tc>
+                  <a:txBody>
+                    <a:bodyPr/>
+                    <a:lstStyle/>
+                    <a:p>
+                      <a:pPr marL="0" algn="ctr" defTabSz="914400" rtl="0" eaLnBrk="1" fontAlgn="b" latinLnBrk="0" hangingPunct="1"/>
+                      <a:r>
+                        <a:rPr lang="en-CA" sz="1800" b="1" u="none" strike="noStrike" kern="1200" dirty="0">
+                          <a:solidFill>
+                            <a:schemeClr val="bg1"/>
+                          </a:solidFill>
+                          <a:effectLst/>
+                          <a:latin typeface="+mn-lt"/>
+                          <a:ea typeface="+mn-ea"/>
+                          <a:cs typeface="+mn-cs"/>
+                        </a:rPr>
+                        <a:t>Sentence</a:t>
+                      </a:r>
+                    </a:p>
+                  </a:txBody>
+                  <a:tcPr/>
+                </a:tc>
+                <a:tc>
+                  <a:txBody>
+                    <a:bodyPr/>
+                    <a:lstStyle/>
+                    <a:p>
+                      <a:pPr algn="ctr" fontAlgn="b"/>
+                      <a:r>
+                        <a:rPr lang="en-CA" sz="1800" dirty="0">
+                          <a:effectLst/>
+                        </a:rPr>
+                        <a:t>Predicted Rating</a:t>
+                      </a:r>
+                      <a:endParaRPr lang="en-CA" sz="1800" b="1" u="none" strike="noStrike" kern="1200" dirty="0">
+                        <a:solidFill>
+                          <a:schemeClr val="bg1"/>
+                        </a:solidFill>
+                        <a:effectLst/>
+                        <a:latin typeface="+mn-lt"/>
+                        <a:ea typeface="+mn-ea"/>
+                        <a:cs typeface="+mn-cs"/>
+                      </a:endParaRPr>
+                    </a:p>
+                  </a:txBody>
+                  <a:tcPr marL="9525" marR="9525" marT="9525" marB="0" anchor="b"/>
+                </a:tc>
+                <a:extLst>
+                  <a:ext uri="{0D108BD9-81ED-4DB2-BD59-A6C34878D82A}">
+                    <a16:rowId xmlns:a16="http://schemas.microsoft.com/office/drawing/2014/main" val="352827595"/>
+                  </a:ext>
+                </a:extLst>
+              </a:tr>
+              <a:tr h="652824">
+                <a:tc>
+                  <a:txBody>
+                    <a:bodyPr/>
+                    <a:lstStyle/>
+                    <a:p>
+                      <a:r>
+                        <a:rPr lang="en-CA" sz="1800" b="0" u="none" strike="noStrike" kern="1200" dirty="0">
+                          <a:solidFill>
+                            <a:srgbClr val="000000"/>
+                          </a:solidFill>
+                          <a:effectLst/>
+                          <a:latin typeface="+mn-lt"/>
+                          <a:ea typeface="+mn-ea"/>
+                          <a:cs typeface="+mn-cs"/>
+                        </a:rPr>
+                        <a:t>The lobby in this hotel is dated.</a:t>
+                      </a:r>
+                    </a:p>
+                  </a:txBody>
+                  <a:tcPr marL="53704" marR="53704" marT="11188" marB="11188" anchor="ctr"/>
+                </a:tc>
+                <a:tc>
+                  <a:txBody>
+                    <a:bodyPr/>
+                    <a:lstStyle/>
+                    <a:p>
+                      <a:pPr algn="ctr"/>
+                      <a:r>
+                        <a:rPr lang="en-CA" b="1" dirty="0">
+                          <a:effectLst/>
+                        </a:rPr>
+                        <a:t>2</a:t>
+                      </a:r>
+                    </a:p>
+                  </a:txBody>
+                  <a:tcPr marT="19050" marB="19050" anchor="ctr"/>
+                </a:tc>
+                <a:extLst>
+                  <a:ext uri="{0D108BD9-81ED-4DB2-BD59-A6C34878D82A}">
+                    <a16:rowId xmlns:a16="http://schemas.microsoft.com/office/drawing/2014/main" val="392404504"/>
+                  </a:ext>
+                </a:extLst>
+              </a:tr>
+              <a:tr h="652824">
+                <a:tc>
+                  <a:txBody>
+                    <a:bodyPr/>
+                    <a:lstStyle/>
+                    <a:p>
+                      <a:r>
+                        <a:rPr lang="en-CA" sz="1800" b="0" u="none" strike="noStrike" kern="1200" dirty="0">
+                          <a:solidFill>
+                            <a:srgbClr val="000000"/>
+                          </a:solidFill>
+                          <a:effectLst/>
+                          <a:latin typeface="+mn-lt"/>
+                          <a:ea typeface="+mn-ea"/>
+                          <a:cs typeface="+mn-cs"/>
+                        </a:rPr>
+                        <a:t>The lobby in this hotel is newly renovated.</a:t>
+                      </a:r>
+                    </a:p>
+                  </a:txBody>
+                  <a:tcPr marL="53704" marR="53704" marT="11188" marB="11188" anchor="ctr"/>
+                </a:tc>
+                <a:tc>
+                  <a:txBody>
+                    <a:bodyPr/>
+                    <a:lstStyle/>
+                    <a:p>
+                      <a:pPr algn="ctr"/>
+                      <a:r>
+                        <a:rPr lang="en-CA" b="1" dirty="0">
+                          <a:effectLst/>
+                        </a:rPr>
+                        <a:t>4</a:t>
+                      </a:r>
+                    </a:p>
+                  </a:txBody>
+                  <a:tcPr marT="19050" marB="19050" anchor="ctr"/>
+                </a:tc>
+                <a:extLst>
+                  <a:ext uri="{0D108BD9-81ED-4DB2-BD59-A6C34878D82A}">
+                    <a16:rowId xmlns:a16="http://schemas.microsoft.com/office/drawing/2014/main" val="1615631518"/>
+                  </a:ext>
+                </a:extLst>
+              </a:tr>
+              <a:tr h="652824">
+                <a:tc>
+                  <a:txBody>
+                    <a:bodyPr/>
+                    <a:lstStyle/>
+                    <a:p>
+                      <a:r>
+                        <a:rPr lang="en-CA" sz="1800" b="0" i="0" kern="1200" dirty="0">
+                          <a:solidFill>
+                            <a:schemeClr val="dk1"/>
+                          </a:solidFill>
+                          <a:effectLst/>
+                          <a:latin typeface="+mn-lt"/>
+                          <a:ea typeface="+mn-ea"/>
+                          <a:cs typeface="+mn-cs"/>
+                        </a:rPr>
+                        <a:t>The lobby in this hotel is a little dated, but very clean.</a:t>
+                      </a:r>
+                      <a:endParaRPr lang="en-CA" sz="1800" b="0" u="none" strike="noStrike" kern="1200" dirty="0">
+                        <a:solidFill>
+                          <a:srgbClr val="000000"/>
+                        </a:solidFill>
+                        <a:effectLst/>
+                        <a:latin typeface="+mn-lt"/>
+                        <a:ea typeface="+mn-ea"/>
+                        <a:cs typeface="+mn-cs"/>
+                      </a:endParaRPr>
+                    </a:p>
+                  </a:txBody>
+                  <a:tcPr marL="53704" marR="53704" marT="11188" marB="11188" anchor="ctr"/>
+                </a:tc>
+                <a:tc>
+                  <a:txBody>
+                    <a:bodyPr/>
+                    <a:lstStyle/>
+                    <a:p>
+                      <a:pPr algn="ctr"/>
+                      <a:r>
+                        <a:rPr lang="en-CA" b="1" dirty="0">
+                          <a:effectLst/>
+                        </a:rPr>
+                        <a:t>3</a:t>
+                      </a:r>
+                    </a:p>
+                  </a:txBody>
+                  <a:tcPr marT="19050" marB="19050" anchor="ctr"/>
+                </a:tc>
+                <a:extLst>
+                  <a:ext uri="{0D108BD9-81ED-4DB2-BD59-A6C34878D82A}">
+                    <a16:rowId xmlns:a16="http://schemas.microsoft.com/office/drawing/2014/main" val="1698729985"/>
+                  </a:ext>
+                </a:extLst>
+              </a:tr>
+              <a:tr h="652824">
+                <a:tc>
+                  <a:txBody>
+                    <a:bodyPr/>
+                    <a:lstStyle/>
+                    <a:p>
+                      <a:r>
+                        <a:rPr lang="en-CA" sz="1800" b="0" i="0" kern="1200" dirty="0">
+                          <a:solidFill>
+                            <a:schemeClr val="dk1"/>
+                          </a:solidFill>
+                          <a:effectLst/>
+                          <a:latin typeface="+mn-lt"/>
+                          <a:ea typeface="+mn-ea"/>
+                          <a:cs typeface="+mn-cs"/>
+                        </a:rPr>
+                        <a:t>The lobby in this hotel is a little dated, but newly painted.</a:t>
+                      </a:r>
+                      <a:endParaRPr lang="en-CA" sz="1800" b="0" u="none" strike="noStrike" kern="1200" dirty="0">
+                        <a:solidFill>
+                          <a:srgbClr val="000000"/>
+                        </a:solidFill>
+                        <a:effectLst/>
+                        <a:latin typeface="+mn-lt"/>
+                        <a:ea typeface="+mn-ea"/>
+                        <a:cs typeface="+mn-cs"/>
+                      </a:endParaRPr>
+                    </a:p>
+                  </a:txBody>
+                  <a:tcPr marL="53704" marR="53704" marT="11188" marB="11188" anchor="ctr"/>
+                </a:tc>
+                <a:tc>
+                  <a:txBody>
+                    <a:bodyPr/>
+                    <a:lstStyle/>
+                    <a:p>
+                      <a:pPr algn="ctr"/>
+                      <a:r>
+                        <a:rPr lang="en-CA" b="1" dirty="0">
+                          <a:effectLst/>
+                        </a:rPr>
+                        <a:t>3</a:t>
+                      </a:r>
+                    </a:p>
+                  </a:txBody>
+                  <a:tcPr marT="19050" marB="19050" anchor="ctr"/>
+                </a:tc>
+                <a:extLst>
+                  <a:ext uri="{0D108BD9-81ED-4DB2-BD59-A6C34878D82A}">
+                    <a16:rowId xmlns:a16="http://schemas.microsoft.com/office/drawing/2014/main" val="2982400000"/>
+                  </a:ext>
+                </a:extLst>
+              </a:tr>
+              <a:tr h="652824">
+                <a:tc>
+                  <a:txBody>
+                    <a:bodyPr/>
+                    <a:lstStyle/>
+                    <a:p>
+                      <a:r>
+                        <a:rPr lang="en-CA" sz="1800" b="0" i="0" kern="1200" dirty="0">
+                          <a:solidFill>
+                            <a:schemeClr val="dk1"/>
+                          </a:solidFill>
+                          <a:effectLst/>
+                          <a:latin typeface="+mn-lt"/>
+                          <a:ea typeface="+mn-ea"/>
+                          <a:cs typeface="+mn-cs"/>
+                        </a:rPr>
+                        <a:t>The lobby in this hotel a little dated, but has free coffee.</a:t>
+                      </a:r>
+                      <a:endParaRPr lang="en-CA" sz="1800" b="0" u="none" strike="noStrike" kern="1200" dirty="0">
+                        <a:solidFill>
+                          <a:srgbClr val="000000"/>
+                        </a:solidFill>
+                        <a:effectLst/>
+                        <a:latin typeface="+mn-lt"/>
+                        <a:ea typeface="+mn-ea"/>
+                        <a:cs typeface="+mn-cs"/>
+                      </a:endParaRPr>
+                    </a:p>
+                  </a:txBody>
+                  <a:tcPr marL="53704" marR="53704" marT="11188" marB="11188" anchor="ctr"/>
+                </a:tc>
+                <a:tc>
+                  <a:txBody>
+                    <a:bodyPr/>
+                    <a:lstStyle/>
+                    <a:p>
+                      <a:pPr algn="ctr"/>
+                      <a:r>
+                        <a:rPr lang="en-CA" b="1" dirty="0">
+                          <a:effectLst/>
+                        </a:rPr>
+                        <a:t>2</a:t>
+                      </a:r>
+                    </a:p>
+                  </a:txBody>
+                  <a:tcPr marT="19050" marB="19050" anchor="ctr"/>
+                </a:tc>
+                <a:extLst>
+                  <a:ext uri="{0D108BD9-81ED-4DB2-BD59-A6C34878D82A}">
+                    <a16:rowId xmlns:a16="http://schemas.microsoft.com/office/drawing/2014/main" val="2998075838"/>
+                  </a:ext>
+                </a:extLst>
+              </a:tr>
+            </a:tbl>
+          </a:graphicData>
+        </a:graphic>
+      </p:graphicFrame>
+    </p:spTree>
+    <p:extLst>
+      <p:ext uri="{BB962C8B-B14F-4D97-AF65-F5344CB8AC3E}">
+        <p14:creationId xmlns:p14="http://schemas.microsoft.com/office/powerpoint/2010/main" val="610835667"/>
+      </p:ext>
+    </p:extLst>
+  </p:cSld>
+  <p:clrMapOvr>
+    <a:masterClrMapping/>
+  </p:clrMapOvr>
+</p:sld>
+</file>
+
+<file path=ppt/slides/slide3.xml><?xml version="1.0" encoding="utf-8"?>
+<p:sld xmlns:a="http://schemas.openxmlformats.org/drawingml/2006/main" xmlns:r="http://schemas.openxmlformats.org/officeDocument/2006/relationships" xmlns:p="http://schemas.openxmlformats.org/presentationml/2006/main">
+  <p:cSld>
+    <p:spTree>
+      <p:nvGrpSpPr>
+        <p:cNvPr id="1" name=""/>
+        <p:cNvGrpSpPr/>
+        <p:nvPr/>
+      </p:nvGrpSpPr>
+      <p:grpSpPr>
+        <a:xfrm>
+          <a:off x="0" y="0"/>
+          <a:ext cx="0" cy="0"/>
+          <a:chOff x="0" y="0"/>
+          <a:chExt cx="0" cy="0"/>
+        </a:xfrm>
+      </p:grpSpPr>
+      <p:sp>
+        <p:nvSpPr>
+          <p:cNvPr id="2" name="Title 1">
+            <a:extLst>
+              <a:ext uri="{FF2B5EF4-FFF2-40B4-BE49-F238E27FC236}">
+                <a16:creationId xmlns:a16="http://schemas.microsoft.com/office/drawing/2014/main" id="{2032E166-4313-4B7B-8927-EE4FEFE191D8}"/>
+              </a:ext>
+            </a:extLst>
+          </p:cNvPr>
+          <p:cNvSpPr>
+            <a:spLocks noGrp="1"/>
+          </p:cNvSpPr>
+          <p:nvPr>
+            <p:ph type="title"/>
+          </p:nvPr>
+        </p:nvSpPr>
+        <p:spPr/>
+        <p:txBody>
+          <a:bodyPr/>
+          <a:lstStyle/>
+          <a:p>
+            <a:r>
+              <a:rPr lang="en-CA" dirty="0"/>
+              <a:t>Introduction</a:t>
+            </a:r>
+          </a:p>
+        </p:txBody>
+      </p:sp>
+      <p:pic>
+        <p:nvPicPr>
+          <p:cNvPr id="1026" name="Picture 2" descr="20 of America&amp;#39;s most beautiful hotels | CNN Travel">
+            <a:extLst>
+              <a:ext uri="{FF2B5EF4-FFF2-40B4-BE49-F238E27FC236}">
+                <a16:creationId xmlns:a16="http://schemas.microsoft.com/office/drawing/2014/main" id="{E1B1FCAD-DF5C-43DB-A4C6-6E46B568BAEF}"/>
+              </a:ext>
+            </a:extLst>
+          </p:cNvPr>
+          <p:cNvPicPr>
+            <a:picLocks noGrp="1" noChangeAspect="1" noChangeArrowheads="1"/>
+          </p:cNvPicPr>
+          <p:nvPr>
+            <p:ph sz="half" idx="1"/>
+          </p:nvPr>
+        </p:nvPicPr>
+        <p:blipFill>
+          <a:blip r:embed="rId2">
+            <a:extLst>
+              <a:ext uri="{28A0092B-C50C-407E-A947-70E740481C1C}">
+                <a14:useLocalDpi xmlns:a14="http://schemas.microsoft.com/office/drawing/2010/main" val="0"/>
+              </a:ext>
+            </a:extLst>
+          </a:blip>
+          <a:srcRect/>
+          <a:stretch>
+            <a:fillRect/>
+          </a:stretch>
+        </p:blipFill>
+        <p:spPr bwMode="auto">
+          <a:xfrm>
+            <a:off x="575476" y="2105256"/>
+            <a:ext cx="5571800" cy="3214049"/>
+          </a:xfrm>
+          <a:prstGeom prst="rect">
+            <a:avLst/>
+          </a:prstGeom>
+          <a:solidFill>
+            <a:srgbClr val="FFFFFF">
+              <a:shade val="85000"/>
+            </a:srgbClr>
+          </a:solidFill>
+          <a:ln w="88900" cap="sq">
+            <a:solidFill>
+              <a:srgbClr val="FFFFFF"/>
+            </a:solidFill>
+            <a:miter lim="800000"/>
+          </a:ln>
+          <a:effectLst>
+            <a:outerShdw blurRad="55000" dist="18000" dir="5400000" algn="tl" rotWithShape="0">
+              <a:srgbClr val="000000">
+                <a:alpha val="40000"/>
+              </a:srgbClr>
+            </a:outerShdw>
+          </a:effectLst>
+          <a:scene3d>
+            <a:camera prst="orthographicFront"/>
+            <a:lightRig rig="twoPt" dir="t">
+              <a:rot lat="0" lon="0" rev="7200000"/>
+            </a:lightRig>
+          </a:scene3d>
+          <a:sp3d>
+            <a:bevelT w="25400" h="19050"/>
+            <a:contourClr>
+              <a:srgbClr val="FFFFFF"/>
+            </a:contourClr>
+          </a:sp3d>
+        </p:spPr>
+      </p:pic>
+      <p:sp>
+        <p:nvSpPr>
+          <p:cNvPr id="5" name="Content Placeholder 4">
+            <a:extLst>
+              <a:ext uri="{FF2B5EF4-FFF2-40B4-BE49-F238E27FC236}">
+                <a16:creationId xmlns:a16="http://schemas.microsoft.com/office/drawing/2014/main" id="{A572031E-6394-48B5-8AB1-3AEF88E17C54}"/>
+              </a:ext>
+            </a:extLst>
+          </p:cNvPr>
+          <p:cNvSpPr>
+            <a:spLocks noGrp="1"/>
+          </p:cNvSpPr>
+          <p:nvPr>
+            <p:ph sz="half" idx="2"/>
+          </p:nvPr>
+        </p:nvSpPr>
+        <p:spPr/>
+        <p:txBody>
+          <a:bodyPr>
+            <a:normAutofit/>
+          </a:bodyPr>
+          <a:lstStyle/>
+          <a:p>
+            <a:r>
+              <a:rPr lang="en-CA" sz="2400" dirty="0"/>
+              <a:t>The hotel industry, worth over 240 billion dollars globally*, was highly impacted by the Covid-19 pandemic.</a:t>
+            </a:r>
+          </a:p>
+          <a:p>
+            <a:endParaRPr lang="en-CA" sz="2400" dirty="0"/>
+          </a:p>
+          <a:p>
+            <a:r>
+              <a:rPr lang="en-CA" sz="2400" dirty="0"/>
+              <a:t> In 2020, occupancy declined more than 11%, and 4.4% of hotels permanently closed**.</a:t>
+            </a:r>
+          </a:p>
+        </p:txBody>
+      </p:sp>
+      <p:sp>
+        <p:nvSpPr>
+          <p:cNvPr id="6" name="Content Placeholder 4">
+            <a:extLst>
+              <a:ext uri="{FF2B5EF4-FFF2-40B4-BE49-F238E27FC236}">
+                <a16:creationId xmlns:a16="http://schemas.microsoft.com/office/drawing/2014/main" id="{C6938C3B-02EC-42B5-94CF-52956BB15654}"/>
+              </a:ext>
+            </a:extLst>
+          </p:cNvPr>
+          <p:cNvSpPr txBox="1">
+            <a:spLocks/>
+          </p:cNvSpPr>
+          <p:nvPr/>
+        </p:nvSpPr>
+        <p:spPr>
+          <a:xfrm>
+            <a:off x="575476" y="5941086"/>
+            <a:ext cx="11260448" cy="502444"/>
+          </a:xfrm>
+          <a:prstGeom prst="rect">
+            <a:avLst/>
+          </a:prstGeom>
+        </p:spPr>
+        <p:txBody>
+          <a:bodyPr vert="horz" lIns="91440" tIns="45720" rIns="91440" bIns="45720" rtlCol="0">
+            <a:normAutofit fontScale="92500" lnSpcReduction="10000"/>
+          </a:bodyPr>
+          <a:lstStyle>
+            <a:lvl1pPr marL="182880" indent="-182880" algn="l" defTabSz="914400" rtl="0" eaLnBrk="1" latinLnBrk="0" hangingPunct="1">
+              <a:lnSpc>
+                <a:spcPct val="100000"/>
+              </a:lnSpc>
+              <a:spcBef>
+                <a:spcPts val="900"/>
+              </a:spcBef>
+              <a:spcAft>
+                <a:spcPts val="0"/>
+              </a:spcAft>
+              <a:buClr>
+                <a:schemeClr val="tx1">
+                  <a:lumMod val="85000"/>
+                  <a:lumOff val="15000"/>
+                </a:schemeClr>
+              </a:buClr>
+              <a:buFont typeface="Garamond" pitchFamily="18" charset="0"/>
+              <a:buChar char="◦"/>
+              <a:defRPr sz="1800" kern="1200">
+                <a:solidFill>
+                  <a:schemeClr val="tx1"/>
+                </a:solidFill>
+                <a:latin typeface="+mn-lt"/>
+                <a:ea typeface="+mn-ea"/>
+                <a:cs typeface="+mn-cs"/>
+              </a:defRPr>
+            </a:lvl1pPr>
+            <a:lvl2pPr marL="457200" indent="-182880" algn="l" defTabSz="914400" rtl="0" eaLnBrk="1" latinLnBrk="0" hangingPunct="1">
+              <a:lnSpc>
+                <a:spcPct val="100000"/>
+              </a:lnSpc>
+              <a:spcBef>
+                <a:spcPts val="500"/>
+              </a:spcBef>
+              <a:buClr>
+                <a:schemeClr val="tx1">
+                  <a:lumMod val="85000"/>
+                  <a:lumOff val="15000"/>
+                </a:schemeClr>
+              </a:buClr>
+              <a:buFont typeface="Garamond" pitchFamily="18" charset="0"/>
+              <a:buChar char="◦"/>
+              <a:defRPr sz="1600" kern="1200">
+                <a:solidFill>
+                  <a:schemeClr val="tx1"/>
+                </a:solidFill>
+                <a:latin typeface="+mn-lt"/>
+                <a:ea typeface="+mn-ea"/>
+                <a:cs typeface="+mn-cs"/>
+              </a:defRPr>
+            </a:lvl2pPr>
+            <a:lvl3pPr marL="731520" indent="-182880" algn="l" defTabSz="914400" rtl="0" eaLnBrk="1" latinLnBrk="0" hangingPunct="1">
+              <a:lnSpc>
+                <a:spcPct val="100000"/>
+              </a:lnSpc>
+              <a:spcBef>
+                <a:spcPts val="500"/>
+              </a:spcBef>
+              <a:buClr>
+                <a:schemeClr val="tx1">
+                  <a:lumMod val="85000"/>
+                  <a:lumOff val="15000"/>
+                </a:schemeClr>
+              </a:buClr>
+              <a:buFont typeface="Garamond" pitchFamily="18" charset="0"/>
+              <a:buChar char="◦"/>
+              <a:defRPr sz="1400" kern="1200">
+                <a:solidFill>
+                  <a:schemeClr val="tx1"/>
+                </a:solidFill>
+                <a:latin typeface="+mn-lt"/>
+                <a:ea typeface="+mn-ea"/>
+                <a:cs typeface="+mn-cs"/>
+              </a:defRPr>
+            </a:lvl3pPr>
+            <a:lvl4pPr marL="1005840" indent="-182880" algn="l" defTabSz="914400" rtl="0" eaLnBrk="1" latinLnBrk="0" hangingPunct="1">
+              <a:lnSpc>
+                <a:spcPct val="100000"/>
+              </a:lnSpc>
+              <a:spcBef>
+                <a:spcPts val="500"/>
+              </a:spcBef>
+              <a:buClr>
+                <a:schemeClr val="tx1">
+                  <a:lumMod val="85000"/>
+                  <a:lumOff val="15000"/>
+                </a:schemeClr>
+              </a:buClr>
+              <a:buFont typeface="Garamond" pitchFamily="18" charset="0"/>
+              <a:buChar char="◦"/>
+              <a:defRPr sz="1400" kern="1200">
+                <a:solidFill>
+                  <a:schemeClr val="tx1"/>
+                </a:solidFill>
+                <a:latin typeface="+mn-lt"/>
+                <a:ea typeface="+mn-ea"/>
+                <a:cs typeface="+mn-cs"/>
+              </a:defRPr>
+            </a:lvl4pPr>
+            <a:lvl5pPr marL="1280160" indent="-182880" algn="l" defTabSz="914400" rtl="0" eaLnBrk="1" latinLnBrk="0" hangingPunct="1">
+              <a:lnSpc>
+                <a:spcPct val="100000"/>
+              </a:lnSpc>
+              <a:spcBef>
+                <a:spcPts val="500"/>
+              </a:spcBef>
+              <a:buClr>
+                <a:schemeClr val="tx1">
+                  <a:lumMod val="85000"/>
+                  <a:lumOff val="15000"/>
+                </a:schemeClr>
+              </a:buClr>
+              <a:buFont typeface="Garamond" pitchFamily="18" charset="0"/>
+              <a:buChar char="◦"/>
+              <a:defRPr sz="1400" kern="1200">
+                <a:solidFill>
+                  <a:schemeClr val="tx1"/>
+                </a:solidFill>
+                <a:latin typeface="+mn-lt"/>
+                <a:ea typeface="+mn-ea"/>
+                <a:cs typeface="+mn-cs"/>
+              </a:defRPr>
+            </a:lvl5pPr>
+            <a:lvl6pPr marL="1600000" indent="-228600" algn="l" defTabSz="914400" rtl="0" eaLnBrk="1" latinLnBrk="0" hangingPunct="1">
+              <a:lnSpc>
+                <a:spcPct val="100000"/>
+              </a:lnSpc>
+              <a:spcBef>
+                <a:spcPts val="500"/>
+              </a:spcBef>
+              <a:buClr>
+                <a:schemeClr val="tx1">
+                  <a:lumMod val="85000"/>
+                  <a:lumOff val="15000"/>
+                </a:schemeClr>
+              </a:buClr>
+              <a:buFont typeface="Garamond" pitchFamily="18" charset="0"/>
+              <a:buChar char="◦"/>
+              <a:defRPr sz="1400" kern="1200">
+                <a:solidFill>
+                  <a:schemeClr val="tx1"/>
+                </a:solidFill>
+                <a:latin typeface="+mn-lt"/>
+                <a:ea typeface="+mn-ea"/>
+                <a:cs typeface="+mn-cs"/>
+              </a:defRPr>
+            </a:lvl6pPr>
+            <a:lvl7pPr marL="1900000" indent="-228600" algn="l" defTabSz="914400" rtl="0" eaLnBrk="1" latinLnBrk="0" hangingPunct="1">
+              <a:lnSpc>
+                <a:spcPct val="100000"/>
+              </a:lnSpc>
+              <a:spcBef>
+                <a:spcPts val="500"/>
+              </a:spcBef>
+              <a:buClr>
+                <a:schemeClr val="tx1">
+                  <a:lumMod val="85000"/>
+                  <a:lumOff val="15000"/>
+                </a:schemeClr>
+              </a:buClr>
+              <a:buFont typeface="Garamond" pitchFamily="18" charset="0"/>
+              <a:buChar char="◦"/>
+              <a:defRPr sz="1400" kern="1200">
+                <a:solidFill>
+                  <a:schemeClr val="tx1"/>
+                </a:solidFill>
+                <a:latin typeface="+mn-lt"/>
+                <a:ea typeface="+mn-ea"/>
+                <a:cs typeface="+mn-cs"/>
+              </a:defRPr>
+            </a:lvl7pPr>
+            <a:lvl8pPr marL="2200000" indent="-228600" algn="l" defTabSz="914400" rtl="0" eaLnBrk="1" latinLnBrk="0" hangingPunct="1">
+              <a:lnSpc>
+                <a:spcPct val="100000"/>
+              </a:lnSpc>
+              <a:spcBef>
+                <a:spcPts val="500"/>
+              </a:spcBef>
+              <a:buClr>
+                <a:schemeClr val="tx1">
+                  <a:lumMod val="85000"/>
+                  <a:lumOff val="15000"/>
+                </a:schemeClr>
+              </a:buClr>
+              <a:buFont typeface="Garamond" pitchFamily="18" charset="0"/>
+              <a:buChar char="◦"/>
+              <a:defRPr sz="1400" kern="1200">
+                <a:solidFill>
+                  <a:schemeClr val="tx1"/>
+                </a:solidFill>
+                <a:latin typeface="+mn-lt"/>
+                <a:ea typeface="+mn-ea"/>
+                <a:cs typeface="+mn-cs"/>
+              </a:defRPr>
+            </a:lvl8pPr>
+            <a:lvl9pPr marL="2500000" indent="-228600" algn="l" defTabSz="914400" rtl="0" eaLnBrk="1" latinLnBrk="0" hangingPunct="1">
+              <a:lnSpc>
+                <a:spcPct val="100000"/>
+              </a:lnSpc>
+              <a:spcBef>
+                <a:spcPts val="500"/>
+              </a:spcBef>
+              <a:buClr>
+                <a:schemeClr val="tx1">
+                  <a:lumMod val="85000"/>
+                  <a:lumOff val="15000"/>
+                </a:schemeClr>
+              </a:buClr>
+              <a:buFont typeface="Garamond" pitchFamily="18" charset="0"/>
+              <a:buChar char="◦"/>
+              <a:defRPr sz="1400" kern="1200">
+                <a:solidFill>
+                  <a:schemeClr val="tx1"/>
+                </a:solidFill>
+                <a:latin typeface="+mn-lt"/>
+                <a:ea typeface="+mn-ea"/>
+                <a:cs typeface="+mn-cs"/>
+              </a:defRPr>
+            </a:lvl9pPr>
+          </a:lstStyle>
+          <a:p>
+            <a:pPr marL="0" indent="0">
+              <a:buNone/>
+            </a:pPr>
+            <a:r>
+              <a:rPr lang="en-CA" sz="1100" dirty="0">
+                <a:solidFill>
+                  <a:schemeClr val="tx2">
+                    <a:lumMod val="50000"/>
+                  </a:schemeClr>
+                </a:solidFill>
+              </a:rPr>
+              <a:t>*Strategic Report - Industry Overview 2020. IHG Hotels and Resorts - Annual reports. (2020).</a:t>
+            </a:r>
+            <a:endParaRPr lang="en-CA" sz="1000" dirty="0">
+              <a:solidFill>
+                <a:schemeClr val="tx2">
+                  <a:lumMod val="50000"/>
+                </a:schemeClr>
+              </a:solidFill>
+            </a:endParaRPr>
+          </a:p>
+          <a:p>
+            <a:pPr marL="0" indent="0">
+              <a:buNone/>
+            </a:pPr>
+            <a:r>
+              <a:rPr lang="en-CA" sz="1100" dirty="0">
+                <a:solidFill>
+                  <a:schemeClr val="tx2">
+                    <a:lumMod val="50000"/>
+                  </a:schemeClr>
+                </a:solidFill>
+              </a:rPr>
+              <a:t>**Q3 2021 US Hotel Figures. CBREUS Insights and Research. (2021).</a:t>
+            </a:r>
+            <a:endParaRPr lang="en-CA" sz="1000" dirty="0">
+              <a:solidFill>
+                <a:schemeClr val="tx2">
+                  <a:lumMod val="50000"/>
+                </a:schemeClr>
+              </a:solidFill>
+            </a:endParaRPr>
+          </a:p>
+        </p:txBody>
+      </p:sp>
+    </p:spTree>
+    <p:extLst>
+      <p:ext uri="{BB962C8B-B14F-4D97-AF65-F5344CB8AC3E}">
+        <p14:creationId xmlns:p14="http://schemas.microsoft.com/office/powerpoint/2010/main" val="138448676"/>
+      </p:ext>
+    </p:extLst>
+  </p:cSld>
+  <p:clrMapOvr>
+    <a:masterClrMapping/>
+  </p:clrMapOvr>
+</p:sld>
+</file>
+
+<file path=ppt/slides/slide30.xml><?xml version="1.0" encoding="utf-8"?>
 <p:sld xmlns:a="http://schemas.openxmlformats.org/drawingml/2006/main" xmlns:r="http://schemas.openxmlformats.org/officeDocument/2006/relationships" xmlns:p="http://schemas.openxmlformats.org/presentationml/2006/main">
   <p:cSld>
     <p:spTree>
@@ -14777,7 +16648,7 @@
 </p:sld>
 </file>
 
-<file path=ppt/slides/slide28.xml><?xml version="1.0" encoding="utf-8"?>
+<file path=ppt/slides/slide31.xml><?xml version="1.0" encoding="utf-8"?>
 <p:sld xmlns:a="http://schemas.openxmlformats.org/drawingml/2006/main" xmlns:r="http://schemas.openxmlformats.org/officeDocument/2006/relationships" xmlns:p="http://schemas.openxmlformats.org/presentationml/2006/main">
   <p:cSld>
     <p:spTree>
@@ -14964,7 +16835,7 @@
 </p:sld>
 </file>
 
-<file path=ppt/slides/slide29.xml><?xml version="1.0" encoding="utf-8"?>
+<file path=ppt/slides/slide32.xml><?xml version="1.0" encoding="utf-8"?>
 <p:sld xmlns:a="http://schemas.openxmlformats.org/drawingml/2006/main" xmlns:r="http://schemas.openxmlformats.org/officeDocument/2006/relationships" xmlns:p="http://schemas.openxmlformats.org/presentationml/2006/main">
   <p:cSld>
     <p:spTree>
@@ -15585,467 +17456,7 @@
 </p:sld>
 </file>
 
-<file path=ppt/slides/slide3.xml><?xml version="1.0" encoding="utf-8"?>
-<p:sld xmlns:a="http://schemas.openxmlformats.org/drawingml/2006/main" xmlns:r="http://schemas.openxmlformats.org/officeDocument/2006/relationships" xmlns:p="http://schemas.openxmlformats.org/presentationml/2006/main">
-  <p:cSld>
-    <p:spTree>
-      <p:nvGrpSpPr>
-        <p:cNvPr id="1" name=""/>
-        <p:cNvGrpSpPr/>
-        <p:nvPr/>
-      </p:nvGrpSpPr>
-      <p:grpSpPr>
-        <a:xfrm>
-          <a:off x="0" y="0"/>
-          <a:ext cx="0" cy="0"/>
-          <a:chOff x="0" y="0"/>
-          <a:chExt cx="0" cy="0"/>
-        </a:xfrm>
-      </p:grpSpPr>
-      <p:sp>
-        <p:nvSpPr>
-          <p:cNvPr id="2" name="Title 1">
-            <a:extLst>
-              <a:ext uri="{FF2B5EF4-FFF2-40B4-BE49-F238E27FC236}">
-                <a16:creationId xmlns:a16="http://schemas.microsoft.com/office/drawing/2014/main" id="{2032E166-4313-4B7B-8927-EE4FEFE191D8}"/>
-              </a:ext>
-            </a:extLst>
-          </p:cNvPr>
-          <p:cNvSpPr>
-            <a:spLocks noGrp="1"/>
-          </p:cNvSpPr>
-          <p:nvPr>
-            <p:ph type="title"/>
-          </p:nvPr>
-        </p:nvSpPr>
-        <p:spPr/>
-        <p:txBody>
-          <a:bodyPr/>
-          <a:lstStyle/>
-          <a:p>
-            <a:r>
-              <a:rPr lang="en-CA" dirty="0"/>
-              <a:t>Introduction</a:t>
-            </a:r>
-          </a:p>
-        </p:txBody>
-      </p:sp>
-      <p:pic>
-        <p:nvPicPr>
-          <p:cNvPr id="1026" name="Picture 2" descr="20 of America&amp;#39;s most beautiful hotels | CNN Travel">
-            <a:extLst>
-              <a:ext uri="{FF2B5EF4-FFF2-40B4-BE49-F238E27FC236}">
-                <a16:creationId xmlns:a16="http://schemas.microsoft.com/office/drawing/2014/main" id="{E1B1FCAD-DF5C-43DB-A4C6-6E46B568BAEF}"/>
-              </a:ext>
-            </a:extLst>
-          </p:cNvPr>
-          <p:cNvPicPr>
-            <a:picLocks noGrp="1" noChangeAspect="1" noChangeArrowheads="1"/>
-          </p:cNvPicPr>
-          <p:nvPr>
-            <p:ph sz="half" idx="1"/>
-          </p:nvPr>
-        </p:nvPicPr>
-        <p:blipFill>
-          <a:blip r:embed="rId2">
-            <a:extLst>
-              <a:ext uri="{28A0092B-C50C-407E-A947-70E740481C1C}">
-                <a14:useLocalDpi xmlns:a14="http://schemas.microsoft.com/office/drawing/2010/main" val="0"/>
-              </a:ext>
-            </a:extLst>
-          </a:blip>
-          <a:srcRect/>
-          <a:stretch>
-            <a:fillRect/>
-          </a:stretch>
-        </p:blipFill>
-        <p:spPr bwMode="auto">
-          <a:xfrm>
-            <a:off x="575476" y="2105256"/>
-            <a:ext cx="5571800" cy="3214049"/>
-          </a:xfrm>
-          <a:prstGeom prst="rect">
-            <a:avLst/>
-          </a:prstGeom>
-          <a:solidFill>
-            <a:srgbClr val="FFFFFF">
-              <a:shade val="85000"/>
-            </a:srgbClr>
-          </a:solidFill>
-          <a:ln w="88900" cap="sq">
-            <a:solidFill>
-              <a:srgbClr val="FFFFFF"/>
-            </a:solidFill>
-            <a:miter lim="800000"/>
-          </a:ln>
-          <a:effectLst>
-            <a:outerShdw blurRad="55000" dist="18000" dir="5400000" algn="tl" rotWithShape="0">
-              <a:srgbClr val="000000">
-                <a:alpha val="40000"/>
-              </a:srgbClr>
-            </a:outerShdw>
-          </a:effectLst>
-          <a:scene3d>
-            <a:camera prst="orthographicFront"/>
-            <a:lightRig rig="twoPt" dir="t">
-              <a:rot lat="0" lon="0" rev="7200000"/>
-            </a:lightRig>
-          </a:scene3d>
-          <a:sp3d>
-            <a:bevelT w="25400" h="19050"/>
-            <a:contourClr>
-              <a:srgbClr val="FFFFFF"/>
-            </a:contourClr>
-          </a:sp3d>
-        </p:spPr>
-      </p:pic>
-      <p:sp>
-        <p:nvSpPr>
-          <p:cNvPr id="5" name="Content Placeholder 4">
-            <a:extLst>
-              <a:ext uri="{FF2B5EF4-FFF2-40B4-BE49-F238E27FC236}">
-                <a16:creationId xmlns:a16="http://schemas.microsoft.com/office/drawing/2014/main" id="{A572031E-6394-48B5-8AB1-3AEF88E17C54}"/>
-              </a:ext>
-            </a:extLst>
-          </p:cNvPr>
-          <p:cNvSpPr>
-            <a:spLocks noGrp="1"/>
-          </p:cNvSpPr>
-          <p:nvPr>
-            <p:ph sz="half" idx="2"/>
-          </p:nvPr>
-        </p:nvSpPr>
-        <p:spPr/>
-        <p:txBody>
-          <a:bodyPr>
-            <a:normAutofit/>
-          </a:bodyPr>
-          <a:lstStyle/>
-          <a:p>
-            <a:r>
-              <a:rPr lang="en-CA" sz="2400" dirty="0"/>
-              <a:t>The hotel industry, worth over 240 billion dollars globally*, was highly impacted by the Covid-19 pandemic.</a:t>
-            </a:r>
-          </a:p>
-          <a:p>
-            <a:endParaRPr lang="en-CA" sz="2400" dirty="0"/>
-          </a:p>
-          <a:p>
-            <a:r>
-              <a:rPr lang="en-CA" sz="2400" dirty="0"/>
-              <a:t> In 2020, occupancy declined more than 11%, and 4.4% of hotels permanently closed**.</a:t>
-            </a:r>
-          </a:p>
-        </p:txBody>
-      </p:sp>
-      <p:sp>
-        <p:nvSpPr>
-          <p:cNvPr id="6" name="Content Placeholder 4">
-            <a:extLst>
-              <a:ext uri="{FF2B5EF4-FFF2-40B4-BE49-F238E27FC236}">
-                <a16:creationId xmlns:a16="http://schemas.microsoft.com/office/drawing/2014/main" id="{C6938C3B-02EC-42B5-94CF-52956BB15654}"/>
-              </a:ext>
-            </a:extLst>
-          </p:cNvPr>
-          <p:cNvSpPr txBox="1">
-            <a:spLocks/>
-          </p:cNvSpPr>
-          <p:nvPr/>
-        </p:nvSpPr>
-        <p:spPr>
-          <a:xfrm>
-            <a:off x="575476" y="5941086"/>
-            <a:ext cx="11260448" cy="502444"/>
-          </a:xfrm>
-          <a:prstGeom prst="rect">
-            <a:avLst/>
-          </a:prstGeom>
-        </p:spPr>
-        <p:txBody>
-          <a:bodyPr vert="horz" lIns="91440" tIns="45720" rIns="91440" bIns="45720" rtlCol="0">
-            <a:normAutofit fontScale="92500" lnSpcReduction="10000"/>
-          </a:bodyPr>
-          <a:lstStyle>
-            <a:lvl1pPr marL="182880" indent="-182880" algn="l" defTabSz="914400" rtl="0" eaLnBrk="1" latinLnBrk="0" hangingPunct="1">
-              <a:lnSpc>
-                <a:spcPct val="100000"/>
-              </a:lnSpc>
-              <a:spcBef>
-                <a:spcPts val="900"/>
-              </a:spcBef>
-              <a:spcAft>
-                <a:spcPts val="0"/>
-              </a:spcAft>
-              <a:buClr>
-                <a:schemeClr val="tx1">
-                  <a:lumMod val="85000"/>
-                  <a:lumOff val="15000"/>
-                </a:schemeClr>
-              </a:buClr>
-              <a:buFont typeface="Garamond" pitchFamily="18" charset="0"/>
-              <a:buChar char="◦"/>
-              <a:defRPr sz="1800" kern="1200">
-                <a:solidFill>
-                  <a:schemeClr val="tx1"/>
-                </a:solidFill>
-                <a:latin typeface="+mn-lt"/>
-                <a:ea typeface="+mn-ea"/>
-                <a:cs typeface="+mn-cs"/>
-              </a:defRPr>
-            </a:lvl1pPr>
-            <a:lvl2pPr marL="457200" indent="-182880" algn="l" defTabSz="914400" rtl="0" eaLnBrk="1" latinLnBrk="0" hangingPunct="1">
-              <a:lnSpc>
-                <a:spcPct val="100000"/>
-              </a:lnSpc>
-              <a:spcBef>
-                <a:spcPts val="500"/>
-              </a:spcBef>
-              <a:buClr>
-                <a:schemeClr val="tx1">
-                  <a:lumMod val="85000"/>
-                  <a:lumOff val="15000"/>
-                </a:schemeClr>
-              </a:buClr>
-              <a:buFont typeface="Garamond" pitchFamily="18" charset="0"/>
-              <a:buChar char="◦"/>
-              <a:defRPr sz="1600" kern="1200">
-                <a:solidFill>
-                  <a:schemeClr val="tx1"/>
-                </a:solidFill>
-                <a:latin typeface="+mn-lt"/>
-                <a:ea typeface="+mn-ea"/>
-                <a:cs typeface="+mn-cs"/>
-              </a:defRPr>
-            </a:lvl2pPr>
-            <a:lvl3pPr marL="731520" indent="-182880" algn="l" defTabSz="914400" rtl="0" eaLnBrk="1" latinLnBrk="0" hangingPunct="1">
-              <a:lnSpc>
-                <a:spcPct val="100000"/>
-              </a:lnSpc>
-              <a:spcBef>
-                <a:spcPts val="500"/>
-              </a:spcBef>
-              <a:buClr>
-                <a:schemeClr val="tx1">
-                  <a:lumMod val="85000"/>
-                  <a:lumOff val="15000"/>
-                </a:schemeClr>
-              </a:buClr>
-              <a:buFont typeface="Garamond" pitchFamily="18" charset="0"/>
-              <a:buChar char="◦"/>
-              <a:defRPr sz="1400" kern="1200">
-                <a:solidFill>
-                  <a:schemeClr val="tx1"/>
-                </a:solidFill>
-                <a:latin typeface="+mn-lt"/>
-                <a:ea typeface="+mn-ea"/>
-                <a:cs typeface="+mn-cs"/>
-              </a:defRPr>
-            </a:lvl3pPr>
-            <a:lvl4pPr marL="1005840" indent="-182880" algn="l" defTabSz="914400" rtl="0" eaLnBrk="1" latinLnBrk="0" hangingPunct="1">
-              <a:lnSpc>
-                <a:spcPct val="100000"/>
-              </a:lnSpc>
-              <a:spcBef>
-                <a:spcPts val="500"/>
-              </a:spcBef>
-              <a:buClr>
-                <a:schemeClr val="tx1">
-                  <a:lumMod val="85000"/>
-                  <a:lumOff val="15000"/>
-                </a:schemeClr>
-              </a:buClr>
-              <a:buFont typeface="Garamond" pitchFamily="18" charset="0"/>
-              <a:buChar char="◦"/>
-              <a:defRPr sz="1400" kern="1200">
-                <a:solidFill>
-                  <a:schemeClr val="tx1"/>
-                </a:solidFill>
-                <a:latin typeface="+mn-lt"/>
-                <a:ea typeface="+mn-ea"/>
-                <a:cs typeface="+mn-cs"/>
-              </a:defRPr>
-            </a:lvl4pPr>
-            <a:lvl5pPr marL="1280160" indent="-182880" algn="l" defTabSz="914400" rtl="0" eaLnBrk="1" latinLnBrk="0" hangingPunct="1">
-              <a:lnSpc>
-                <a:spcPct val="100000"/>
-              </a:lnSpc>
-              <a:spcBef>
-                <a:spcPts val="500"/>
-              </a:spcBef>
-              <a:buClr>
-                <a:schemeClr val="tx1">
-                  <a:lumMod val="85000"/>
-                  <a:lumOff val="15000"/>
-                </a:schemeClr>
-              </a:buClr>
-              <a:buFont typeface="Garamond" pitchFamily="18" charset="0"/>
-              <a:buChar char="◦"/>
-              <a:defRPr sz="1400" kern="1200">
-                <a:solidFill>
-                  <a:schemeClr val="tx1"/>
-                </a:solidFill>
-                <a:latin typeface="+mn-lt"/>
-                <a:ea typeface="+mn-ea"/>
-                <a:cs typeface="+mn-cs"/>
-              </a:defRPr>
-            </a:lvl5pPr>
-            <a:lvl6pPr marL="1600000" indent="-228600" algn="l" defTabSz="914400" rtl="0" eaLnBrk="1" latinLnBrk="0" hangingPunct="1">
-              <a:lnSpc>
-                <a:spcPct val="100000"/>
-              </a:lnSpc>
-              <a:spcBef>
-                <a:spcPts val="500"/>
-              </a:spcBef>
-              <a:buClr>
-                <a:schemeClr val="tx1">
-                  <a:lumMod val="85000"/>
-                  <a:lumOff val="15000"/>
-                </a:schemeClr>
-              </a:buClr>
-              <a:buFont typeface="Garamond" pitchFamily="18" charset="0"/>
-              <a:buChar char="◦"/>
-              <a:defRPr sz="1400" kern="1200">
-                <a:solidFill>
-                  <a:schemeClr val="tx1"/>
-                </a:solidFill>
-                <a:latin typeface="+mn-lt"/>
-                <a:ea typeface="+mn-ea"/>
-                <a:cs typeface="+mn-cs"/>
-              </a:defRPr>
-            </a:lvl6pPr>
-            <a:lvl7pPr marL="1900000" indent="-228600" algn="l" defTabSz="914400" rtl="0" eaLnBrk="1" latinLnBrk="0" hangingPunct="1">
-              <a:lnSpc>
-                <a:spcPct val="100000"/>
-              </a:lnSpc>
-              <a:spcBef>
-                <a:spcPts val="500"/>
-              </a:spcBef>
-              <a:buClr>
-                <a:schemeClr val="tx1">
-                  <a:lumMod val="85000"/>
-                  <a:lumOff val="15000"/>
-                </a:schemeClr>
-              </a:buClr>
-              <a:buFont typeface="Garamond" pitchFamily="18" charset="0"/>
-              <a:buChar char="◦"/>
-              <a:defRPr sz="1400" kern="1200">
-                <a:solidFill>
-                  <a:schemeClr val="tx1"/>
-                </a:solidFill>
-                <a:latin typeface="+mn-lt"/>
-                <a:ea typeface="+mn-ea"/>
-                <a:cs typeface="+mn-cs"/>
-              </a:defRPr>
-            </a:lvl7pPr>
-            <a:lvl8pPr marL="2200000" indent="-228600" algn="l" defTabSz="914400" rtl="0" eaLnBrk="1" latinLnBrk="0" hangingPunct="1">
-              <a:lnSpc>
-                <a:spcPct val="100000"/>
-              </a:lnSpc>
-              <a:spcBef>
-                <a:spcPts val="500"/>
-              </a:spcBef>
-              <a:buClr>
-                <a:schemeClr val="tx1">
-                  <a:lumMod val="85000"/>
-                  <a:lumOff val="15000"/>
-                </a:schemeClr>
-              </a:buClr>
-              <a:buFont typeface="Garamond" pitchFamily="18" charset="0"/>
-              <a:buChar char="◦"/>
-              <a:defRPr sz="1400" kern="1200">
-                <a:solidFill>
-                  <a:schemeClr val="tx1"/>
-                </a:solidFill>
-                <a:latin typeface="+mn-lt"/>
-                <a:ea typeface="+mn-ea"/>
-                <a:cs typeface="+mn-cs"/>
-              </a:defRPr>
-            </a:lvl8pPr>
-            <a:lvl9pPr marL="2500000" indent="-228600" algn="l" defTabSz="914400" rtl="0" eaLnBrk="1" latinLnBrk="0" hangingPunct="1">
-              <a:lnSpc>
-                <a:spcPct val="100000"/>
-              </a:lnSpc>
-              <a:spcBef>
-                <a:spcPts val="500"/>
-              </a:spcBef>
-              <a:buClr>
-                <a:schemeClr val="tx1">
-                  <a:lumMod val="85000"/>
-                  <a:lumOff val="15000"/>
-                </a:schemeClr>
-              </a:buClr>
-              <a:buFont typeface="Garamond" pitchFamily="18" charset="0"/>
-              <a:buChar char="◦"/>
-              <a:defRPr sz="1400" kern="1200">
-                <a:solidFill>
-                  <a:schemeClr val="tx1"/>
-                </a:solidFill>
-                <a:latin typeface="+mn-lt"/>
-                <a:ea typeface="+mn-ea"/>
-                <a:cs typeface="+mn-cs"/>
-              </a:defRPr>
-            </a:lvl9pPr>
-          </a:lstStyle>
-          <a:p>
-            <a:pPr marL="0" indent="0">
-              <a:buNone/>
-            </a:pPr>
-            <a:r>
-              <a:rPr lang="en-CA" sz="1100" dirty="0">
-                <a:solidFill>
-                  <a:schemeClr val="tx2">
-                    <a:lumMod val="50000"/>
-                  </a:schemeClr>
-                </a:solidFill>
-              </a:rPr>
-              <a:t>*Strategic Report - Industry Overview 2020. IHG Hotels and Resorts - Annual reports. (2020).</a:t>
-            </a:r>
-            <a:endParaRPr lang="en-CA" sz="1000" dirty="0">
-              <a:solidFill>
-                <a:schemeClr val="tx2">
-                  <a:lumMod val="50000"/>
-                </a:schemeClr>
-              </a:solidFill>
-            </a:endParaRPr>
-          </a:p>
-          <a:p>
-            <a:pPr marL="0" indent="0">
-              <a:buNone/>
-            </a:pPr>
-            <a:r>
-              <a:rPr lang="en-CA" sz="1100" dirty="0">
-                <a:solidFill>
-                  <a:schemeClr val="tx2">
-                    <a:lumMod val="50000"/>
-                  </a:schemeClr>
-                </a:solidFill>
-              </a:rPr>
-              <a:t>**Q3 2021 US Hotel Figures. CBREUS Insights and Research. (2021).</a:t>
-            </a:r>
-            <a:endParaRPr lang="en-CA" sz="1000" dirty="0">
-              <a:solidFill>
-                <a:schemeClr val="tx2">
-                  <a:lumMod val="50000"/>
-                </a:schemeClr>
-              </a:solidFill>
-            </a:endParaRPr>
-          </a:p>
-        </p:txBody>
-      </p:sp>
-    </p:spTree>
-    <p:extLst>
-      <p:ext uri="{BB962C8B-B14F-4D97-AF65-F5344CB8AC3E}">
-        <p14:creationId xmlns:p14="http://schemas.microsoft.com/office/powerpoint/2010/main" val="138448676"/>
-      </p:ext>
-    </p:extLst>
-  </p:cSld>
-  <p:clrMapOvr>
-    <a:masterClrMapping/>
-  </p:clrMapOvr>
-</p:sld>
-</file>
-
-<file path=ppt/slides/slide30.xml><?xml version="1.0" encoding="utf-8"?>
+<file path=ppt/slides/slide33.xml><?xml version="1.0" encoding="utf-8"?>
 <p:sld xmlns:a="http://schemas.openxmlformats.org/drawingml/2006/main" xmlns:r="http://schemas.openxmlformats.org/officeDocument/2006/relationships" xmlns:p="http://schemas.openxmlformats.org/presentationml/2006/main">
   <p:cSld>
     <p:spTree>
@@ -17157,7 +18568,7 @@
 </p:sld>
 </file>
 
-<file path=ppt/slides/slide31.xml><?xml version="1.0" encoding="utf-8"?>
+<file path=ppt/slides/slide34.xml><?xml version="1.0" encoding="utf-8"?>
 <p:sld xmlns:a="http://schemas.openxmlformats.org/drawingml/2006/main" xmlns:r="http://schemas.openxmlformats.org/officeDocument/2006/relationships" xmlns:p="http://schemas.openxmlformats.org/presentationml/2006/main">
   <p:cSld>
     <p:spTree>
@@ -17251,7 +18662,7 @@
 </p:sld>
 </file>
 
-<file path=ppt/slides/slide32.xml><?xml version="1.0" encoding="utf-8"?>
+<file path=ppt/slides/slide35.xml><?xml version="1.0" encoding="utf-8"?>
 <p:sld xmlns:a="http://schemas.openxmlformats.org/drawingml/2006/main" xmlns:r="http://schemas.openxmlformats.org/officeDocument/2006/relationships" xmlns:p="http://schemas.openxmlformats.org/presentationml/2006/main">
   <p:cSld>
     <p:spTree>
@@ -17314,624 +18725,7 @@
 </p:sld>
 </file>
 
-<file path=ppt/slides/slide33.xml><?xml version="1.0" encoding="utf-8"?>
-<p:sld xmlns:a="http://schemas.openxmlformats.org/drawingml/2006/main" xmlns:r="http://schemas.openxmlformats.org/officeDocument/2006/relationships" xmlns:p="http://schemas.openxmlformats.org/presentationml/2006/main">
-  <p:cSld>
-    <p:spTree>
-      <p:nvGrpSpPr>
-        <p:cNvPr id="1" name=""/>
-        <p:cNvGrpSpPr/>
-        <p:nvPr/>
-      </p:nvGrpSpPr>
-      <p:grpSpPr>
-        <a:xfrm>
-          <a:off x="0" y="0"/>
-          <a:ext cx="0" cy="0"/>
-          <a:chOff x="0" y="0"/>
-          <a:chExt cx="0" cy="0"/>
-        </a:xfrm>
-      </p:grpSpPr>
-      <p:sp>
-        <p:nvSpPr>
-          <p:cNvPr id="6" name="Rectangle 5">
-            <a:extLst>
-              <a:ext uri="{FF2B5EF4-FFF2-40B4-BE49-F238E27FC236}">
-                <a16:creationId xmlns:a16="http://schemas.microsoft.com/office/drawing/2014/main" id="{7048056E-20F0-4494-B3C1-20C3E45259C6}"/>
-              </a:ext>
-            </a:extLst>
-          </p:cNvPr>
-          <p:cNvSpPr/>
-          <p:nvPr/>
-        </p:nvSpPr>
-        <p:spPr>
-          <a:xfrm>
-            <a:off x="643561" y="1814120"/>
-            <a:ext cx="7531717" cy="4401289"/>
-          </a:xfrm>
-          <a:prstGeom prst="rect">
-            <a:avLst/>
-          </a:prstGeom>
-          <a:effectLst>
-            <a:outerShdw blurRad="63500" sx="102000" sy="102000" algn="ctr" rotWithShape="0">
-              <a:prstClr val="black">
-                <a:alpha val="40000"/>
-              </a:prstClr>
-            </a:outerShdw>
-          </a:effectLst>
-        </p:spPr>
-        <p:style>
-          <a:lnRef idx="2">
-            <a:schemeClr val="accent1">
-              <a:shade val="50000"/>
-            </a:schemeClr>
-          </a:lnRef>
-          <a:fillRef idx="1">
-            <a:schemeClr val="accent1"/>
-          </a:fillRef>
-          <a:effectRef idx="0">
-            <a:schemeClr val="accent1"/>
-          </a:effectRef>
-          <a:fontRef idx="minor">
-            <a:schemeClr val="lt1"/>
-          </a:fontRef>
-        </p:style>
-        <p:txBody>
-          <a:bodyPr rtlCol="0" anchor="ctr"/>
-          <a:lstStyle/>
-          <a:p>
-            <a:pPr algn="ctr"/>
-            <a:endParaRPr lang="en-CA"/>
-          </a:p>
-        </p:txBody>
-      </p:sp>
-      <p:sp>
-        <p:nvSpPr>
-          <p:cNvPr id="2" name="Title 1">
-            <a:extLst>
-              <a:ext uri="{FF2B5EF4-FFF2-40B4-BE49-F238E27FC236}">
-                <a16:creationId xmlns:a16="http://schemas.microsoft.com/office/drawing/2014/main" id="{1F14E353-A0C7-448C-A3F4-595FED5C3DA5}"/>
-              </a:ext>
-            </a:extLst>
-          </p:cNvPr>
-          <p:cNvSpPr>
-            <a:spLocks noGrp="1"/>
-          </p:cNvSpPr>
-          <p:nvPr>
-            <p:ph type="title"/>
-          </p:nvPr>
-        </p:nvSpPr>
-        <p:spPr/>
-        <p:txBody>
-          <a:bodyPr>
-            <a:normAutofit/>
-          </a:bodyPr>
-          <a:lstStyle/>
-          <a:p>
-            <a:r>
-              <a:rPr lang="en-CA" dirty="0"/>
-              <a:t>Results &amp; Analysis – Walkability</a:t>
-            </a:r>
-          </a:p>
-        </p:txBody>
-      </p:sp>
-      <p:pic>
-        <p:nvPicPr>
-          <p:cNvPr id="5" name="Picture 4">
-            <a:extLst>
-              <a:ext uri="{FF2B5EF4-FFF2-40B4-BE49-F238E27FC236}">
-                <a16:creationId xmlns:a16="http://schemas.microsoft.com/office/drawing/2014/main" id="{AD42947F-3B20-43AD-AA96-053B01BFB8CF}"/>
-              </a:ext>
-            </a:extLst>
-          </p:cNvPr>
-          <p:cNvPicPr>
-            <a:picLocks noChangeAspect="1"/>
-          </p:cNvPicPr>
-          <p:nvPr/>
-        </p:nvPicPr>
-        <p:blipFill>
-          <a:blip r:embed="rId2">
-            <a:extLst>
-              <a:ext uri="{28A0092B-C50C-407E-A947-70E740481C1C}">
-                <a14:useLocalDpi xmlns:a14="http://schemas.microsoft.com/office/drawing/2010/main" val="0"/>
-              </a:ext>
-            </a:extLst>
-          </a:blip>
-          <a:srcRect/>
-          <a:stretch/>
-        </p:blipFill>
-        <p:spPr>
-          <a:xfrm>
-            <a:off x="643563" y="1814120"/>
-            <a:ext cx="7531712" cy="4401286"/>
-          </a:xfrm>
-          <a:prstGeom prst="rect">
-            <a:avLst/>
-          </a:prstGeom>
-        </p:spPr>
-      </p:pic>
-      <p:sp>
-        <p:nvSpPr>
-          <p:cNvPr id="3" name="TextBox 2">
-            <a:extLst>
-              <a:ext uri="{FF2B5EF4-FFF2-40B4-BE49-F238E27FC236}">
-                <a16:creationId xmlns:a16="http://schemas.microsoft.com/office/drawing/2014/main" id="{B233C690-4469-45F7-9832-6D5898FBB7F0}"/>
-              </a:ext>
-            </a:extLst>
-          </p:cNvPr>
-          <p:cNvSpPr txBox="1"/>
-          <p:nvPr/>
-        </p:nvSpPr>
-        <p:spPr>
-          <a:xfrm>
-            <a:off x="8573632" y="2131889"/>
-            <a:ext cx="2974806" cy="2031325"/>
-          </a:xfrm>
-          <a:prstGeom prst="rect">
-            <a:avLst/>
-          </a:prstGeom>
-          <a:noFill/>
-        </p:spPr>
-        <p:txBody>
-          <a:bodyPr wrap="square" rtlCol="0">
-            <a:spAutoFit/>
-          </a:bodyPr>
-          <a:lstStyle/>
-          <a:p>
-            <a:r>
-              <a:rPr lang="en-CA" dirty="0"/>
-              <a:t>Walkability and Review Score</a:t>
-            </a:r>
-          </a:p>
-          <a:p>
-            <a:r>
-              <a:rPr lang="en-CA" dirty="0"/>
-              <a:t>Pearson’s Correlation: 0.122</a:t>
-            </a:r>
-          </a:p>
-          <a:p>
-            <a:endParaRPr lang="en-CA" dirty="0"/>
-          </a:p>
-          <a:p>
-            <a:endParaRPr lang="en-CA" dirty="0"/>
-          </a:p>
-          <a:p>
-            <a:r>
-              <a:rPr lang="en-CA" dirty="0"/>
-              <a:t>Frequency of High Walkability and Review Score</a:t>
-            </a:r>
-          </a:p>
-          <a:p>
-            <a:r>
-              <a:rPr lang="en-CA" dirty="0"/>
-              <a:t>Pearson’s Correlation: 0.558</a:t>
-            </a:r>
-          </a:p>
-        </p:txBody>
-      </p:sp>
-    </p:spTree>
-    <p:extLst>
-      <p:ext uri="{BB962C8B-B14F-4D97-AF65-F5344CB8AC3E}">
-        <p14:creationId xmlns:p14="http://schemas.microsoft.com/office/powerpoint/2010/main" val="459984074"/>
-      </p:ext>
-    </p:extLst>
-  </p:cSld>
-  <p:clrMapOvr>
-    <a:masterClrMapping/>
-  </p:clrMapOvr>
-</p:sld>
-</file>
-
-<file path=ppt/slides/slide34.xml><?xml version="1.0" encoding="utf-8"?>
-<p:sld xmlns:a="http://schemas.openxmlformats.org/drawingml/2006/main" xmlns:r="http://schemas.openxmlformats.org/officeDocument/2006/relationships" xmlns:p="http://schemas.openxmlformats.org/presentationml/2006/main">
-  <p:cSld>
-    <p:spTree>
-      <p:nvGrpSpPr>
-        <p:cNvPr id="1" name=""/>
-        <p:cNvGrpSpPr/>
-        <p:nvPr/>
-      </p:nvGrpSpPr>
-      <p:grpSpPr>
-        <a:xfrm>
-          <a:off x="0" y="0"/>
-          <a:ext cx="0" cy="0"/>
-          <a:chOff x="0" y="0"/>
-          <a:chExt cx="0" cy="0"/>
-        </a:xfrm>
-      </p:grpSpPr>
-      <p:sp>
-        <p:nvSpPr>
-          <p:cNvPr id="2" name="Title 1">
-            <a:extLst>
-              <a:ext uri="{FF2B5EF4-FFF2-40B4-BE49-F238E27FC236}">
-                <a16:creationId xmlns:a16="http://schemas.microsoft.com/office/drawing/2014/main" id="{169A7E02-9318-4A56-9546-323233C699A6}"/>
-              </a:ext>
-            </a:extLst>
-          </p:cNvPr>
-          <p:cNvSpPr>
-            <a:spLocks noGrp="1"/>
-          </p:cNvSpPr>
-          <p:nvPr>
-            <p:ph type="title"/>
-          </p:nvPr>
-        </p:nvSpPr>
-        <p:spPr/>
-        <p:txBody>
-          <a:bodyPr>
-            <a:normAutofit fontScale="90000"/>
-          </a:bodyPr>
-          <a:lstStyle/>
-          <a:p>
-            <a:r>
-              <a:rPr lang="en-CA" dirty="0"/>
-              <a:t>Results &amp; Analysis – </a:t>
-            </a:r>
-            <a:r>
-              <a:rPr lang="en-CA" dirty="0" err="1"/>
-              <a:t>Tf-idf</a:t>
-            </a:r>
-            <a:r>
-              <a:rPr lang="en-CA" dirty="0"/>
-              <a:t> Feature Sampling</a:t>
-            </a:r>
-          </a:p>
-        </p:txBody>
-      </p:sp>
-      <p:pic>
-        <p:nvPicPr>
-          <p:cNvPr id="4" name="Picture 3">
-            <a:extLst>
-              <a:ext uri="{FF2B5EF4-FFF2-40B4-BE49-F238E27FC236}">
-                <a16:creationId xmlns:a16="http://schemas.microsoft.com/office/drawing/2014/main" id="{2CA3C50F-3CBE-4F8F-BD71-AC08DBC5709A}"/>
-              </a:ext>
-            </a:extLst>
-          </p:cNvPr>
-          <p:cNvPicPr>
-            <a:picLocks noChangeAspect="1"/>
-          </p:cNvPicPr>
-          <p:nvPr/>
-        </p:nvPicPr>
-        <p:blipFill>
-          <a:blip r:embed="rId2"/>
-          <a:stretch>
-            <a:fillRect/>
-          </a:stretch>
-        </p:blipFill>
-        <p:spPr>
-          <a:xfrm>
-            <a:off x="1448261" y="1784450"/>
-            <a:ext cx="8519606" cy="4430956"/>
-          </a:xfrm>
-          <a:prstGeom prst="rect">
-            <a:avLst/>
-          </a:prstGeom>
-        </p:spPr>
-      </p:pic>
-    </p:spTree>
-    <p:extLst>
-      <p:ext uri="{BB962C8B-B14F-4D97-AF65-F5344CB8AC3E}">
-        <p14:creationId xmlns:p14="http://schemas.microsoft.com/office/powerpoint/2010/main" val="3541682753"/>
-      </p:ext>
-    </p:extLst>
-  </p:cSld>
-  <p:clrMapOvr>
-    <a:masterClrMapping/>
-  </p:clrMapOvr>
-</p:sld>
-</file>
-
-<file path=ppt/slides/slide35.xml><?xml version="1.0" encoding="utf-8"?>
-<p:sld xmlns:a="http://schemas.openxmlformats.org/drawingml/2006/main" xmlns:r="http://schemas.openxmlformats.org/officeDocument/2006/relationships" xmlns:p="http://schemas.openxmlformats.org/presentationml/2006/main">
-  <p:cSld>
-    <p:spTree>
-      <p:nvGrpSpPr>
-        <p:cNvPr id="1" name=""/>
-        <p:cNvGrpSpPr/>
-        <p:nvPr/>
-      </p:nvGrpSpPr>
-      <p:grpSpPr>
-        <a:xfrm>
-          <a:off x="0" y="0"/>
-          <a:ext cx="0" cy="0"/>
-          <a:chOff x="0" y="0"/>
-          <a:chExt cx="0" cy="0"/>
-        </a:xfrm>
-      </p:grpSpPr>
-      <p:sp>
-        <p:nvSpPr>
-          <p:cNvPr id="6" name="Rectangle 5">
-            <a:extLst>
-              <a:ext uri="{FF2B5EF4-FFF2-40B4-BE49-F238E27FC236}">
-                <a16:creationId xmlns:a16="http://schemas.microsoft.com/office/drawing/2014/main" id="{7048056E-20F0-4494-B3C1-20C3E45259C6}"/>
-              </a:ext>
-            </a:extLst>
-          </p:cNvPr>
-          <p:cNvSpPr/>
-          <p:nvPr/>
-        </p:nvSpPr>
-        <p:spPr>
-          <a:xfrm>
-            <a:off x="1865779" y="1905552"/>
-            <a:ext cx="7531717" cy="4401289"/>
-          </a:xfrm>
-          <a:prstGeom prst="rect">
-            <a:avLst/>
-          </a:prstGeom>
-          <a:effectLst>
-            <a:outerShdw blurRad="63500" sx="102000" sy="102000" algn="ctr" rotWithShape="0">
-              <a:prstClr val="black">
-                <a:alpha val="40000"/>
-              </a:prstClr>
-            </a:outerShdw>
-          </a:effectLst>
-        </p:spPr>
-        <p:style>
-          <a:lnRef idx="2">
-            <a:schemeClr val="accent1">
-              <a:shade val="50000"/>
-            </a:schemeClr>
-          </a:lnRef>
-          <a:fillRef idx="1">
-            <a:schemeClr val="accent1"/>
-          </a:fillRef>
-          <a:effectRef idx="0">
-            <a:schemeClr val="accent1"/>
-          </a:effectRef>
-          <a:fontRef idx="minor">
-            <a:schemeClr val="lt1"/>
-          </a:fontRef>
-        </p:style>
-        <p:txBody>
-          <a:bodyPr rtlCol="0" anchor="ctr"/>
-          <a:lstStyle/>
-          <a:p>
-            <a:pPr algn="ctr"/>
-            <a:endParaRPr lang="en-CA"/>
-          </a:p>
-        </p:txBody>
-      </p:sp>
-      <p:sp>
-        <p:nvSpPr>
-          <p:cNvPr id="2" name="Title 1">
-            <a:extLst>
-              <a:ext uri="{FF2B5EF4-FFF2-40B4-BE49-F238E27FC236}">
-                <a16:creationId xmlns:a16="http://schemas.microsoft.com/office/drawing/2014/main" id="{1F14E353-A0C7-448C-A3F4-595FED5C3DA5}"/>
-              </a:ext>
-            </a:extLst>
-          </p:cNvPr>
-          <p:cNvSpPr>
-            <a:spLocks noGrp="1"/>
-          </p:cNvSpPr>
-          <p:nvPr>
-            <p:ph type="title"/>
-          </p:nvPr>
-        </p:nvSpPr>
-        <p:spPr/>
-        <p:txBody>
-          <a:bodyPr>
-            <a:normAutofit fontScale="90000"/>
-          </a:bodyPr>
-          <a:lstStyle/>
-          <a:p>
-            <a:r>
-              <a:rPr lang="en-CA" dirty="0"/>
-              <a:t>Results &amp; Analysis – </a:t>
-            </a:r>
-            <a:r>
-              <a:rPr lang="en-CA" dirty="0" err="1"/>
-              <a:t>Tf-idf</a:t>
-            </a:r>
-            <a:r>
-              <a:rPr lang="en-CA" dirty="0"/>
-              <a:t> Feature Sampling</a:t>
-            </a:r>
-          </a:p>
-        </p:txBody>
-      </p:sp>
-      <p:pic>
-        <p:nvPicPr>
-          <p:cNvPr id="5" name="Picture 4">
-            <a:extLst>
-              <a:ext uri="{FF2B5EF4-FFF2-40B4-BE49-F238E27FC236}">
-                <a16:creationId xmlns:a16="http://schemas.microsoft.com/office/drawing/2014/main" id="{AD42947F-3B20-43AD-AA96-053B01BFB8CF}"/>
-              </a:ext>
-            </a:extLst>
-          </p:cNvPr>
-          <p:cNvPicPr>
-            <a:picLocks noChangeAspect="1"/>
-          </p:cNvPicPr>
-          <p:nvPr/>
-        </p:nvPicPr>
-        <p:blipFill>
-          <a:blip r:embed="rId2">
-            <a:extLst>
-              <a:ext uri="{28A0092B-C50C-407E-A947-70E740481C1C}">
-                <a14:useLocalDpi xmlns:a14="http://schemas.microsoft.com/office/drawing/2010/main" val="0"/>
-              </a:ext>
-            </a:extLst>
-          </a:blip>
-          <a:srcRect/>
-          <a:stretch/>
-        </p:blipFill>
-        <p:spPr>
-          <a:xfrm>
-            <a:off x="1865780" y="1905552"/>
-            <a:ext cx="7531715" cy="4401288"/>
-          </a:xfrm>
-          <a:prstGeom prst="rect">
-            <a:avLst/>
-          </a:prstGeom>
-        </p:spPr>
-      </p:pic>
-    </p:spTree>
-    <p:extLst>
-      <p:ext uri="{BB962C8B-B14F-4D97-AF65-F5344CB8AC3E}">
-        <p14:creationId xmlns:p14="http://schemas.microsoft.com/office/powerpoint/2010/main" val="138051120"/>
-      </p:ext>
-    </p:extLst>
-  </p:cSld>
-  <p:clrMapOvr>
-    <a:masterClrMapping/>
-  </p:clrMapOvr>
-</p:sld>
-</file>
-
 <file path=ppt/slides/slide36.xml><?xml version="1.0" encoding="utf-8"?>
-<p:sld xmlns:a="http://schemas.openxmlformats.org/drawingml/2006/main" xmlns:r="http://schemas.openxmlformats.org/officeDocument/2006/relationships" xmlns:p="http://schemas.openxmlformats.org/presentationml/2006/main">
-  <p:cSld>
-    <p:spTree>
-      <p:nvGrpSpPr>
-        <p:cNvPr id="1" name=""/>
-        <p:cNvGrpSpPr/>
-        <p:nvPr/>
-      </p:nvGrpSpPr>
-      <p:grpSpPr>
-        <a:xfrm>
-          <a:off x="0" y="0"/>
-          <a:ext cx="0" cy="0"/>
-          <a:chOff x="0" y="0"/>
-          <a:chExt cx="0" cy="0"/>
-        </a:xfrm>
-      </p:grpSpPr>
-      <p:sp>
-        <p:nvSpPr>
-          <p:cNvPr id="6" name="Rectangle 5">
-            <a:extLst>
-              <a:ext uri="{FF2B5EF4-FFF2-40B4-BE49-F238E27FC236}">
-                <a16:creationId xmlns:a16="http://schemas.microsoft.com/office/drawing/2014/main" id="{7048056E-20F0-4494-B3C1-20C3E45259C6}"/>
-              </a:ext>
-            </a:extLst>
-          </p:cNvPr>
-          <p:cNvSpPr/>
-          <p:nvPr/>
-        </p:nvSpPr>
-        <p:spPr>
-          <a:xfrm>
-            <a:off x="1865779" y="1905552"/>
-            <a:ext cx="7531717" cy="4401289"/>
-          </a:xfrm>
-          <a:prstGeom prst="rect">
-            <a:avLst/>
-          </a:prstGeom>
-          <a:effectLst>
-            <a:outerShdw blurRad="63500" sx="102000" sy="102000" algn="ctr" rotWithShape="0">
-              <a:prstClr val="black">
-                <a:alpha val="40000"/>
-              </a:prstClr>
-            </a:outerShdw>
-          </a:effectLst>
-        </p:spPr>
-        <p:style>
-          <a:lnRef idx="2">
-            <a:schemeClr val="accent1">
-              <a:shade val="50000"/>
-            </a:schemeClr>
-          </a:lnRef>
-          <a:fillRef idx="1">
-            <a:schemeClr val="accent1"/>
-          </a:fillRef>
-          <a:effectRef idx="0">
-            <a:schemeClr val="accent1"/>
-          </a:effectRef>
-          <a:fontRef idx="minor">
-            <a:schemeClr val="lt1"/>
-          </a:fontRef>
-        </p:style>
-        <p:txBody>
-          <a:bodyPr rtlCol="0" anchor="ctr"/>
-          <a:lstStyle/>
-          <a:p>
-            <a:pPr algn="ctr"/>
-            <a:endParaRPr lang="en-CA"/>
-          </a:p>
-        </p:txBody>
-      </p:sp>
-      <p:sp>
-        <p:nvSpPr>
-          <p:cNvPr id="2" name="Title 1">
-            <a:extLst>
-              <a:ext uri="{FF2B5EF4-FFF2-40B4-BE49-F238E27FC236}">
-                <a16:creationId xmlns:a16="http://schemas.microsoft.com/office/drawing/2014/main" id="{1F14E353-A0C7-448C-A3F4-595FED5C3DA5}"/>
-              </a:ext>
-            </a:extLst>
-          </p:cNvPr>
-          <p:cNvSpPr>
-            <a:spLocks noGrp="1"/>
-          </p:cNvSpPr>
-          <p:nvPr>
-            <p:ph type="title"/>
-          </p:nvPr>
-        </p:nvSpPr>
-        <p:spPr/>
-        <p:txBody>
-          <a:bodyPr>
-            <a:normAutofit fontScale="90000"/>
-          </a:bodyPr>
-          <a:lstStyle/>
-          <a:p>
-            <a:r>
-              <a:rPr lang="en-CA" dirty="0"/>
-              <a:t>Results &amp; Analysis – </a:t>
-            </a:r>
-            <a:r>
-              <a:rPr lang="en-CA" dirty="0" err="1"/>
-              <a:t>Tf-idf</a:t>
-            </a:r>
-            <a:r>
-              <a:rPr lang="en-CA" dirty="0"/>
-              <a:t> Feature Sampling</a:t>
-            </a:r>
-          </a:p>
-        </p:txBody>
-      </p:sp>
-      <p:pic>
-        <p:nvPicPr>
-          <p:cNvPr id="5" name="Picture 4">
-            <a:extLst>
-              <a:ext uri="{FF2B5EF4-FFF2-40B4-BE49-F238E27FC236}">
-                <a16:creationId xmlns:a16="http://schemas.microsoft.com/office/drawing/2014/main" id="{AD42947F-3B20-43AD-AA96-053B01BFB8CF}"/>
-              </a:ext>
-            </a:extLst>
-          </p:cNvPr>
-          <p:cNvPicPr>
-            <a:picLocks noChangeAspect="1"/>
-          </p:cNvPicPr>
-          <p:nvPr/>
-        </p:nvPicPr>
-        <p:blipFill>
-          <a:blip r:embed="rId2">
-            <a:extLst>
-              <a:ext uri="{28A0092B-C50C-407E-A947-70E740481C1C}">
-                <a14:useLocalDpi xmlns:a14="http://schemas.microsoft.com/office/drawing/2010/main" val="0"/>
-              </a:ext>
-            </a:extLst>
-          </a:blip>
-          <a:srcRect/>
-          <a:stretch/>
-        </p:blipFill>
-        <p:spPr>
-          <a:xfrm>
-            <a:off x="1865780" y="1905552"/>
-            <a:ext cx="7531715" cy="4401287"/>
-          </a:xfrm>
-          <a:prstGeom prst="rect">
-            <a:avLst/>
-          </a:prstGeom>
-        </p:spPr>
-      </p:pic>
-    </p:spTree>
-    <p:extLst>
-      <p:ext uri="{BB962C8B-B14F-4D97-AF65-F5344CB8AC3E}">
-        <p14:creationId xmlns:p14="http://schemas.microsoft.com/office/powerpoint/2010/main" val="3528169028"/>
-      </p:ext>
-    </p:extLst>
-  </p:cSld>
-  <p:clrMapOvr>
-    <a:masterClrMapping/>
-  </p:clrMapOvr>
-</p:sld>
-</file>
-
-<file path=ppt/slides/slide37.xml><?xml version="1.0" encoding="utf-8"?>
 <p:sld xmlns:a="http://schemas.openxmlformats.org/drawingml/2006/main" xmlns:r="http://schemas.openxmlformats.org/officeDocument/2006/relationships" xmlns:p="http://schemas.openxmlformats.org/presentationml/2006/main">
   <p:cSld>
     <p:spTree>
@@ -18812,7 +19606,7 @@
 </p:sld>
 </file>
 
-<file path=ppt/slides/slide38.xml><?xml version="1.0" encoding="utf-8"?>
+<file path=ppt/slides/slide37.xml><?xml version="1.0" encoding="utf-8"?>
 <p:sld xmlns:a="http://schemas.openxmlformats.org/drawingml/2006/main" xmlns:r="http://schemas.openxmlformats.org/officeDocument/2006/relationships" xmlns:p="http://schemas.openxmlformats.org/presentationml/2006/main">
   <p:cSld>
     <p:spTree>
@@ -18882,8 +19676,8 @@
         </p:nvSpPr>
         <p:spPr>
           <a:xfrm>
-            <a:off x="1066799" y="2480650"/>
-            <a:ext cx="4700258" cy="3023856"/>
+            <a:off x="1066799" y="2340111"/>
+            <a:ext cx="4700258" cy="3725711"/>
           </a:xfrm>
         </p:spPr>
         <p:txBody>
@@ -18894,24 +19688,22 @@
           <a:p>
             <a:r>
               <a:rPr lang="en-CA" sz="2000" dirty="0"/>
-              <a:t>In total, 3,774,238 reviews were scraped</a:t>
-            </a:r>
-          </a:p>
-          <a:p>
-            <a:r>
-              <a:rPr lang="en-CA" sz="2000" dirty="0"/>
-              <a:t>Data were stratified by state and pandemic timing, and approx. 3000 Reviews per state were sampled</a:t>
-            </a:r>
-          </a:p>
-          <a:p>
-            <a:r>
-              <a:rPr lang="en-CA" dirty="0"/>
               <a:t>Star rating proportions were not consistent pre-and post-pandemic. There is a skew towards extreme ratings, either 1 or 5 stars, with less of the intermediate star ratings.</a:t>
             </a:r>
           </a:p>
           <a:p>
             <a:pPr lvl="1"/>
-            <a:endParaRPr lang="en-CA" dirty="0"/>
+            <a:r>
+              <a:rPr lang="en-CA" sz="1800" dirty="0"/>
+              <a:t>This could be a contributing factor to the post-pandemic trend of star rating increase post pandemic.</a:t>
+            </a:r>
+          </a:p>
+          <a:p>
+            <a:pPr lvl="2"/>
+            <a:r>
+              <a:rPr lang="en-CA" sz="1600" dirty="0"/>
+              <a:t>There are not more extremely positive reviews, but there are less mostly positive reviews.</a:t>
+            </a:r>
           </a:p>
         </p:txBody>
       </p:sp>
@@ -18963,7 +19755,7 @@
 </p:sld>
 </file>
 
-<file path=ppt/slides/slide39.xml><?xml version="1.0" encoding="utf-8"?>
+<file path=ppt/slides/slide38.xml><?xml version="1.0" encoding="utf-8"?>
 <p:sld xmlns:a="http://schemas.openxmlformats.org/drawingml/2006/main" xmlns:r="http://schemas.openxmlformats.org/officeDocument/2006/relationships" xmlns:p="http://schemas.openxmlformats.org/presentationml/2006/main">
   <p:cSld>
     <p:spTree>
@@ -19116,6 +19908,213 @@
     <p:extLst>
       <p:ext uri="{BB962C8B-B14F-4D97-AF65-F5344CB8AC3E}">
         <p14:creationId xmlns:p14="http://schemas.microsoft.com/office/powerpoint/2010/main" val="502699948"/>
+      </p:ext>
+    </p:extLst>
+  </p:cSld>
+  <p:clrMapOvr>
+    <a:masterClrMapping/>
+  </p:clrMapOvr>
+</p:sld>
+</file>
+
+<file path=ppt/slides/slide39.xml><?xml version="1.0" encoding="utf-8"?>
+<p:sld xmlns:a="http://schemas.openxmlformats.org/drawingml/2006/main" xmlns:r="http://schemas.openxmlformats.org/officeDocument/2006/relationships" xmlns:p="http://schemas.openxmlformats.org/presentationml/2006/main">
+  <p:cSld>
+    <p:spTree>
+      <p:nvGrpSpPr>
+        <p:cNvPr id="1" name=""/>
+        <p:cNvGrpSpPr/>
+        <p:nvPr/>
+      </p:nvGrpSpPr>
+      <p:grpSpPr>
+        <a:xfrm>
+          <a:off x="0" y="0"/>
+          <a:ext cx="0" cy="0"/>
+          <a:chOff x="0" y="0"/>
+          <a:chExt cx="0" cy="0"/>
+        </a:xfrm>
+      </p:grpSpPr>
+      <p:sp>
+        <p:nvSpPr>
+          <p:cNvPr id="6" name="Rectangle 5">
+            <a:extLst>
+              <a:ext uri="{FF2B5EF4-FFF2-40B4-BE49-F238E27FC236}">
+                <a16:creationId xmlns:a16="http://schemas.microsoft.com/office/drawing/2014/main" id="{7048056E-20F0-4494-B3C1-20C3E45259C6}"/>
+              </a:ext>
+            </a:extLst>
+          </p:cNvPr>
+          <p:cNvSpPr/>
+          <p:nvPr/>
+        </p:nvSpPr>
+        <p:spPr>
+          <a:xfrm>
+            <a:off x="643561" y="1814120"/>
+            <a:ext cx="7531717" cy="4401289"/>
+          </a:xfrm>
+          <a:prstGeom prst="rect">
+            <a:avLst/>
+          </a:prstGeom>
+          <a:effectLst>
+            <a:outerShdw blurRad="63500" sx="102000" sy="102000" algn="ctr" rotWithShape="0">
+              <a:prstClr val="black">
+                <a:alpha val="40000"/>
+              </a:prstClr>
+            </a:outerShdw>
+          </a:effectLst>
+        </p:spPr>
+        <p:style>
+          <a:lnRef idx="2">
+            <a:schemeClr val="accent1">
+              <a:shade val="50000"/>
+            </a:schemeClr>
+          </a:lnRef>
+          <a:fillRef idx="1">
+            <a:schemeClr val="accent1"/>
+          </a:fillRef>
+          <a:effectRef idx="0">
+            <a:schemeClr val="accent1"/>
+          </a:effectRef>
+          <a:fontRef idx="minor">
+            <a:schemeClr val="lt1"/>
+          </a:fontRef>
+        </p:style>
+        <p:txBody>
+          <a:bodyPr rtlCol="0" anchor="ctr"/>
+          <a:lstStyle/>
+          <a:p>
+            <a:pPr algn="ctr"/>
+            <a:endParaRPr lang="en-CA"/>
+          </a:p>
+        </p:txBody>
+      </p:sp>
+      <p:sp>
+        <p:nvSpPr>
+          <p:cNvPr id="2" name="Title 1">
+            <a:extLst>
+              <a:ext uri="{FF2B5EF4-FFF2-40B4-BE49-F238E27FC236}">
+                <a16:creationId xmlns:a16="http://schemas.microsoft.com/office/drawing/2014/main" id="{1F14E353-A0C7-448C-A3F4-595FED5C3DA5}"/>
+              </a:ext>
+            </a:extLst>
+          </p:cNvPr>
+          <p:cNvSpPr>
+            <a:spLocks noGrp="1"/>
+          </p:cNvSpPr>
+          <p:nvPr>
+            <p:ph type="title"/>
+          </p:nvPr>
+        </p:nvSpPr>
+        <p:spPr/>
+        <p:txBody>
+          <a:bodyPr>
+            <a:normAutofit/>
+          </a:bodyPr>
+          <a:lstStyle/>
+          <a:p>
+            <a:r>
+              <a:rPr lang="en-CA" dirty="0"/>
+              <a:t>Results &amp; Analysis – Walkability</a:t>
+            </a:r>
+          </a:p>
+        </p:txBody>
+      </p:sp>
+      <p:pic>
+        <p:nvPicPr>
+          <p:cNvPr id="5" name="Picture 4">
+            <a:extLst>
+              <a:ext uri="{FF2B5EF4-FFF2-40B4-BE49-F238E27FC236}">
+                <a16:creationId xmlns:a16="http://schemas.microsoft.com/office/drawing/2014/main" id="{AD42947F-3B20-43AD-AA96-053B01BFB8CF}"/>
+              </a:ext>
+            </a:extLst>
+          </p:cNvPr>
+          <p:cNvPicPr>
+            <a:picLocks noChangeAspect="1"/>
+          </p:cNvPicPr>
+          <p:nvPr/>
+        </p:nvPicPr>
+        <p:blipFill>
+          <a:blip r:embed="rId2">
+            <a:extLst>
+              <a:ext uri="{28A0092B-C50C-407E-A947-70E740481C1C}">
+                <a14:useLocalDpi xmlns:a14="http://schemas.microsoft.com/office/drawing/2010/main" val="0"/>
+              </a:ext>
+            </a:extLst>
+          </a:blip>
+          <a:srcRect/>
+          <a:stretch/>
+        </p:blipFill>
+        <p:spPr>
+          <a:xfrm>
+            <a:off x="643563" y="1814120"/>
+            <a:ext cx="7531712" cy="4401286"/>
+          </a:xfrm>
+          <a:prstGeom prst="rect">
+            <a:avLst/>
+          </a:prstGeom>
+        </p:spPr>
+      </p:pic>
+      <p:sp>
+        <p:nvSpPr>
+          <p:cNvPr id="3" name="TextBox 2">
+            <a:extLst>
+              <a:ext uri="{FF2B5EF4-FFF2-40B4-BE49-F238E27FC236}">
+                <a16:creationId xmlns:a16="http://schemas.microsoft.com/office/drawing/2014/main" id="{B233C690-4469-45F7-9832-6D5898FBB7F0}"/>
+              </a:ext>
+            </a:extLst>
+          </p:cNvPr>
+          <p:cNvSpPr txBox="1"/>
+          <p:nvPr/>
+        </p:nvSpPr>
+        <p:spPr>
+          <a:xfrm>
+            <a:off x="8573632" y="2131889"/>
+            <a:ext cx="2974806" cy="2031325"/>
+          </a:xfrm>
+          <a:prstGeom prst="rect">
+            <a:avLst/>
+          </a:prstGeom>
+          <a:noFill/>
+        </p:spPr>
+        <p:txBody>
+          <a:bodyPr wrap="square" rtlCol="0">
+            <a:spAutoFit/>
+          </a:bodyPr>
+          <a:lstStyle/>
+          <a:p>
+            <a:r>
+              <a:rPr lang="en-CA" dirty="0"/>
+              <a:t>Walkability and Review Score</a:t>
+            </a:r>
+          </a:p>
+          <a:p>
+            <a:r>
+              <a:rPr lang="en-CA" dirty="0"/>
+              <a:t>Pearson’s Correlation: 0.122</a:t>
+            </a:r>
+          </a:p>
+          <a:p>
+            <a:endParaRPr lang="en-CA" dirty="0"/>
+          </a:p>
+          <a:p>
+            <a:endParaRPr lang="en-CA" dirty="0"/>
+          </a:p>
+          <a:p>
+            <a:r>
+              <a:rPr lang="en-CA" dirty="0"/>
+              <a:t>Frequency of High Walkability and Review Score</a:t>
+            </a:r>
+          </a:p>
+          <a:p>
+            <a:r>
+              <a:rPr lang="en-CA" dirty="0"/>
+              <a:t>Pearson’s Correlation: 0.558</a:t>
+            </a:r>
+          </a:p>
+        </p:txBody>
+      </p:sp>
+    </p:spTree>
+    <p:extLst>
+      <p:ext uri="{BB962C8B-B14F-4D97-AF65-F5344CB8AC3E}">
+        <p14:creationId xmlns:p14="http://schemas.microsoft.com/office/powerpoint/2010/main" val="459984074"/>
       </p:ext>
     </p:extLst>
   </p:cSld>
@@ -19190,13 +20189,13 @@
         </p:nvSpPr>
         <p:spPr>
           <a:xfrm>
-            <a:off x="5375563" y="2327564"/>
-            <a:ext cx="6243781" cy="4021961"/>
+            <a:off x="5375563" y="2118512"/>
+            <a:ext cx="6339621" cy="4231014"/>
           </a:xfrm>
         </p:spPr>
         <p:txBody>
           <a:bodyPr>
-            <a:normAutofit fontScale="92500" lnSpcReduction="10000"/>
+            <a:normAutofit lnSpcReduction="10000"/>
           </a:bodyPr>
           <a:lstStyle/>
           <a:p>
@@ -19244,7 +20243,7 @@
             <a:pPr lvl="1"/>
             <a:r>
               <a:rPr lang="en-CA" sz="1800" dirty="0"/>
-              <a:t>Train advanced natural language processing models on the reviews</a:t>
+              <a:t>Train natural language processing (NLP) models on the reviews</a:t>
             </a:r>
           </a:p>
           <a:p>
@@ -19366,6 +20365,104 @@
           <p:cNvPr id="2" name="Title 1">
             <a:extLst>
               <a:ext uri="{FF2B5EF4-FFF2-40B4-BE49-F238E27FC236}">
+                <a16:creationId xmlns:a16="http://schemas.microsoft.com/office/drawing/2014/main" id="{169A7E02-9318-4A56-9546-323233C699A6}"/>
+              </a:ext>
+            </a:extLst>
+          </p:cNvPr>
+          <p:cNvSpPr>
+            <a:spLocks noGrp="1"/>
+          </p:cNvSpPr>
+          <p:nvPr>
+            <p:ph type="title"/>
+          </p:nvPr>
+        </p:nvSpPr>
+        <p:spPr/>
+        <p:txBody>
+          <a:bodyPr>
+            <a:normAutofit fontScale="90000"/>
+          </a:bodyPr>
+          <a:lstStyle/>
+          <a:p>
+            <a:r>
+              <a:rPr lang="en-CA" dirty="0"/>
+              <a:t>Results &amp; Analysis – </a:t>
+            </a:r>
+            <a:r>
+              <a:rPr lang="en-CA" dirty="0" err="1"/>
+              <a:t>Tf-idf</a:t>
+            </a:r>
+            <a:r>
+              <a:rPr lang="en-CA" dirty="0"/>
+              <a:t> Feature Sampling</a:t>
+            </a:r>
+          </a:p>
+        </p:txBody>
+      </p:sp>
+      <p:pic>
+        <p:nvPicPr>
+          <p:cNvPr id="4" name="Picture 3">
+            <a:extLst>
+              <a:ext uri="{FF2B5EF4-FFF2-40B4-BE49-F238E27FC236}">
+                <a16:creationId xmlns:a16="http://schemas.microsoft.com/office/drawing/2014/main" id="{2CA3C50F-3CBE-4F8F-BD71-AC08DBC5709A}"/>
+              </a:ext>
+            </a:extLst>
+          </p:cNvPr>
+          <p:cNvPicPr>
+            <a:picLocks noChangeAspect="1"/>
+          </p:cNvPicPr>
+          <p:nvPr/>
+        </p:nvPicPr>
+        <p:blipFill>
+          <a:blip r:embed="rId2"/>
+          <a:stretch>
+            <a:fillRect/>
+          </a:stretch>
+        </p:blipFill>
+        <p:spPr>
+          <a:xfrm>
+            <a:off x="1448261" y="1784450"/>
+            <a:ext cx="8519606" cy="4430956"/>
+          </a:xfrm>
+          <a:prstGeom prst="rect">
+            <a:avLst/>
+          </a:prstGeom>
+        </p:spPr>
+      </p:pic>
+    </p:spTree>
+    <p:extLst>
+      <p:ext uri="{BB962C8B-B14F-4D97-AF65-F5344CB8AC3E}">
+        <p14:creationId xmlns:p14="http://schemas.microsoft.com/office/powerpoint/2010/main" val="3541682753"/>
+      </p:ext>
+    </p:extLst>
+  </p:cSld>
+  <p:clrMapOvr>
+    <a:masterClrMapping/>
+  </p:clrMapOvr>
+</p:sld>
+</file>
+
+<file path=ppt/slides/slide41.xml><?xml version="1.0" encoding="utf-8"?>
+<p:sld xmlns:a="http://schemas.openxmlformats.org/drawingml/2006/main" xmlns:r="http://schemas.openxmlformats.org/officeDocument/2006/relationships" xmlns:p="http://schemas.openxmlformats.org/presentationml/2006/main">
+  <p:cSld>
+    <p:spTree>
+      <p:nvGrpSpPr>
+        <p:cNvPr id="1" name=""/>
+        <p:cNvGrpSpPr/>
+        <p:nvPr/>
+      </p:nvGrpSpPr>
+      <p:grpSpPr>
+        <a:xfrm>
+          <a:off x="0" y="0"/>
+          <a:ext cx="0" cy="0"/>
+          <a:chOff x="0" y="0"/>
+          <a:chExt cx="0" cy="0"/>
+        </a:xfrm>
+      </p:grpSpPr>
+      <p:sp>
+        <p:nvSpPr>
+          <p:cNvPr id="2" name="Title 1">
+            <a:extLst>
+              <a:ext uri="{FF2B5EF4-FFF2-40B4-BE49-F238E27FC236}">
                 <a16:creationId xmlns:a16="http://schemas.microsoft.com/office/drawing/2014/main" id="{3A4A4C65-BFAC-411D-9684-B25C3596AF38}"/>
               </a:ext>
             </a:extLst>
@@ -19413,7 +20510,7 @@
         </p:spPr>
         <p:txBody>
           <a:bodyPr>
-            <a:normAutofit lnSpcReduction="10000"/>
+            <a:normAutofit/>
           </a:bodyPr>
           <a:lstStyle/>
           <a:p>
@@ -19508,17 +20605,6 @@
             </a:r>
           </a:p>
           <a:p>
-            <a:pPr lvl="1"/>
-            <a:r>
-              <a:rPr lang="en-CA" dirty="0">
-                <a:solidFill>
-                  <a:srgbClr val="0070C0"/>
-                </a:solidFill>
-              </a:rPr>
-              <a:t>Available as a transformer model</a:t>
-            </a:r>
-          </a:p>
-          <a:p>
             <a:r>
               <a:rPr lang="en-CA" b="1" dirty="0" err="1">
                 <a:solidFill>
@@ -19569,17 +20655,6 @@
                 </a:solidFill>
               </a:rPr>
               <a:t>BERT-based model – different base framework than ERNIE</a:t>
-            </a:r>
-          </a:p>
-          <a:p>
-            <a:pPr lvl="1"/>
-            <a:r>
-              <a:rPr lang="en-CA" dirty="0">
-                <a:solidFill>
-                  <a:srgbClr val="0070C0"/>
-                </a:solidFill>
-              </a:rPr>
-              <a:t>Available as a transformer model</a:t>
             </a:r>
           </a:p>
         </p:txBody>
@@ -20103,7 +21178,7 @@
 </p:sld>
 </file>
 
-<file path=ppt/slides/slide41.xml><?xml version="1.0" encoding="utf-8"?>
+<file path=ppt/slides/slide42.xml><?xml version="1.0" encoding="utf-8"?>
 <p:sld xmlns:a="http://schemas.openxmlformats.org/drawingml/2006/main" xmlns:r="http://schemas.openxmlformats.org/officeDocument/2006/relationships" xmlns:p="http://schemas.openxmlformats.org/presentationml/2006/main">
   <p:cSld>
     <p:spTree>
@@ -20249,11 +21324,13 @@
         <p:spPr>
           <a:xfrm>
             <a:off x="923817" y="2041903"/>
-            <a:ext cx="3509843" cy="3682634"/>
+            <a:ext cx="3509843" cy="4005812"/>
           </a:xfrm>
         </p:spPr>
         <p:txBody>
-          <a:bodyPr/>
+          <a:bodyPr>
+            <a:normAutofit lnSpcReduction="10000"/>
+          </a:bodyPr>
           <a:lstStyle/>
           <a:p>
             <a:pPr algn="l"/>
@@ -20277,6 +21354,13 @@
             </a:r>
           </a:p>
           <a:p>
+            <a:pPr lvl="1"/>
+            <a:r>
+              <a:rPr lang="en-CA" dirty="0"/>
+              <a:t>Amplifies signal, but can also amplify noise</a:t>
+            </a:r>
+          </a:p>
+          <a:p>
             <a:r>
               <a:rPr lang="en-CA" b="1" dirty="0"/>
               <a:t>Random Forest</a:t>
@@ -20288,6 +21372,24 @@
               <a:rPr lang="en-CA" dirty="0"/>
               <a:t>Builds all trees simultaneously, independent of the other trees</a:t>
             </a:r>
+          </a:p>
+          <a:p>
+            <a:pPr lvl="1"/>
+            <a:r>
+              <a:rPr lang="en-CA" dirty="0"/>
+              <a:t>Less likely to overfit</a:t>
+            </a:r>
+          </a:p>
+          <a:p>
+            <a:pPr lvl="1"/>
+            <a:r>
+              <a:rPr lang="en-CA" dirty="0"/>
+              <a:t>Also frequently used in ensemble learning</a:t>
+            </a:r>
+          </a:p>
+          <a:p>
+            <a:pPr lvl="1"/>
+            <a:endParaRPr lang="en-CA" dirty="0"/>
           </a:p>
         </p:txBody>
       </p:sp>
@@ -20874,7 +21976,208 @@
 </p:sld>
 </file>
 
-<file path=ppt/slides/slide42.xml><?xml version="1.0" encoding="utf-8"?>
+<file path=ppt/slides/slide43.xml><?xml version="1.0" encoding="utf-8"?>
+<p:sld xmlns:a="http://schemas.openxmlformats.org/drawingml/2006/main" xmlns:r="http://schemas.openxmlformats.org/officeDocument/2006/relationships" xmlns:p="http://schemas.openxmlformats.org/presentationml/2006/main">
+  <p:cSld>
+    <p:spTree>
+      <p:nvGrpSpPr>
+        <p:cNvPr id="1" name=""/>
+        <p:cNvGrpSpPr/>
+        <p:nvPr/>
+      </p:nvGrpSpPr>
+      <p:grpSpPr>
+        <a:xfrm>
+          <a:off x="0" y="0"/>
+          <a:ext cx="0" cy="0"/>
+          <a:chOff x="0" y="0"/>
+          <a:chExt cx="0" cy="0"/>
+        </a:xfrm>
+      </p:grpSpPr>
+      <p:sp>
+        <p:nvSpPr>
+          <p:cNvPr id="2" name="Title 1">
+            <a:extLst>
+              <a:ext uri="{FF2B5EF4-FFF2-40B4-BE49-F238E27FC236}">
+                <a16:creationId xmlns:a16="http://schemas.microsoft.com/office/drawing/2014/main" id="{CCB37D8E-CFEF-4F59-B019-2FC21105262E}"/>
+              </a:ext>
+            </a:extLst>
+          </p:cNvPr>
+          <p:cNvSpPr>
+            <a:spLocks noGrp="1"/>
+          </p:cNvSpPr>
+          <p:nvPr>
+            <p:ph type="title"/>
+          </p:nvPr>
+        </p:nvSpPr>
+        <p:spPr/>
+        <p:txBody>
+          <a:bodyPr/>
+          <a:lstStyle/>
+          <a:p>
+            <a:r>
+              <a:rPr lang="en-CA" dirty="0"/>
+              <a:t>Methodology – </a:t>
+            </a:r>
+            <a:r>
+              <a:rPr lang="en-CA" dirty="0" err="1"/>
+              <a:t>Tf-idf</a:t>
+            </a:r>
+            <a:r>
+              <a:rPr lang="en-CA" dirty="0"/>
+              <a:t> Feature Extraction </a:t>
+            </a:r>
+          </a:p>
+        </p:txBody>
+      </p:sp>
+      <p:sp>
+        <p:nvSpPr>
+          <p:cNvPr id="3" name="Content Placeholder 2">
+            <a:extLst>
+              <a:ext uri="{FF2B5EF4-FFF2-40B4-BE49-F238E27FC236}">
+                <a16:creationId xmlns:a16="http://schemas.microsoft.com/office/drawing/2014/main" id="{5A03179F-2588-480A-9120-EA6035E221F6}"/>
+              </a:ext>
+            </a:extLst>
+          </p:cNvPr>
+          <p:cNvSpPr>
+            <a:spLocks noGrp="1"/>
+          </p:cNvSpPr>
+          <p:nvPr>
+            <p:ph idx="1"/>
+          </p:nvPr>
+        </p:nvSpPr>
+        <p:spPr>
+          <a:xfrm>
+            <a:off x="1066800" y="1937442"/>
+            <a:ext cx="10058400" cy="4488994"/>
+          </a:xfrm>
+        </p:spPr>
+        <p:txBody>
+          <a:bodyPr>
+            <a:normAutofit lnSpcReduction="10000"/>
+          </a:bodyPr>
+          <a:lstStyle/>
+          <a:p>
+            <a:r>
+              <a:rPr lang="en-CA" sz="2400" dirty="0" err="1"/>
+              <a:t>TfidfVectorizer</a:t>
+            </a:r>
+            <a:endParaRPr lang="en-CA" sz="2400" dirty="0"/>
+          </a:p>
+          <a:p>
+            <a:pPr lvl="2"/>
+            <a:r>
+              <a:rPr lang="en-CA" sz="1800" dirty="0" err="1"/>
+              <a:t>Tf-idf</a:t>
+            </a:r>
+            <a:r>
+              <a:rPr lang="en-CA" sz="1800" dirty="0"/>
+              <a:t> : Term-frequency * Inverse Document Frequency</a:t>
+            </a:r>
+          </a:p>
+          <a:p>
+            <a:pPr lvl="3"/>
+            <a:r>
+              <a:rPr lang="en-CA" sz="1800" dirty="0"/>
+              <a:t> Scales down the impact of frequent tokens</a:t>
+            </a:r>
+          </a:p>
+          <a:p>
+            <a:pPr marL="822960" lvl="3" indent="0">
+              <a:buNone/>
+            </a:pPr>
+            <a:endParaRPr lang="en-CA" sz="2400" dirty="0"/>
+          </a:p>
+          <a:p>
+            <a:pPr lvl="1"/>
+            <a:r>
+              <a:rPr lang="en-CA" sz="2000" dirty="0" err="1"/>
+              <a:t>CountVectorizer</a:t>
+            </a:r>
+            <a:endParaRPr lang="en-CA" sz="2000" dirty="0"/>
+          </a:p>
+          <a:p>
+            <a:pPr lvl="2"/>
+            <a:r>
+              <a:rPr lang="en-CA" sz="1800" dirty="0"/>
+              <a:t>Converts the cleaned tokens into a sparse matrix of token counts</a:t>
+            </a:r>
+          </a:p>
+          <a:p>
+            <a:pPr lvl="2"/>
+            <a:r>
+              <a:rPr lang="en-CA" sz="1800" dirty="0"/>
+              <a:t>Extract unigrams and bigrams</a:t>
+            </a:r>
+          </a:p>
+          <a:p>
+            <a:pPr lvl="3"/>
+            <a:r>
+              <a:rPr lang="en-CA" sz="1800" dirty="0"/>
+              <a:t>Individual words, and the individual word +1, captures relationships.</a:t>
+            </a:r>
+          </a:p>
+          <a:p>
+            <a:pPr lvl="2"/>
+            <a:r>
+              <a:rPr lang="en-CA" sz="1800" dirty="0"/>
+              <a:t>Maximum 10000 features</a:t>
+            </a:r>
+          </a:p>
+          <a:p>
+            <a:pPr lvl="3"/>
+            <a:r>
+              <a:rPr lang="en-CA" sz="1800" dirty="0"/>
+              <a:t>Ensures that uncommon words (typos, proper names) are not represented</a:t>
+            </a:r>
+          </a:p>
+          <a:p>
+            <a:pPr lvl="3"/>
+            <a:endParaRPr lang="en-CA" sz="1800" dirty="0"/>
+          </a:p>
+          <a:p>
+            <a:pPr lvl="1"/>
+            <a:r>
+              <a:rPr lang="en-CA" sz="2000" dirty="0" err="1"/>
+              <a:t>TfidfTransformer</a:t>
+            </a:r>
+            <a:endParaRPr lang="en-CA" sz="2000" dirty="0"/>
+          </a:p>
+          <a:p>
+            <a:pPr lvl="2"/>
+            <a:r>
+              <a:rPr lang="en-CA" sz="1800" dirty="0"/>
+              <a:t>Converts the sparse matrix from </a:t>
+            </a:r>
+            <a:r>
+              <a:rPr lang="en-CA" sz="1800" dirty="0" err="1"/>
+              <a:t>CountVectoriser</a:t>
+            </a:r>
+            <a:r>
+              <a:rPr lang="en-CA" sz="1800" dirty="0"/>
+              <a:t> into </a:t>
+            </a:r>
+            <a:r>
+              <a:rPr lang="en-CA" sz="1800" dirty="0" err="1"/>
+              <a:t>tf-idf</a:t>
+            </a:r>
+            <a:endParaRPr lang="en-CA" sz="1800" dirty="0"/>
+          </a:p>
+        </p:txBody>
+      </p:sp>
+    </p:spTree>
+    <p:extLst>
+      <p:ext uri="{BB962C8B-B14F-4D97-AF65-F5344CB8AC3E}">
+        <p14:creationId xmlns:p14="http://schemas.microsoft.com/office/powerpoint/2010/main" val="2447426066"/>
+      </p:ext>
+    </p:extLst>
+  </p:cSld>
+  <p:clrMapOvr>
+    <a:masterClrMapping/>
+  </p:clrMapOvr>
+</p:sld>
+</file>
+
+<file path=ppt/slides/slide44.xml><?xml version="1.0" encoding="utf-8"?>
 <p:sld xmlns:a="http://schemas.openxmlformats.org/drawingml/2006/main" xmlns:r="http://schemas.openxmlformats.org/officeDocument/2006/relationships" xmlns:p="http://schemas.openxmlformats.org/presentationml/2006/main">
   <p:cSld>
     <p:spTree>
@@ -21899,7 +23202,319 @@
 </p:sld>
 </file>
 
-<file path=ppt/slides/slide43.xml><?xml version="1.0" encoding="utf-8"?>
+<file path=ppt/slides/slide45.xml><?xml version="1.0" encoding="utf-8"?>
+<p:sld xmlns:a="http://schemas.openxmlformats.org/drawingml/2006/main" xmlns:r="http://schemas.openxmlformats.org/officeDocument/2006/relationships" xmlns:p="http://schemas.openxmlformats.org/presentationml/2006/main">
+  <p:cSld>
+    <p:spTree>
+      <p:nvGrpSpPr>
+        <p:cNvPr id="1" name=""/>
+        <p:cNvGrpSpPr/>
+        <p:nvPr/>
+      </p:nvGrpSpPr>
+      <p:grpSpPr>
+        <a:xfrm>
+          <a:off x="0" y="0"/>
+          <a:ext cx="0" cy="0"/>
+          <a:chOff x="0" y="0"/>
+          <a:chExt cx="0" cy="0"/>
+        </a:xfrm>
+      </p:grpSpPr>
+      <p:sp>
+        <p:nvSpPr>
+          <p:cNvPr id="6" name="Rectangle 5">
+            <a:extLst>
+              <a:ext uri="{FF2B5EF4-FFF2-40B4-BE49-F238E27FC236}">
+                <a16:creationId xmlns:a16="http://schemas.microsoft.com/office/drawing/2014/main" id="{7048056E-20F0-4494-B3C1-20C3E45259C6}"/>
+              </a:ext>
+            </a:extLst>
+          </p:cNvPr>
+          <p:cNvSpPr/>
+          <p:nvPr/>
+        </p:nvSpPr>
+        <p:spPr>
+          <a:xfrm>
+            <a:off x="1865779" y="1905552"/>
+            <a:ext cx="7531717" cy="4401289"/>
+          </a:xfrm>
+          <a:prstGeom prst="rect">
+            <a:avLst/>
+          </a:prstGeom>
+          <a:effectLst>
+            <a:outerShdw blurRad="63500" sx="102000" sy="102000" algn="ctr" rotWithShape="0">
+              <a:prstClr val="black">
+                <a:alpha val="40000"/>
+              </a:prstClr>
+            </a:outerShdw>
+          </a:effectLst>
+        </p:spPr>
+        <p:style>
+          <a:lnRef idx="2">
+            <a:schemeClr val="accent1">
+              <a:shade val="50000"/>
+            </a:schemeClr>
+          </a:lnRef>
+          <a:fillRef idx="1">
+            <a:schemeClr val="accent1"/>
+          </a:fillRef>
+          <a:effectRef idx="0">
+            <a:schemeClr val="accent1"/>
+          </a:effectRef>
+          <a:fontRef idx="minor">
+            <a:schemeClr val="lt1"/>
+          </a:fontRef>
+        </p:style>
+        <p:txBody>
+          <a:bodyPr rtlCol="0" anchor="ctr"/>
+          <a:lstStyle/>
+          <a:p>
+            <a:pPr algn="ctr"/>
+            <a:endParaRPr lang="en-CA"/>
+          </a:p>
+        </p:txBody>
+      </p:sp>
+      <p:sp>
+        <p:nvSpPr>
+          <p:cNvPr id="2" name="Title 1">
+            <a:extLst>
+              <a:ext uri="{FF2B5EF4-FFF2-40B4-BE49-F238E27FC236}">
+                <a16:creationId xmlns:a16="http://schemas.microsoft.com/office/drawing/2014/main" id="{1F14E353-A0C7-448C-A3F4-595FED5C3DA5}"/>
+              </a:ext>
+            </a:extLst>
+          </p:cNvPr>
+          <p:cNvSpPr>
+            <a:spLocks noGrp="1"/>
+          </p:cNvSpPr>
+          <p:nvPr>
+            <p:ph type="title"/>
+          </p:nvPr>
+        </p:nvSpPr>
+        <p:spPr/>
+        <p:txBody>
+          <a:bodyPr>
+            <a:normAutofit fontScale="90000"/>
+          </a:bodyPr>
+          <a:lstStyle/>
+          <a:p>
+            <a:r>
+              <a:rPr lang="en-CA" dirty="0"/>
+              <a:t>Results &amp; Analysis – </a:t>
+            </a:r>
+            <a:r>
+              <a:rPr lang="en-CA" dirty="0" err="1"/>
+              <a:t>Tf-idf</a:t>
+            </a:r>
+            <a:r>
+              <a:rPr lang="en-CA" dirty="0"/>
+              <a:t> Feature Sampling</a:t>
+            </a:r>
+          </a:p>
+        </p:txBody>
+      </p:sp>
+      <p:pic>
+        <p:nvPicPr>
+          <p:cNvPr id="5" name="Picture 4">
+            <a:extLst>
+              <a:ext uri="{FF2B5EF4-FFF2-40B4-BE49-F238E27FC236}">
+                <a16:creationId xmlns:a16="http://schemas.microsoft.com/office/drawing/2014/main" id="{AD42947F-3B20-43AD-AA96-053B01BFB8CF}"/>
+              </a:ext>
+            </a:extLst>
+          </p:cNvPr>
+          <p:cNvPicPr>
+            <a:picLocks noChangeAspect="1"/>
+          </p:cNvPicPr>
+          <p:nvPr/>
+        </p:nvPicPr>
+        <p:blipFill>
+          <a:blip r:embed="rId2">
+            <a:extLst>
+              <a:ext uri="{28A0092B-C50C-407E-A947-70E740481C1C}">
+                <a14:useLocalDpi xmlns:a14="http://schemas.microsoft.com/office/drawing/2010/main" val="0"/>
+              </a:ext>
+            </a:extLst>
+          </a:blip>
+          <a:srcRect/>
+          <a:stretch/>
+        </p:blipFill>
+        <p:spPr>
+          <a:xfrm>
+            <a:off x="1865780" y="1905552"/>
+            <a:ext cx="7531715" cy="4401288"/>
+          </a:xfrm>
+          <a:prstGeom prst="rect">
+            <a:avLst/>
+          </a:prstGeom>
+        </p:spPr>
+      </p:pic>
+    </p:spTree>
+    <p:extLst>
+      <p:ext uri="{BB962C8B-B14F-4D97-AF65-F5344CB8AC3E}">
+        <p14:creationId xmlns:p14="http://schemas.microsoft.com/office/powerpoint/2010/main" val="138051120"/>
+      </p:ext>
+    </p:extLst>
+  </p:cSld>
+  <p:clrMapOvr>
+    <a:masterClrMapping/>
+  </p:clrMapOvr>
+</p:sld>
+</file>
+
+<file path=ppt/slides/slide46.xml><?xml version="1.0" encoding="utf-8"?>
+<p:sld xmlns:a="http://schemas.openxmlformats.org/drawingml/2006/main" xmlns:r="http://schemas.openxmlformats.org/officeDocument/2006/relationships" xmlns:p="http://schemas.openxmlformats.org/presentationml/2006/main">
+  <p:cSld>
+    <p:spTree>
+      <p:nvGrpSpPr>
+        <p:cNvPr id="1" name=""/>
+        <p:cNvGrpSpPr/>
+        <p:nvPr/>
+      </p:nvGrpSpPr>
+      <p:grpSpPr>
+        <a:xfrm>
+          <a:off x="0" y="0"/>
+          <a:ext cx="0" cy="0"/>
+          <a:chOff x="0" y="0"/>
+          <a:chExt cx="0" cy="0"/>
+        </a:xfrm>
+      </p:grpSpPr>
+      <p:sp>
+        <p:nvSpPr>
+          <p:cNvPr id="6" name="Rectangle 5">
+            <a:extLst>
+              <a:ext uri="{FF2B5EF4-FFF2-40B4-BE49-F238E27FC236}">
+                <a16:creationId xmlns:a16="http://schemas.microsoft.com/office/drawing/2014/main" id="{7048056E-20F0-4494-B3C1-20C3E45259C6}"/>
+              </a:ext>
+            </a:extLst>
+          </p:cNvPr>
+          <p:cNvSpPr/>
+          <p:nvPr/>
+        </p:nvSpPr>
+        <p:spPr>
+          <a:xfrm>
+            <a:off x="1865779" y="1905552"/>
+            <a:ext cx="7531717" cy="4401289"/>
+          </a:xfrm>
+          <a:prstGeom prst="rect">
+            <a:avLst/>
+          </a:prstGeom>
+          <a:effectLst>
+            <a:outerShdw blurRad="63500" sx="102000" sy="102000" algn="ctr" rotWithShape="0">
+              <a:prstClr val="black">
+                <a:alpha val="40000"/>
+              </a:prstClr>
+            </a:outerShdw>
+          </a:effectLst>
+        </p:spPr>
+        <p:style>
+          <a:lnRef idx="2">
+            <a:schemeClr val="accent1">
+              <a:shade val="50000"/>
+            </a:schemeClr>
+          </a:lnRef>
+          <a:fillRef idx="1">
+            <a:schemeClr val="accent1"/>
+          </a:fillRef>
+          <a:effectRef idx="0">
+            <a:schemeClr val="accent1"/>
+          </a:effectRef>
+          <a:fontRef idx="minor">
+            <a:schemeClr val="lt1"/>
+          </a:fontRef>
+        </p:style>
+        <p:txBody>
+          <a:bodyPr rtlCol="0" anchor="ctr"/>
+          <a:lstStyle/>
+          <a:p>
+            <a:pPr algn="ctr"/>
+            <a:endParaRPr lang="en-CA"/>
+          </a:p>
+        </p:txBody>
+      </p:sp>
+      <p:sp>
+        <p:nvSpPr>
+          <p:cNvPr id="2" name="Title 1">
+            <a:extLst>
+              <a:ext uri="{FF2B5EF4-FFF2-40B4-BE49-F238E27FC236}">
+                <a16:creationId xmlns:a16="http://schemas.microsoft.com/office/drawing/2014/main" id="{1F14E353-A0C7-448C-A3F4-595FED5C3DA5}"/>
+              </a:ext>
+            </a:extLst>
+          </p:cNvPr>
+          <p:cNvSpPr>
+            <a:spLocks noGrp="1"/>
+          </p:cNvSpPr>
+          <p:nvPr>
+            <p:ph type="title"/>
+          </p:nvPr>
+        </p:nvSpPr>
+        <p:spPr/>
+        <p:txBody>
+          <a:bodyPr>
+            <a:normAutofit fontScale="90000"/>
+          </a:bodyPr>
+          <a:lstStyle/>
+          <a:p>
+            <a:r>
+              <a:rPr lang="en-CA" dirty="0"/>
+              <a:t>Results &amp; Analysis – </a:t>
+            </a:r>
+            <a:r>
+              <a:rPr lang="en-CA" dirty="0" err="1"/>
+              <a:t>Tf-idf</a:t>
+            </a:r>
+            <a:r>
+              <a:rPr lang="en-CA" dirty="0"/>
+              <a:t> Feature Sampling</a:t>
+            </a:r>
+          </a:p>
+        </p:txBody>
+      </p:sp>
+      <p:pic>
+        <p:nvPicPr>
+          <p:cNvPr id="5" name="Picture 4">
+            <a:extLst>
+              <a:ext uri="{FF2B5EF4-FFF2-40B4-BE49-F238E27FC236}">
+                <a16:creationId xmlns:a16="http://schemas.microsoft.com/office/drawing/2014/main" id="{AD42947F-3B20-43AD-AA96-053B01BFB8CF}"/>
+              </a:ext>
+            </a:extLst>
+          </p:cNvPr>
+          <p:cNvPicPr>
+            <a:picLocks noChangeAspect="1"/>
+          </p:cNvPicPr>
+          <p:nvPr/>
+        </p:nvPicPr>
+        <p:blipFill>
+          <a:blip r:embed="rId2">
+            <a:extLst>
+              <a:ext uri="{28A0092B-C50C-407E-A947-70E740481C1C}">
+                <a14:useLocalDpi xmlns:a14="http://schemas.microsoft.com/office/drawing/2010/main" val="0"/>
+              </a:ext>
+            </a:extLst>
+          </a:blip>
+          <a:srcRect/>
+          <a:stretch/>
+        </p:blipFill>
+        <p:spPr>
+          <a:xfrm>
+            <a:off x="1865780" y="1905552"/>
+            <a:ext cx="7531715" cy="4401287"/>
+          </a:xfrm>
+          <a:prstGeom prst="rect">
+            <a:avLst/>
+          </a:prstGeom>
+        </p:spPr>
+      </p:pic>
+    </p:spTree>
+    <p:extLst>
+      <p:ext uri="{BB962C8B-B14F-4D97-AF65-F5344CB8AC3E}">
+        <p14:creationId xmlns:p14="http://schemas.microsoft.com/office/powerpoint/2010/main" val="3528169028"/>
+      </p:ext>
+    </p:extLst>
+  </p:cSld>
+  <p:clrMapOvr>
+    <a:masterClrMapping/>
+  </p:clrMapOvr>
+</p:sld>
+</file>
+
+<file path=ppt/slides/slide47.xml><?xml version="1.0" encoding="utf-8"?>
 <p:sld xmlns:a="http://schemas.openxmlformats.org/drawingml/2006/main" xmlns:r="http://schemas.openxmlformats.org/officeDocument/2006/relationships" xmlns:p="http://schemas.openxmlformats.org/presentationml/2006/main">
   <p:cSld>
     <p:spTree>
@@ -22736,7 +24351,7 @@
 </p:sld>
 </file>
 
-<file path=ppt/slides/slide44.xml><?xml version="1.0" encoding="utf-8"?>
+<file path=ppt/slides/slide48.xml><?xml version="1.0" encoding="utf-8"?>
 <p:sld xmlns:a="http://schemas.openxmlformats.org/drawingml/2006/main" xmlns:r="http://schemas.openxmlformats.org/officeDocument/2006/relationships" xmlns:p="http://schemas.openxmlformats.org/presentationml/2006/main">
   <p:cSld>
     <p:spTree>
@@ -24115,7 +25730,7 @@
 </p:sld>
 </file>
 
-<file path=ppt/slides/slide45.xml><?xml version="1.0" encoding="utf-8"?>
+<file path=ppt/slides/slide49.xml><?xml version="1.0" encoding="utf-8"?>
 <p:sld xmlns:a="http://schemas.openxmlformats.org/drawingml/2006/main" xmlns:r="http://schemas.openxmlformats.org/officeDocument/2006/relationships" xmlns:p="http://schemas.openxmlformats.org/presentationml/2006/main">
   <p:cSld>
     <p:spTree>
@@ -24882,586 +26497,6 @@
 </p:sld>
 </file>
 
-<file path=ppt/slides/slide46.xml><?xml version="1.0" encoding="utf-8"?>
-<p:sld xmlns:a="http://schemas.openxmlformats.org/drawingml/2006/main" xmlns:r="http://schemas.openxmlformats.org/officeDocument/2006/relationships" xmlns:p="http://schemas.openxmlformats.org/presentationml/2006/main">
-  <p:cSld>
-    <p:spTree>
-      <p:nvGrpSpPr>
-        <p:cNvPr id="1" name=""/>
-        <p:cNvGrpSpPr/>
-        <p:nvPr/>
-      </p:nvGrpSpPr>
-      <p:grpSpPr>
-        <a:xfrm>
-          <a:off x="0" y="0"/>
-          <a:ext cx="0" cy="0"/>
-          <a:chOff x="0" y="0"/>
-          <a:chExt cx="0" cy="0"/>
-        </a:xfrm>
-      </p:grpSpPr>
-      <p:sp>
-        <p:nvSpPr>
-          <p:cNvPr id="2" name="Title 1">
-            <a:extLst>
-              <a:ext uri="{FF2B5EF4-FFF2-40B4-BE49-F238E27FC236}">
-                <a16:creationId xmlns:a16="http://schemas.microsoft.com/office/drawing/2014/main" id="{CCB37D8E-CFEF-4F59-B019-2FC21105262E}"/>
-              </a:ext>
-            </a:extLst>
-          </p:cNvPr>
-          <p:cNvSpPr>
-            <a:spLocks noGrp="1"/>
-          </p:cNvSpPr>
-          <p:nvPr>
-            <p:ph type="title"/>
-          </p:nvPr>
-        </p:nvSpPr>
-        <p:spPr/>
-        <p:txBody>
-          <a:bodyPr/>
-          <a:lstStyle/>
-          <a:p>
-            <a:r>
-              <a:rPr lang="en-CA" dirty="0"/>
-              <a:t>Methodology – </a:t>
-            </a:r>
-            <a:r>
-              <a:rPr lang="en-CA" dirty="0" err="1"/>
-              <a:t>Tf-idf</a:t>
-            </a:r>
-            <a:r>
-              <a:rPr lang="en-CA" dirty="0"/>
-              <a:t> Feature Extraction </a:t>
-            </a:r>
-          </a:p>
-        </p:txBody>
-      </p:sp>
-      <p:sp>
-        <p:nvSpPr>
-          <p:cNvPr id="3" name="Content Placeholder 2">
-            <a:extLst>
-              <a:ext uri="{FF2B5EF4-FFF2-40B4-BE49-F238E27FC236}">
-                <a16:creationId xmlns:a16="http://schemas.microsoft.com/office/drawing/2014/main" id="{5A03179F-2588-480A-9120-EA6035E221F6}"/>
-              </a:ext>
-            </a:extLst>
-          </p:cNvPr>
-          <p:cNvSpPr>
-            <a:spLocks noGrp="1"/>
-          </p:cNvSpPr>
-          <p:nvPr>
-            <p:ph idx="1"/>
-          </p:nvPr>
-        </p:nvSpPr>
-        <p:spPr>
-          <a:xfrm>
-            <a:off x="1066800" y="1937442"/>
-            <a:ext cx="10058400" cy="4488994"/>
-          </a:xfrm>
-        </p:spPr>
-        <p:txBody>
-          <a:bodyPr>
-            <a:normAutofit lnSpcReduction="10000"/>
-          </a:bodyPr>
-          <a:lstStyle/>
-          <a:p>
-            <a:r>
-              <a:rPr lang="en-CA" sz="2400" dirty="0" err="1"/>
-              <a:t>TfidfVectorizer</a:t>
-            </a:r>
-            <a:endParaRPr lang="en-CA" sz="2400" dirty="0"/>
-          </a:p>
-          <a:p>
-            <a:pPr lvl="2"/>
-            <a:r>
-              <a:rPr lang="en-CA" sz="1800" dirty="0" err="1"/>
-              <a:t>Tf-idf</a:t>
-            </a:r>
-            <a:r>
-              <a:rPr lang="en-CA" sz="1800" dirty="0"/>
-              <a:t> : Term-frequency * Inverse Document Frequency</a:t>
-            </a:r>
-          </a:p>
-          <a:p>
-            <a:pPr lvl="3"/>
-            <a:r>
-              <a:rPr lang="en-CA" sz="1800" dirty="0"/>
-              <a:t> Scales down the impact of frequent tokens</a:t>
-            </a:r>
-          </a:p>
-          <a:p>
-            <a:pPr marL="822960" lvl="3" indent="0">
-              <a:buNone/>
-            </a:pPr>
-            <a:endParaRPr lang="en-CA" sz="2400" dirty="0"/>
-          </a:p>
-          <a:p>
-            <a:pPr lvl="1"/>
-            <a:r>
-              <a:rPr lang="en-CA" sz="2000" dirty="0" err="1"/>
-              <a:t>CountVectorizer</a:t>
-            </a:r>
-            <a:endParaRPr lang="en-CA" sz="2000" dirty="0"/>
-          </a:p>
-          <a:p>
-            <a:pPr lvl="2"/>
-            <a:r>
-              <a:rPr lang="en-CA" sz="1800" dirty="0"/>
-              <a:t>Converts the cleaned tokens into a sparse matrix of token counts</a:t>
-            </a:r>
-          </a:p>
-          <a:p>
-            <a:pPr lvl="2"/>
-            <a:r>
-              <a:rPr lang="en-CA" sz="1800" dirty="0"/>
-              <a:t>Extract unigrams and bigrams</a:t>
-            </a:r>
-          </a:p>
-          <a:p>
-            <a:pPr lvl="3"/>
-            <a:r>
-              <a:rPr lang="en-CA" sz="1800" dirty="0"/>
-              <a:t>Individual words, and the individual word +1, captures relationships.</a:t>
-            </a:r>
-          </a:p>
-          <a:p>
-            <a:pPr lvl="2"/>
-            <a:r>
-              <a:rPr lang="en-CA" sz="1800" dirty="0"/>
-              <a:t>Maximum 10000 features</a:t>
-            </a:r>
-          </a:p>
-          <a:p>
-            <a:pPr lvl="3"/>
-            <a:r>
-              <a:rPr lang="en-CA" sz="1800" dirty="0"/>
-              <a:t>Ensures that uncommon words (typos, proper names) are not represented</a:t>
-            </a:r>
-          </a:p>
-          <a:p>
-            <a:pPr lvl="3"/>
-            <a:endParaRPr lang="en-CA" sz="1800" dirty="0"/>
-          </a:p>
-          <a:p>
-            <a:pPr lvl="1"/>
-            <a:r>
-              <a:rPr lang="en-CA" sz="2000" dirty="0" err="1"/>
-              <a:t>TfidfTransformer</a:t>
-            </a:r>
-            <a:endParaRPr lang="en-CA" sz="2000" dirty="0"/>
-          </a:p>
-          <a:p>
-            <a:pPr lvl="2"/>
-            <a:r>
-              <a:rPr lang="en-CA" sz="1800" dirty="0"/>
-              <a:t>Converts the sparse matrix from </a:t>
-            </a:r>
-            <a:r>
-              <a:rPr lang="en-CA" sz="1800" dirty="0" err="1"/>
-              <a:t>CountVectoriser</a:t>
-            </a:r>
-            <a:r>
-              <a:rPr lang="en-CA" sz="1800" dirty="0"/>
-              <a:t> into </a:t>
-            </a:r>
-            <a:r>
-              <a:rPr lang="en-CA" sz="1800" dirty="0" err="1"/>
-              <a:t>tf-idf</a:t>
-            </a:r>
-            <a:endParaRPr lang="en-CA" sz="1800" dirty="0"/>
-          </a:p>
-        </p:txBody>
-      </p:sp>
-    </p:spTree>
-    <p:extLst>
-      <p:ext uri="{BB962C8B-B14F-4D97-AF65-F5344CB8AC3E}">
-        <p14:creationId xmlns:p14="http://schemas.microsoft.com/office/powerpoint/2010/main" val="2447426066"/>
-      </p:ext>
-    </p:extLst>
-  </p:cSld>
-  <p:clrMapOvr>
-    <a:masterClrMapping/>
-  </p:clrMapOvr>
-</p:sld>
-</file>
-
-<file path=ppt/slides/slide47.xml><?xml version="1.0" encoding="utf-8"?>
-<p:sld xmlns:a="http://schemas.openxmlformats.org/drawingml/2006/main" xmlns:r="http://schemas.openxmlformats.org/officeDocument/2006/relationships" xmlns:p="http://schemas.openxmlformats.org/presentationml/2006/main">
-  <p:cSld>
-    <p:spTree>
-      <p:nvGrpSpPr>
-        <p:cNvPr id="1" name=""/>
-        <p:cNvGrpSpPr/>
-        <p:nvPr/>
-      </p:nvGrpSpPr>
-      <p:grpSpPr>
-        <a:xfrm>
-          <a:off x="0" y="0"/>
-          <a:ext cx="0" cy="0"/>
-          <a:chOff x="0" y="0"/>
-          <a:chExt cx="0" cy="0"/>
-        </a:xfrm>
-      </p:grpSpPr>
-      <p:sp>
-        <p:nvSpPr>
-          <p:cNvPr id="2" name="Title 1">
-            <a:extLst>
-              <a:ext uri="{FF2B5EF4-FFF2-40B4-BE49-F238E27FC236}">
-                <a16:creationId xmlns:a16="http://schemas.microsoft.com/office/drawing/2014/main" id="{50C87337-9A5A-4C50-91AF-DD245AAD6D9B}"/>
-              </a:ext>
-            </a:extLst>
-          </p:cNvPr>
-          <p:cNvSpPr>
-            <a:spLocks noGrp="1"/>
-          </p:cNvSpPr>
-          <p:nvPr>
-            <p:ph type="title"/>
-          </p:nvPr>
-        </p:nvSpPr>
-        <p:spPr/>
-        <p:txBody>
-          <a:bodyPr/>
-          <a:lstStyle/>
-          <a:p>
-            <a:r>
-              <a:rPr lang="en-CA" dirty="0"/>
-              <a:t>Results &amp; Analysis– Hotels by State</a:t>
-            </a:r>
-          </a:p>
-        </p:txBody>
-      </p:sp>
-      <p:pic>
-        <p:nvPicPr>
-          <p:cNvPr id="5" name="Content Placeholder 4">
-            <a:extLst>
-              <a:ext uri="{FF2B5EF4-FFF2-40B4-BE49-F238E27FC236}">
-                <a16:creationId xmlns:a16="http://schemas.microsoft.com/office/drawing/2014/main" id="{801E8B8E-8E43-49C2-9616-C22F3762ADDF}"/>
-              </a:ext>
-            </a:extLst>
-          </p:cNvPr>
-          <p:cNvPicPr>
-            <a:picLocks noGrp="1" noChangeAspect="1"/>
-          </p:cNvPicPr>
-          <p:nvPr>
-            <p:ph idx="1"/>
-          </p:nvPr>
-        </p:nvPicPr>
-        <p:blipFill>
-          <a:blip r:embed="rId3">
-            <a:extLst>
-              <a:ext uri="{28A0092B-C50C-407E-A947-70E740481C1C}">
-                <a14:useLocalDpi xmlns:a14="http://schemas.microsoft.com/office/drawing/2010/main" val="0"/>
-              </a:ext>
-            </a:extLst>
-          </a:blip>
-          <a:srcRect/>
-          <a:stretch/>
-        </p:blipFill>
-        <p:spPr>
-          <a:xfrm>
-            <a:off x="2731475" y="2103438"/>
-            <a:ext cx="6729049" cy="3932236"/>
-          </a:xfrm>
-          <a:prstGeom prst="rect">
-            <a:avLst/>
-          </a:prstGeom>
-          <a:solidFill>
-            <a:srgbClr val="FFFFFF">
-              <a:shade val="85000"/>
-            </a:srgbClr>
-          </a:solidFill>
-          <a:ln w="88900" cap="sq">
-            <a:solidFill>
-              <a:srgbClr val="FFFFFF"/>
-            </a:solidFill>
-            <a:miter lim="800000"/>
-          </a:ln>
-          <a:effectLst>
-            <a:outerShdw blurRad="55000" dist="18000" dir="5400000" algn="tl" rotWithShape="0">
-              <a:srgbClr val="000000">
-                <a:alpha val="40000"/>
-              </a:srgbClr>
-            </a:outerShdw>
-          </a:effectLst>
-          <a:scene3d>
-            <a:camera prst="orthographicFront"/>
-            <a:lightRig rig="twoPt" dir="t">
-              <a:rot lat="0" lon="0" rev="7200000"/>
-            </a:lightRig>
-          </a:scene3d>
-          <a:sp3d>
-            <a:bevelT w="25400" h="19050"/>
-            <a:contourClr>
-              <a:srgbClr val="FFFFFF"/>
-            </a:contourClr>
-          </a:sp3d>
-        </p:spPr>
-      </p:pic>
-    </p:spTree>
-    <p:extLst>
-      <p:ext uri="{BB962C8B-B14F-4D97-AF65-F5344CB8AC3E}">
-        <p14:creationId xmlns:p14="http://schemas.microsoft.com/office/powerpoint/2010/main" val="3286535324"/>
-      </p:ext>
-    </p:extLst>
-  </p:cSld>
-  <p:clrMapOvr>
-    <a:masterClrMapping/>
-  </p:clrMapOvr>
-</p:sld>
-</file>
-
-<file path=ppt/slides/slide48.xml><?xml version="1.0" encoding="utf-8"?>
-<p:sld xmlns:a="http://schemas.openxmlformats.org/drawingml/2006/main" xmlns:r="http://schemas.openxmlformats.org/officeDocument/2006/relationships" xmlns:p="http://schemas.openxmlformats.org/presentationml/2006/main">
-  <p:cSld>
-    <p:spTree>
-      <p:nvGrpSpPr>
-        <p:cNvPr id="1" name=""/>
-        <p:cNvGrpSpPr/>
-        <p:nvPr/>
-      </p:nvGrpSpPr>
-      <p:grpSpPr>
-        <a:xfrm>
-          <a:off x="0" y="0"/>
-          <a:ext cx="0" cy="0"/>
-          <a:chOff x="0" y="0"/>
-          <a:chExt cx="0" cy="0"/>
-        </a:xfrm>
-      </p:grpSpPr>
-      <p:sp>
-        <p:nvSpPr>
-          <p:cNvPr id="2" name="Title 1">
-            <a:extLst>
-              <a:ext uri="{FF2B5EF4-FFF2-40B4-BE49-F238E27FC236}">
-                <a16:creationId xmlns:a16="http://schemas.microsoft.com/office/drawing/2014/main" id="{50C87337-9A5A-4C50-91AF-DD245AAD6D9B}"/>
-              </a:ext>
-            </a:extLst>
-          </p:cNvPr>
-          <p:cNvSpPr>
-            <a:spLocks noGrp="1"/>
-          </p:cNvSpPr>
-          <p:nvPr>
-            <p:ph type="title"/>
-          </p:nvPr>
-        </p:nvSpPr>
-        <p:spPr/>
-        <p:txBody>
-          <a:bodyPr>
-            <a:normAutofit fontScale="90000"/>
-          </a:bodyPr>
-          <a:lstStyle/>
-          <a:p>
-            <a:r>
-              <a:rPr lang="en-CA" dirty="0"/>
-              <a:t>Results &amp; Analysis – Average Review by State</a:t>
-            </a:r>
-          </a:p>
-        </p:txBody>
-      </p:sp>
-      <p:pic>
-        <p:nvPicPr>
-          <p:cNvPr id="5" name="Content Placeholder 4">
-            <a:extLst>
-              <a:ext uri="{FF2B5EF4-FFF2-40B4-BE49-F238E27FC236}">
-                <a16:creationId xmlns:a16="http://schemas.microsoft.com/office/drawing/2014/main" id="{DC908B92-31FD-41A5-A7A0-73701DEF5B1A}"/>
-              </a:ext>
-            </a:extLst>
-          </p:cNvPr>
-          <p:cNvPicPr>
-            <a:picLocks noGrp="1" noChangeAspect="1"/>
-          </p:cNvPicPr>
-          <p:nvPr>
-            <p:ph idx="1"/>
-          </p:nvPr>
-        </p:nvPicPr>
-        <p:blipFill>
-          <a:blip r:embed="rId2">
-            <a:extLst>
-              <a:ext uri="{28A0092B-C50C-407E-A947-70E740481C1C}">
-                <a14:useLocalDpi xmlns:a14="http://schemas.microsoft.com/office/drawing/2010/main" val="0"/>
-              </a:ext>
-            </a:extLst>
-          </a:blip>
-          <a:srcRect/>
-          <a:stretch/>
-        </p:blipFill>
-        <p:spPr>
-          <a:xfrm>
-            <a:off x="2731475" y="2103438"/>
-            <a:ext cx="6729049" cy="3932235"/>
-          </a:xfrm>
-          <a:prstGeom prst="rect">
-            <a:avLst/>
-          </a:prstGeom>
-          <a:solidFill>
-            <a:srgbClr val="FFFFFF">
-              <a:shade val="85000"/>
-            </a:srgbClr>
-          </a:solidFill>
-          <a:ln w="88900" cap="sq">
-            <a:solidFill>
-              <a:srgbClr val="FFFFFF"/>
-            </a:solidFill>
-            <a:miter lim="800000"/>
-          </a:ln>
-          <a:effectLst>
-            <a:outerShdw blurRad="55000" dist="18000" dir="5400000" algn="tl" rotWithShape="0">
-              <a:srgbClr val="000000">
-                <a:alpha val="40000"/>
-              </a:srgbClr>
-            </a:outerShdw>
-          </a:effectLst>
-          <a:scene3d>
-            <a:camera prst="orthographicFront"/>
-            <a:lightRig rig="twoPt" dir="t">
-              <a:rot lat="0" lon="0" rev="7200000"/>
-            </a:lightRig>
-          </a:scene3d>
-          <a:sp3d>
-            <a:bevelT w="25400" h="19050"/>
-            <a:contourClr>
-              <a:srgbClr val="FFFFFF"/>
-            </a:contourClr>
-          </a:sp3d>
-        </p:spPr>
-      </p:pic>
-    </p:spTree>
-    <p:extLst>
-      <p:ext uri="{BB962C8B-B14F-4D97-AF65-F5344CB8AC3E}">
-        <p14:creationId xmlns:p14="http://schemas.microsoft.com/office/powerpoint/2010/main" val="3122618278"/>
-      </p:ext>
-    </p:extLst>
-  </p:cSld>
-  <p:clrMapOvr>
-    <a:masterClrMapping/>
-  </p:clrMapOvr>
-</p:sld>
-</file>
-
-<file path=ppt/slides/slide49.xml><?xml version="1.0" encoding="utf-8"?>
-<p:sld xmlns:a="http://schemas.openxmlformats.org/drawingml/2006/main" xmlns:r="http://schemas.openxmlformats.org/officeDocument/2006/relationships" xmlns:p="http://schemas.openxmlformats.org/presentationml/2006/main">
-  <p:cSld>
-    <p:spTree>
-      <p:nvGrpSpPr>
-        <p:cNvPr id="1" name=""/>
-        <p:cNvGrpSpPr/>
-        <p:nvPr/>
-      </p:nvGrpSpPr>
-      <p:grpSpPr>
-        <a:xfrm>
-          <a:off x="0" y="0"/>
-          <a:ext cx="0" cy="0"/>
-          <a:chOff x="0" y="0"/>
-          <a:chExt cx="0" cy="0"/>
-        </a:xfrm>
-      </p:grpSpPr>
-      <p:sp>
-        <p:nvSpPr>
-          <p:cNvPr id="2" name="Title 1">
-            <a:extLst>
-              <a:ext uri="{FF2B5EF4-FFF2-40B4-BE49-F238E27FC236}">
-                <a16:creationId xmlns:a16="http://schemas.microsoft.com/office/drawing/2014/main" id="{50C87337-9A5A-4C50-91AF-DD245AAD6D9B}"/>
-              </a:ext>
-            </a:extLst>
-          </p:cNvPr>
-          <p:cNvSpPr>
-            <a:spLocks noGrp="1"/>
-          </p:cNvSpPr>
-          <p:nvPr>
-            <p:ph type="title"/>
-          </p:nvPr>
-        </p:nvSpPr>
-        <p:spPr/>
-        <p:txBody>
-          <a:bodyPr>
-            <a:normAutofit/>
-          </a:bodyPr>
-          <a:lstStyle/>
-          <a:p>
-            <a:r>
-              <a:rPr lang="en-CA" dirty="0"/>
-              <a:t>Results &amp; Analysis – Change in Reviews</a:t>
-            </a:r>
-          </a:p>
-        </p:txBody>
-      </p:sp>
-      <p:pic>
-        <p:nvPicPr>
-          <p:cNvPr id="5" name="Content Placeholder 4">
-            <a:extLst>
-              <a:ext uri="{FF2B5EF4-FFF2-40B4-BE49-F238E27FC236}">
-                <a16:creationId xmlns:a16="http://schemas.microsoft.com/office/drawing/2014/main" id="{6B6D8629-FFDC-4F75-AA3B-76D2A8ECBE4E}"/>
-              </a:ext>
-            </a:extLst>
-          </p:cNvPr>
-          <p:cNvPicPr>
-            <a:picLocks noGrp="1" noChangeAspect="1"/>
-          </p:cNvPicPr>
-          <p:nvPr>
-            <p:ph idx="1"/>
-          </p:nvPr>
-        </p:nvPicPr>
-        <p:blipFill>
-          <a:blip r:embed="rId2">
-            <a:extLst>
-              <a:ext uri="{28A0092B-C50C-407E-A947-70E740481C1C}">
-                <a14:useLocalDpi xmlns:a14="http://schemas.microsoft.com/office/drawing/2010/main" val="0"/>
-              </a:ext>
-            </a:extLst>
-          </a:blip>
-          <a:srcRect/>
-          <a:stretch/>
-        </p:blipFill>
-        <p:spPr>
-          <a:xfrm>
-            <a:off x="2731475" y="2103438"/>
-            <a:ext cx="6729049" cy="3932236"/>
-          </a:xfrm>
-          <a:prstGeom prst="rect">
-            <a:avLst/>
-          </a:prstGeom>
-          <a:solidFill>
-            <a:srgbClr val="FFFFFF">
-              <a:shade val="85000"/>
-            </a:srgbClr>
-          </a:solidFill>
-          <a:ln w="88900" cap="sq">
-            <a:solidFill>
-              <a:srgbClr val="FFFFFF"/>
-            </a:solidFill>
-            <a:miter lim="800000"/>
-          </a:ln>
-          <a:effectLst>
-            <a:outerShdw blurRad="55000" dist="18000" dir="5400000" algn="tl" rotWithShape="0">
-              <a:srgbClr val="000000">
-                <a:alpha val="40000"/>
-              </a:srgbClr>
-            </a:outerShdw>
-          </a:effectLst>
-          <a:scene3d>
-            <a:camera prst="orthographicFront"/>
-            <a:lightRig rig="twoPt" dir="t">
-              <a:rot lat="0" lon="0" rev="7200000"/>
-            </a:lightRig>
-          </a:scene3d>
-          <a:sp3d>
-            <a:bevelT w="25400" h="19050"/>
-            <a:contourClr>
-              <a:srgbClr val="FFFFFF"/>
-            </a:contourClr>
-          </a:sp3d>
-        </p:spPr>
-      </p:pic>
-    </p:spTree>
-    <p:extLst>
-      <p:ext uri="{BB962C8B-B14F-4D97-AF65-F5344CB8AC3E}">
-        <p14:creationId xmlns:p14="http://schemas.microsoft.com/office/powerpoint/2010/main" val="261035940"/>
-      </p:ext>
-    </p:extLst>
-  </p:cSld>
-  <p:clrMapOvr>
-    <a:masterClrMapping/>
-  </p:clrMapOvr>
-</p:sld>
-</file>
-
 <file path=ppt/slides/slide5.xml><?xml version="1.0" encoding="utf-8"?>
 <p:sld xmlns:a="http://schemas.openxmlformats.org/drawingml/2006/main" xmlns:r="http://schemas.openxmlformats.org/officeDocument/2006/relationships" xmlns:p="http://schemas.openxmlformats.org/presentationml/2006/main">
   <p:cSld>
@@ -25705,6 +26740,383 @@
           <p:cNvPr id="2" name="Title 1">
             <a:extLst>
               <a:ext uri="{FF2B5EF4-FFF2-40B4-BE49-F238E27FC236}">
+                <a16:creationId xmlns:a16="http://schemas.microsoft.com/office/drawing/2014/main" id="{50C87337-9A5A-4C50-91AF-DD245AAD6D9B}"/>
+              </a:ext>
+            </a:extLst>
+          </p:cNvPr>
+          <p:cNvSpPr>
+            <a:spLocks noGrp="1"/>
+          </p:cNvSpPr>
+          <p:nvPr>
+            <p:ph type="title"/>
+          </p:nvPr>
+        </p:nvSpPr>
+        <p:spPr/>
+        <p:txBody>
+          <a:bodyPr/>
+          <a:lstStyle/>
+          <a:p>
+            <a:r>
+              <a:rPr lang="en-CA" dirty="0"/>
+              <a:t>Results &amp; Analysis– Reviews by State</a:t>
+            </a:r>
+          </a:p>
+        </p:txBody>
+      </p:sp>
+      <p:pic>
+        <p:nvPicPr>
+          <p:cNvPr id="7" name="Content Placeholder 4">
+            <a:extLst>
+              <a:ext uri="{FF2B5EF4-FFF2-40B4-BE49-F238E27FC236}">
+                <a16:creationId xmlns:a16="http://schemas.microsoft.com/office/drawing/2014/main" id="{3E94B685-9E1B-44BF-987D-1C82EE3F40AF}"/>
+              </a:ext>
+            </a:extLst>
+          </p:cNvPr>
+          <p:cNvPicPr>
+            <a:picLocks noChangeAspect="1"/>
+          </p:cNvPicPr>
+          <p:nvPr/>
+        </p:nvPicPr>
+        <p:blipFill>
+          <a:blip r:embed="rId3">
+            <a:extLst>
+              <a:ext uri="{28A0092B-C50C-407E-A947-70E740481C1C}">
+                <a14:useLocalDpi xmlns:a14="http://schemas.microsoft.com/office/drawing/2010/main" val="0"/>
+              </a:ext>
+            </a:extLst>
+          </a:blip>
+          <a:srcRect/>
+          <a:stretch/>
+        </p:blipFill>
+        <p:spPr>
+          <a:xfrm>
+            <a:off x="2731475" y="2103438"/>
+            <a:ext cx="6729049" cy="3932236"/>
+          </a:xfrm>
+          <a:prstGeom prst="rect">
+            <a:avLst/>
+          </a:prstGeom>
+          <a:solidFill>
+            <a:srgbClr val="FFFFFF">
+              <a:shade val="85000"/>
+            </a:srgbClr>
+          </a:solidFill>
+          <a:ln w="88900" cap="sq">
+            <a:solidFill>
+              <a:srgbClr val="FFFFFF"/>
+            </a:solidFill>
+            <a:miter lim="800000"/>
+          </a:ln>
+          <a:effectLst>
+            <a:outerShdw blurRad="55000" dist="18000" dir="5400000" algn="tl" rotWithShape="0">
+              <a:srgbClr val="000000">
+                <a:alpha val="40000"/>
+              </a:srgbClr>
+            </a:outerShdw>
+          </a:effectLst>
+          <a:scene3d>
+            <a:camera prst="orthographicFront"/>
+            <a:lightRig rig="twoPt" dir="t">
+              <a:rot lat="0" lon="0" rev="7200000"/>
+            </a:lightRig>
+          </a:scene3d>
+          <a:sp3d>
+            <a:bevelT w="25400" h="19050"/>
+            <a:contourClr>
+              <a:srgbClr val="FFFFFF"/>
+            </a:contourClr>
+          </a:sp3d>
+        </p:spPr>
+      </p:pic>
+    </p:spTree>
+    <p:extLst>
+      <p:ext uri="{BB962C8B-B14F-4D97-AF65-F5344CB8AC3E}">
+        <p14:creationId xmlns:p14="http://schemas.microsoft.com/office/powerpoint/2010/main" val="3286535324"/>
+      </p:ext>
+    </p:extLst>
+  </p:cSld>
+  <p:clrMapOvr>
+    <a:masterClrMapping/>
+  </p:clrMapOvr>
+</p:sld>
+</file>
+
+<file path=ppt/slides/slide51.xml><?xml version="1.0" encoding="utf-8"?>
+<p:sld xmlns:a="http://schemas.openxmlformats.org/drawingml/2006/main" xmlns:r="http://schemas.openxmlformats.org/officeDocument/2006/relationships" xmlns:p="http://schemas.openxmlformats.org/presentationml/2006/main">
+  <p:cSld>
+    <p:spTree>
+      <p:nvGrpSpPr>
+        <p:cNvPr id="1" name=""/>
+        <p:cNvGrpSpPr/>
+        <p:nvPr/>
+      </p:nvGrpSpPr>
+      <p:grpSpPr>
+        <a:xfrm>
+          <a:off x="0" y="0"/>
+          <a:ext cx="0" cy="0"/>
+          <a:chOff x="0" y="0"/>
+          <a:chExt cx="0" cy="0"/>
+        </a:xfrm>
+      </p:grpSpPr>
+      <p:sp>
+        <p:nvSpPr>
+          <p:cNvPr id="2" name="Title 1">
+            <a:extLst>
+              <a:ext uri="{FF2B5EF4-FFF2-40B4-BE49-F238E27FC236}">
+                <a16:creationId xmlns:a16="http://schemas.microsoft.com/office/drawing/2014/main" id="{50C87337-9A5A-4C50-91AF-DD245AAD6D9B}"/>
+              </a:ext>
+            </a:extLst>
+          </p:cNvPr>
+          <p:cNvSpPr>
+            <a:spLocks noGrp="1"/>
+          </p:cNvSpPr>
+          <p:nvPr>
+            <p:ph type="title"/>
+          </p:nvPr>
+        </p:nvSpPr>
+        <p:spPr/>
+        <p:txBody>
+          <a:bodyPr>
+            <a:normAutofit fontScale="90000"/>
+          </a:bodyPr>
+          <a:lstStyle/>
+          <a:p>
+            <a:r>
+              <a:rPr lang="en-CA" dirty="0"/>
+              <a:t>Results &amp; Analysis – Average Review by State</a:t>
+            </a:r>
+          </a:p>
+        </p:txBody>
+      </p:sp>
+      <p:pic>
+        <p:nvPicPr>
+          <p:cNvPr id="5" name="Content Placeholder 4">
+            <a:extLst>
+              <a:ext uri="{FF2B5EF4-FFF2-40B4-BE49-F238E27FC236}">
+                <a16:creationId xmlns:a16="http://schemas.microsoft.com/office/drawing/2014/main" id="{DC908B92-31FD-41A5-A7A0-73701DEF5B1A}"/>
+              </a:ext>
+            </a:extLst>
+          </p:cNvPr>
+          <p:cNvPicPr>
+            <a:picLocks noGrp="1" noChangeAspect="1"/>
+          </p:cNvPicPr>
+          <p:nvPr>
+            <p:ph idx="1"/>
+          </p:nvPr>
+        </p:nvPicPr>
+        <p:blipFill>
+          <a:blip r:embed="rId2">
+            <a:extLst>
+              <a:ext uri="{28A0092B-C50C-407E-A947-70E740481C1C}">
+                <a14:useLocalDpi xmlns:a14="http://schemas.microsoft.com/office/drawing/2010/main" val="0"/>
+              </a:ext>
+            </a:extLst>
+          </a:blip>
+          <a:srcRect/>
+          <a:stretch/>
+        </p:blipFill>
+        <p:spPr>
+          <a:xfrm>
+            <a:off x="2731475" y="2103438"/>
+            <a:ext cx="6729049" cy="3932235"/>
+          </a:xfrm>
+          <a:prstGeom prst="rect">
+            <a:avLst/>
+          </a:prstGeom>
+          <a:solidFill>
+            <a:srgbClr val="FFFFFF">
+              <a:shade val="85000"/>
+            </a:srgbClr>
+          </a:solidFill>
+          <a:ln w="88900" cap="sq">
+            <a:solidFill>
+              <a:srgbClr val="FFFFFF"/>
+            </a:solidFill>
+            <a:miter lim="800000"/>
+          </a:ln>
+          <a:effectLst>
+            <a:outerShdw blurRad="55000" dist="18000" dir="5400000" algn="tl" rotWithShape="0">
+              <a:srgbClr val="000000">
+                <a:alpha val="40000"/>
+              </a:srgbClr>
+            </a:outerShdw>
+          </a:effectLst>
+          <a:scene3d>
+            <a:camera prst="orthographicFront"/>
+            <a:lightRig rig="twoPt" dir="t">
+              <a:rot lat="0" lon="0" rev="7200000"/>
+            </a:lightRig>
+          </a:scene3d>
+          <a:sp3d>
+            <a:bevelT w="25400" h="19050"/>
+            <a:contourClr>
+              <a:srgbClr val="FFFFFF"/>
+            </a:contourClr>
+          </a:sp3d>
+        </p:spPr>
+      </p:pic>
+    </p:spTree>
+    <p:extLst>
+      <p:ext uri="{BB962C8B-B14F-4D97-AF65-F5344CB8AC3E}">
+        <p14:creationId xmlns:p14="http://schemas.microsoft.com/office/powerpoint/2010/main" val="3122618278"/>
+      </p:ext>
+    </p:extLst>
+  </p:cSld>
+  <p:clrMapOvr>
+    <a:masterClrMapping/>
+  </p:clrMapOvr>
+</p:sld>
+</file>
+
+<file path=ppt/slides/slide52.xml><?xml version="1.0" encoding="utf-8"?>
+<p:sld xmlns:a="http://schemas.openxmlformats.org/drawingml/2006/main" xmlns:r="http://schemas.openxmlformats.org/officeDocument/2006/relationships" xmlns:p="http://schemas.openxmlformats.org/presentationml/2006/main">
+  <p:cSld>
+    <p:spTree>
+      <p:nvGrpSpPr>
+        <p:cNvPr id="1" name=""/>
+        <p:cNvGrpSpPr/>
+        <p:nvPr/>
+      </p:nvGrpSpPr>
+      <p:grpSpPr>
+        <a:xfrm>
+          <a:off x="0" y="0"/>
+          <a:ext cx="0" cy="0"/>
+          <a:chOff x="0" y="0"/>
+          <a:chExt cx="0" cy="0"/>
+        </a:xfrm>
+      </p:grpSpPr>
+      <p:sp>
+        <p:nvSpPr>
+          <p:cNvPr id="2" name="Title 1">
+            <a:extLst>
+              <a:ext uri="{FF2B5EF4-FFF2-40B4-BE49-F238E27FC236}">
+                <a16:creationId xmlns:a16="http://schemas.microsoft.com/office/drawing/2014/main" id="{50C87337-9A5A-4C50-91AF-DD245AAD6D9B}"/>
+              </a:ext>
+            </a:extLst>
+          </p:cNvPr>
+          <p:cNvSpPr>
+            <a:spLocks noGrp="1"/>
+          </p:cNvSpPr>
+          <p:nvPr>
+            <p:ph type="title"/>
+          </p:nvPr>
+        </p:nvSpPr>
+        <p:spPr/>
+        <p:txBody>
+          <a:bodyPr>
+            <a:normAutofit/>
+          </a:bodyPr>
+          <a:lstStyle/>
+          <a:p>
+            <a:r>
+              <a:rPr lang="en-CA" dirty="0"/>
+              <a:t>Results &amp; Analysis – Change in Reviews</a:t>
+            </a:r>
+          </a:p>
+        </p:txBody>
+      </p:sp>
+      <p:pic>
+        <p:nvPicPr>
+          <p:cNvPr id="5" name="Content Placeholder 4">
+            <a:extLst>
+              <a:ext uri="{FF2B5EF4-FFF2-40B4-BE49-F238E27FC236}">
+                <a16:creationId xmlns:a16="http://schemas.microsoft.com/office/drawing/2014/main" id="{6B6D8629-FFDC-4F75-AA3B-76D2A8ECBE4E}"/>
+              </a:ext>
+            </a:extLst>
+          </p:cNvPr>
+          <p:cNvPicPr>
+            <a:picLocks noGrp="1" noChangeAspect="1"/>
+          </p:cNvPicPr>
+          <p:nvPr>
+            <p:ph idx="1"/>
+          </p:nvPr>
+        </p:nvPicPr>
+        <p:blipFill>
+          <a:blip r:embed="rId2">
+            <a:extLst>
+              <a:ext uri="{28A0092B-C50C-407E-A947-70E740481C1C}">
+                <a14:useLocalDpi xmlns:a14="http://schemas.microsoft.com/office/drawing/2010/main" val="0"/>
+              </a:ext>
+            </a:extLst>
+          </a:blip>
+          <a:srcRect/>
+          <a:stretch/>
+        </p:blipFill>
+        <p:spPr>
+          <a:xfrm>
+            <a:off x="2731475" y="2103438"/>
+            <a:ext cx="6729049" cy="3932236"/>
+          </a:xfrm>
+          <a:prstGeom prst="rect">
+            <a:avLst/>
+          </a:prstGeom>
+          <a:solidFill>
+            <a:srgbClr val="FFFFFF">
+              <a:shade val="85000"/>
+            </a:srgbClr>
+          </a:solidFill>
+          <a:ln w="88900" cap="sq">
+            <a:solidFill>
+              <a:srgbClr val="FFFFFF"/>
+            </a:solidFill>
+            <a:miter lim="800000"/>
+          </a:ln>
+          <a:effectLst>
+            <a:outerShdw blurRad="55000" dist="18000" dir="5400000" algn="tl" rotWithShape="0">
+              <a:srgbClr val="000000">
+                <a:alpha val="40000"/>
+              </a:srgbClr>
+            </a:outerShdw>
+          </a:effectLst>
+          <a:scene3d>
+            <a:camera prst="orthographicFront"/>
+            <a:lightRig rig="twoPt" dir="t">
+              <a:rot lat="0" lon="0" rev="7200000"/>
+            </a:lightRig>
+          </a:scene3d>
+          <a:sp3d>
+            <a:bevelT w="25400" h="19050"/>
+            <a:contourClr>
+              <a:srgbClr val="FFFFFF"/>
+            </a:contourClr>
+          </a:sp3d>
+        </p:spPr>
+      </p:pic>
+    </p:spTree>
+    <p:extLst>
+      <p:ext uri="{BB962C8B-B14F-4D97-AF65-F5344CB8AC3E}">
+        <p14:creationId xmlns:p14="http://schemas.microsoft.com/office/powerpoint/2010/main" val="261035940"/>
+      </p:ext>
+    </p:extLst>
+  </p:cSld>
+  <p:clrMapOvr>
+    <a:masterClrMapping/>
+  </p:clrMapOvr>
+</p:sld>
+</file>
+
+<file path=ppt/slides/slide53.xml><?xml version="1.0" encoding="utf-8"?>
+<p:sld xmlns:a="http://schemas.openxmlformats.org/drawingml/2006/main" xmlns:r="http://schemas.openxmlformats.org/officeDocument/2006/relationships" xmlns:p="http://schemas.openxmlformats.org/presentationml/2006/main">
+  <p:cSld>
+    <p:spTree>
+      <p:nvGrpSpPr>
+        <p:cNvPr id="1" name=""/>
+        <p:cNvGrpSpPr/>
+        <p:nvPr/>
+      </p:nvGrpSpPr>
+      <p:grpSpPr>
+        <a:xfrm>
+          <a:off x="0" y="0"/>
+          <a:ext cx="0" cy="0"/>
+          <a:chOff x="0" y="0"/>
+          <a:chExt cx="0" cy="0"/>
+        </a:xfrm>
+      </p:grpSpPr>
+      <p:sp>
+        <p:nvSpPr>
+          <p:cNvPr id="2" name="Title 1">
+            <a:extLst>
+              <a:ext uri="{FF2B5EF4-FFF2-40B4-BE49-F238E27FC236}">
                 <a16:creationId xmlns:a16="http://schemas.microsoft.com/office/drawing/2014/main" id="{9A27B76D-4305-40E9-85D2-672DA985417E}"/>
               </a:ext>
             </a:extLst>
@@ -25755,7 +27167,7 @@
             <p:ph idx="1"/>
             <p:extLst>
               <p:ext uri="{D42A27DB-BD31-4B8C-83A1-F6EECF244321}">
-                <p14:modId xmlns:p14="http://schemas.microsoft.com/office/powerpoint/2010/main" val="3655489232"/>
+                <p14:modId xmlns:p14="http://schemas.microsoft.com/office/powerpoint/2010/main" val="3564572382"/>
               </p:ext>
             </p:extLst>
           </p:nvPr>
@@ -25984,7 +27396,7 @@
                           <a:ea typeface="+mn-ea"/>
                           <a:cs typeface="+mn-cs"/>
                         </a:rPr>
-                        <a:t>0.730</a:t>
+                        <a:t>0.751</a:t>
                       </a:r>
                       <a:endParaRPr lang="en-CA" sz="1800" b="0" u="none" strike="noStrike" kern="1200" dirty="0">
                         <a:solidFill>
@@ -26015,7 +27427,7 @@
                           <a:ea typeface="+mn-ea"/>
                           <a:cs typeface="+mn-cs"/>
                         </a:rPr>
-                        <a:t>0.315</a:t>
+                        <a:t>0.313</a:t>
                       </a:r>
                       <a:endParaRPr lang="en-CA" sz="1800" b="0" u="none" strike="noStrike" kern="1200" dirty="0">
                         <a:solidFill>
@@ -26075,7 +27487,7 @@
                           <a:ea typeface="+mn-ea"/>
                           <a:cs typeface="+mn-cs"/>
                         </a:rPr>
-                        <a:t>0.729</a:t>
+                        <a:t>0.754 </a:t>
                       </a:r>
                       <a:endParaRPr lang="en-CA" sz="1800" b="0" u="none" strike="noStrike" kern="1200" dirty="0">
                         <a:solidFill>
@@ -26106,7 +27518,7 @@
                           <a:ea typeface="+mn-ea"/>
                           <a:cs typeface="+mn-cs"/>
                         </a:rPr>
-                        <a:t>0.313</a:t>
+                        <a:t>0.320</a:t>
                       </a:r>
                       <a:endParaRPr lang="en-CA" sz="1800" b="0" u="none" strike="noStrike" kern="1200" dirty="0">
                         <a:solidFill>
@@ -26166,7 +27578,7 @@
                           <a:ea typeface="+mn-ea"/>
                           <a:cs typeface="+mn-cs"/>
                         </a:rPr>
-                        <a:t>0.725</a:t>
+                        <a:t>0.754 </a:t>
                       </a:r>
                       <a:endParaRPr lang="en-CA" sz="1800" b="1" u="none" strike="noStrike" kern="1200" dirty="0">
                         <a:solidFill>
@@ -26197,7 +27609,7 @@
                           <a:ea typeface="+mn-ea"/>
                           <a:cs typeface="+mn-cs"/>
                         </a:rPr>
-                        <a:t>0.322</a:t>
+                        <a:t>0.319</a:t>
                       </a:r>
                       <a:endParaRPr lang="en-CA" sz="1800" b="1" u="none" strike="noStrike" kern="1200" dirty="0">
                         <a:solidFill>
@@ -26257,7 +27669,7 @@
                           <a:ea typeface="+mn-ea"/>
                           <a:cs typeface="+mn-cs"/>
                         </a:rPr>
-                        <a:t>0.731</a:t>
+                        <a:t>0.754</a:t>
                       </a:r>
                       <a:endParaRPr lang="en-CA" sz="1800" b="1" u="none" strike="noStrike" kern="1200" dirty="0">
                         <a:solidFill>
@@ -26288,7 +27700,7 @@
                           <a:ea typeface="+mn-ea"/>
                           <a:cs typeface="+mn-cs"/>
                         </a:rPr>
-                        <a:t>0.319</a:t>
+                        <a:t>0.315</a:t>
                       </a:r>
                       <a:endParaRPr lang="en-CA" sz="1800" b="1" u="none" strike="noStrike" kern="1200" dirty="0">
                         <a:solidFill>
@@ -26509,7 +27921,7 @@
 </p:sld>
 </file>
 
-<file path=ppt/slides/slide51.xml><?xml version="1.0" encoding="utf-8"?>
+<file path=ppt/slides/slide54.xml><?xml version="1.0" encoding="utf-8"?>
 <p:sld xmlns:a="http://schemas.openxmlformats.org/drawingml/2006/main" xmlns:r="http://schemas.openxmlformats.org/officeDocument/2006/relationships" xmlns:p="http://schemas.openxmlformats.org/presentationml/2006/main">
   <p:cSld>
     <p:spTree>
